--- a/mmcgoldr/Project/mmcgoldr_project_presentation.pptx
+++ b/mmcgoldr/Project/mmcgoldr_project_presentation.pptx
@@ -5,7 +5,7 @@
     <p:sldMasterId id="2147483660" r:id="rId1"/>
   </p:sldMasterIdLst>
   <p:notesMasterIdLst>
-    <p:notesMasterId r:id="rId17"/>
+    <p:notesMasterId r:id="rId16"/>
   </p:notesMasterIdLst>
   <p:sldIdLst>
     <p:sldId id="256" r:id="rId2"/>
@@ -17,12 +17,11 @@
     <p:sldId id="273" r:id="rId8"/>
     <p:sldId id="287" r:id="rId9"/>
     <p:sldId id="294" r:id="rId10"/>
-    <p:sldId id="298" r:id="rId11"/>
-    <p:sldId id="288" r:id="rId12"/>
-    <p:sldId id="295" r:id="rId13"/>
-    <p:sldId id="289" r:id="rId14"/>
-    <p:sldId id="296" r:id="rId15"/>
-    <p:sldId id="282" r:id="rId16"/>
+    <p:sldId id="288" r:id="rId11"/>
+    <p:sldId id="295" r:id="rId12"/>
+    <p:sldId id="289" r:id="rId13"/>
+    <p:sldId id="296" r:id="rId14"/>
+    <p:sldId id="282" r:id="rId15"/>
   </p:sldIdLst>
   <p:sldSz cx="9144000" cy="6858000" type="screen4x3"/>
   <p:notesSz cx="6858000" cy="9313863"/>
@@ -517,11 +516,11 @@
           <c:showBubbleSize val="0"/>
         </c:dLbls>
         <c:gapWidth val="60"/>
-        <c:axId val="210678400"/>
-        <c:axId val="210678792"/>
+        <c:axId val="195408944"/>
+        <c:axId val="194359984"/>
       </c:barChart>
       <c:catAx>
-        <c:axId val="210678400"/>
+        <c:axId val="195408944"/>
         <c:scaling>
           <c:orientation val="minMax"/>
         </c:scaling>
@@ -531,7 +530,7 @@
         <c:majorTickMark val="out"/>
         <c:minorTickMark val="none"/>
         <c:tickLblPos val="nextTo"/>
-        <c:crossAx val="210678792"/>
+        <c:crossAx val="194359984"/>
         <c:crosses val="autoZero"/>
         <c:auto val="1"/>
         <c:lblAlgn val="ctr"/>
@@ -539,7 +538,7 @@
         <c:noMultiLvlLbl val="0"/>
       </c:catAx>
       <c:valAx>
-        <c:axId val="210678792"/>
+        <c:axId val="194359984"/>
         <c:scaling>
           <c:orientation val="minMax"/>
           <c:min val="0"/>
@@ -550,7 +549,7 @@
         <c:majorTickMark val="out"/>
         <c:minorTickMark val="none"/>
         <c:tickLblPos val="nextTo"/>
-        <c:crossAx val="210678400"/>
+        <c:crossAx val="195408944"/>
         <c:crosses val="autoZero"/>
         <c:crossBetween val="between"/>
       </c:valAx>
@@ -993,11 +992,11 @@
           <c:showBubbleSize val="0"/>
         </c:dLbls>
         <c:gapWidth val="60"/>
-        <c:axId val="243630272"/>
-        <c:axId val="246155976"/>
+        <c:axId val="200456128"/>
+        <c:axId val="200456520"/>
       </c:barChart>
       <c:catAx>
-        <c:axId val="243630272"/>
+        <c:axId val="200456128"/>
         <c:scaling>
           <c:orientation val="maxMin"/>
         </c:scaling>
@@ -1035,7 +1034,7 @@
             <a:endParaRPr lang="en-US"/>
           </a:p>
         </c:txPr>
-        <c:crossAx val="246155976"/>
+        <c:crossAx val="200456520"/>
         <c:crosses val="autoZero"/>
         <c:auto val="1"/>
         <c:lblAlgn val="ctr"/>
@@ -1043,7 +1042,7 @@
         <c:noMultiLvlLbl val="0"/>
       </c:catAx>
       <c:valAx>
-        <c:axId val="246155976"/>
+        <c:axId val="200456520"/>
         <c:scaling>
           <c:orientation val="minMax"/>
           <c:max val="0.98"/>
@@ -1055,7 +1054,7 @@
         <c:majorTickMark val="out"/>
         <c:minorTickMark val="none"/>
         <c:tickLblPos val="nextTo"/>
-        <c:crossAx val="243630272"/>
+        <c:crossAx val="200456128"/>
         <c:crosses val="autoZero"/>
         <c:crossBetween val="between"/>
       </c:valAx>
@@ -1095,650 +1094,6 @@
 </file>
 
 <file path=ppt/charts/chart11.xml><?xml version="1.0" encoding="utf-8"?>
-<c:chartSpace xmlns:c="http://schemas.openxmlformats.org/drawingml/2006/chart" xmlns:a="http://schemas.openxmlformats.org/drawingml/2006/main" xmlns:r="http://schemas.openxmlformats.org/officeDocument/2006/relationships">
-  <c:date1904 val="0"/>
-  <c:lang val="en-US"/>
-  <c:roundedCorners val="0"/>
-  <mc:AlternateContent xmlns:mc="http://schemas.openxmlformats.org/markup-compatibility/2006">
-    <mc:Choice xmlns:c14="http://schemas.microsoft.com/office/drawing/2007/8/2/chart" Requires="c14">
-      <c14:style val="102"/>
-    </mc:Choice>
-    <mc:Fallback>
-      <c:style val="2"/>
-    </mc:Fallback>
-  </mc:AlternateContent>
-  <c:chart>
-    <c:autoTitleDeleted val="1"/>
-    <c:plotArea>
-      <c:layout>
-        <c:manualLayout>
-          <c:layoutTarget val="inner"/>
-          <c:xMode val="edge"/>
-          <c:yMode val="edge"/>
-          <c:x val="0.38588791785642174"/>
-          <c:y val="4.3055509018819459E-2"/>
-          <c:w val="0.61411208214357815"/>
-          <c:h val="0.93678673144580327"/>
-        </c:manualLayout>
-      </c:layout>
-      <c:barChart>
-        <c:barDir val="bar"/>
-        <c:grouping val="clustered"/>
-        <c:varyColors val="0"/>
-        <c:ser>
-          <c:idx val="0"/>
-          <c:order val="0"/>
-          <c:tx>
-            <c:strRef>
-              <c:f>Sheet1!$B$1</c:f>
-              <c:strCache>
-                <c:ptCount val="1"/>
-                <c:pt idx="0">
-                  <c:v>Series 1</c:v>
-                </c:pt>
-              </c:strCache>
-            </c:strRef>
-          </c:tx>
-          <c:spPr>
-            <a:solidFill>
-              <a:srgbClr val="990033"/>
-            </a:solidFill>
-            <a:ln>
-              <a:noFill/>
-            </a:ln>
-            <a:effectLst/>
-          </c:spPr>
-          <c:invertIfNegative val="0"/>
-          <c:dLbls>
-            <c:dLbl>
-              <c:idx val="2"/>
-              <c:layout>
-                <c:manualLayout>
-                  <c:x val="0"/>
-                  <c:y val="1.0416666666666715E-2"/>
-                </c:manualLayout>
-              </c:layout>
-              <c:showLegendKey val="0"/>
-              <c:showVal val="1"/>
-              <c:showCatName val="0"/>
-              <c:showSerName val="0"/>
-              <c:showPercent val="0"/>
-              <c:showBubbleSize val="0"/>
-              <c:extLst>
-                <c:ext xmlns:c15="http://schemas.microsoft.com/office/drawing/2012/chart" uri="{CE6537A1-D6FC-4f65-9D91-7224C49458BB}"/>
-              </c:extLst>
-            </c:dLbl>
-            <c:spPr>
-              <a:noFill/>
-              <a:ln>
-                <a:noFill/>
-              </a:ln>
-              <a:effectLst/>
-            </c:spPr>
-            <c:txPr>
-              <a:bodyPr rot="0" spcFirstLastPara="1" vertOverflow="ellipsis" vert="horz" wrap="square" anchor="ctr" anchorCtr="1"/>
-              <a:lstStyle/>
-              <a:p>
-                <a:pPr>
-                  <a:defRPr sz="1400" b="0" i="0" u="none" strike="noStrike" kern="1200" baseline="0">
-                    <a:solidFill>
-                      <a:schemeClr val="tx1">
-                        <a:lumMod val="75000"/>
-                        <a:lumOff val="25000"/>
-                      </a:schemeClr>
-                    </a:solidFill>
-                    <a:latin typeface="+mn-lt"/>
-                    <a:ea typeface="+mn-ea"/>
-                    <a:cs typeface="+mn-cs"/>
-                  </a:defRPr>
-                </a:pPr>
-                <a:endParaRPr lang="en-US"/>
-              </a:p>
-            </c:txPr>
-            <c:showLegendKey val="0"/>
-            <c:showVal val="1"/>
-            <c:showCatName val="0"/>
-            <c:showSerName val="0"/>
-            <c:showPercent val="0"/>
-            <c:showBubbleSize val="0"/>
-            <c:showLeaderLines val="0"/>
-            <c:extLst>
-              <c:ext xmlns:c15="http://schemas.microsoft.com/office/drawing/2012/chart" uri="{CE6537A1-D6FC-4f65-9D91-7224C49458BB}">
-                <c15:showLeaderLines val="1"/>
-                <c15:leaderLines>
-                  <c:spPr>
-                    <a:ln w="9525" cap="flat" cmpd="sng" algn="ctr">
-                      <a:solidFill>
-                        <a:schemeClr val="tx1">
-                          <a:lumMod val="35000"/>
-                          <a:lumOff val="65000"/>
-                        </a:schemeClr>
-                      </a:solidFill>
-                      <a:round/>
-                    </a:ln>
-                    <a:effectLst/>
-                  </c:spPr>
-                </c15:leaderLines>
-              </c:ext>
-            </c:extLst>
-          </c:dLbls>
-          <c:cat>
-            <c:strRef>
-              <c:f>Sheet1!$A$2:$A$12</c:f>
-              <c:strCache>
-                <c:ptCount val="11"/>
-                <c:pt idx="0">
-                  <c:v>Alcohol</c:v>
-                </c:pt>
-                <c:pt idx="1">
-                  <c:v>Sulphates</c:v>
-                </c:pt>
-                <c:pt idx="2">
-                  <c:v>Total S02</c:v>
-                </c:pt>
-                <c:pt idx="3">
-                  <c:v>Volatile Acidity</c:v>
-                </c:pt>
-                <c:pt idx="4">
-                  <c:v>Density</c:v>
-                </c:pt>
-                <c:pt idx="5">
-                  <c:v>Chlorides</c:v>
-                </c:pt>
-                <c:pt idx="6">
-                  <c:v>Fixed Acidity</c:v>
-                </c:pt>
-                <c:pt idx="7">
-                  <c:v>pH</c:v>
-                </c:pt>
-                <c:pt idx="8">
-                  <c:v>Citric Acid</c:v>
-                </c:pt>
-                <c:pt idx="9">
-                  <c:v>Residual Sugar</c:v>
-                </c:pt>
-                <c:pt idx="10">
-                  <c:v>Free S02</c:v>
-                </c:pt>
-              </c:strCache>
-            </c:strRef>
-          </c:cat>
-          <c:val>
-            <c:numRef>
-              <c:f>Sheet1!$B$2:$B$12</c:f>
-              <c:numCache>
-                <c:formatCode>0.00</c:formatCode>
-                <c:ptCount val="11"/>
-                <c:pt idx="0">
-                  <c:v>0.14649699999999999</c:v>
-                </c:pt>
-                <c:pt idx="1">
-                  <c:v>0.11076</c:v>
-                </c:pt>
-                <c:pt idx="2">
-                  <c:v>0.104602</c:v>
-                </c:pt>
-                <c:pt idx="3">
-                  <c:v>0.104146</c:v>
-                </c:pt>
-                <c:pt idx="4">
-                  <c:v>9.2110999999999998E-2</c:v>
-                </c:pt>
-                <c:pt idx="5">
-                  <c:v>8.0157000000000006E-2</c:v>
-                </c:pt>
-                <c:pt idx="6">
-                  <c:v>7.5426000000000007E-2</c:v>
-                </c:pt>
-                <c:pt idx="7">
-                  <c:v>7.4606000000000006E-2</c:v>
-                </c:pt>
-                <c:pt idx="8">
-                  <c:v>7.3862999999999998E-2</c:v>
-                </c:pt>
-                <c:pt idx="9">
-                  <c:v>7.0715E-2</c:v>
-                </c:pt>
-                <c:pt idx="10">
-                  <c:v>6.7117999999999997E-2</c:v>
-                </c:pt>
-              </c:numCache>
-            </c:numRef>
-          </c:val>
-        </c:ser>
-        <c:dLbls>
-          <c:showLegendKey val="0"/>
-          <c:showVal val="0"/>
-          <c:showCatName val="0"/>
-          <c:showSerName val="0"/>
-          <c:showPercent val="0"/>
-          <c:showBubbleSize val="0"/>
-        </c:dLbls>
-        <c:gapWidth val="60"/>
-        <c:axId val="246157152"/>
-        <c:axId val="246157544"/>
-      </c:barChart>
-      <c:catAx>
-        <c:axId val="246157152"/>
-        <c:scaling>
-          <c:orientation val="maxMin"/>
-        </c:scaling>
-        <c:delete val="0"/>
-        <c:axPos val="l"/>
-        <c:numFmt formatCode="General" sourceLinked="1"/>
-        <c:majorTickMark val="none"/>
-        <c:minorTickMark val="none"/>
-        <c:tickLblPos val="nextTo"/>
-        <c:spPr>
-          <a:noFill/>
-          <a:ln w="9525" cap="flat" cmpd="sng" algn="ctr">
-            <a:noFill/>
-            <a:round/>
-          </a:ln>
-          <a:effectLst/>
-        </c:spPr>
-        <c:txPr>
-          <a:bodyPr rot="-60000000" spcFirstLastPara="1" vertOverflow="ellipsis" vert="horz" wrap="square" anchor="ctr" anchorCtr="1"/>
-          <a:lstStyle/>
-          <a:p>
-            <a:pPr>
-              <a:defRPr sz="1400" b="0" i="0" u="none" strike="noStrike" kern="1200" baseline="0">
-                <a:solidFill>
-                  <a:schemeClr val="tx1">
-                    <a:lumMod val="65000"/>
-                    <a:lumOff val="35000"/>
-                  </a:schemeClr>
-                </a:solidFill>
-                <a:latin typeface="+mn-lt"/>
-                <a:ea typeface="+mn-ea"/>
-                <a:cs typeface="+mn-cs"/>
-              </a:defRPr>
-            </a:pPr>
-            <a:endParaRPr lang="en-US"/>
-          </a:p>
-        </c:txPr>
-        <c:crossAx val="246157544"/>
-        <c:crosses val="autoZero"/>
-        <c:auto val="1"/>
-        <c:lblAlgn val="ctr"/>
-        <c:lblOffset val="100"/>
-        <c:noMultiLvlLbl val="0"/>
-      </c:catAx>
-      <c:valAx>
-        <c:axId val="246157544"/>
-        <c:scaling>
-          <c:orientation val="minMax"/>
-          <c:max val="0.2"/>
-          <c:min val="0"/>
-        </c:scaling>
-        <c:delete val="1"/>
-        <c:axPos val="t"/>
-        <c:numFmt formatCode="0.00" sourceLinked="1"/>
-        <c:majorTickMark val="out"/>
-        <c:minorTickMark val="none"/>
-        <c:tickLblPos val="nextTo"/>
-        <c:crossAx val="246157152"/>
-        <c:crosses val="autoZero"/>
-        <c:crossBetween val="between"/>
-      </c:valAx>
-      <c:spPr>
-        <a:noFill/>
-        <a:ln>
-          <a:noFill/>
-        </a:ln>
-        <a:effectLst/>
-      </c:spPr>
-    </c:plotArea>
-    <c:plotVisOnly val="1"/>
-    <c:dispBlanksAs val="gap"/>
-    <c:showDLblsOverMax val="0"/>
-  </c:chart>
-  <c:spPr>
-    <a:noFill/>
-    <a:ln>
-      <a:noFill/>
-    </a:ln>
-    <a:effectLst/>
-  </c:spPr>
-  <c:txPr>
-    <a:bodyPr/>
-    <a:lstStyle/>
-    <a:p>
-      <a:pPr>
-        <a:defRPr sz="1400"/>
-      </a:pPr>
-      <a:endParaRPr lang="en-US"/>
-    </a:p>
-  </c:txPr>
-  <c:externalData r:id="rId3">
-    <c:autoUpdate val="0"/>
-  </c:externalData>
-</c:chartSpace>
-</file>
-
-<file path=ppt/charts/chart12.xml><?xml version="1.0" encoding="utf-8"?>
-<c:chartSpace xmlns:c="http://schemas.openxmlformats.org/drawingml/2006/chart" xmlns:a="http://schemas.openxmlformats.org/drawingml/2006/main" xmlns:r="http://schemas.openxmlformats.org/officeDocument/2006/relationships">
-  <c:date1904 val="0"/>
-  <c:lang val="en-US"/>
-  <c:roundedCorners val="0"/>
-  <mc:AlternateContent xmlns:mc="http://schemas.openxmlformats.org/markup-compatibility/2006">
-    <mc:Choice xmlns:c14="http://schemas.microsoft.com/office/drawing/2007/8/2/chart" Requires="c14">
-      <c14:style val="102"/>
-    </mc:Choice>
-    <mc:Fallback>
-      <c:style val="2"/>
-    </mc:Fallback>
-  </mc:AlternateContent>
-  <c:chart>
-    <c:autoTitleDeleted val="1"/>
-    <c:plotArea>
-      <c:layout>
-        <c:manualLayout>
-          <c:layoutTarget val="inner"/>
-          <c:xMode val="edge"/>
-          <c:yMode val="edge"/>
-          <c:x val="0.38588791785642174"/>
-          <c:y val="4.3055509018819459E-2"/>
-          <c:w val="0.61411208214357815"/>
-          <c:h val="0.93678673144580327"/>
-        </c:manualLayout>
-      </c:layout>
-      <c:barChart>
-        <c:barDir val="bar"/>
-        <c:grouping val="clustered"/>
-        <c:varyColors val="0"/>
-        <c:ser>
-          <c:idx val="0"/>
-          <c:order val="0"/>
-          <c:tx>
-            <c:strRef>
-              <c:f>Sheet1!$B$1</c:f>
-              <c:strCache>
-                <c:ptCount val="1"/>
-                <c:pt idx="0">
-                  <c:v>Series 1</c:v>
-                </c:pt>
-              </c:strCache>
-            </c:strRef>
-          </c:tx>
-          <c:spPr>
-            <a:solidFill>
-              <a:srgbClr val="FFF301"/>
-            </a:solidFill>
-            <a:ln>
-              <a:noFill/>
-            </a:ln>
-            <a:effectLst/>
-          </c:spPr>
-          <c:invertIfNegative val="0"/>
-          <c:dLbls>
-            <c:dLbl>
-              <c:idx val="2"/>
-              <c:layout>
-                <c:manualLayout>
-                  <c:x val="0"/>
-                  <c:y val="1.0416666666666715E-2"/>
-                </c:manualLayout>
-              </c:layout>
-              <c:showLegendKey val="0"/>
-              <c:showVal val="1"/>
-              <c:showCatName val="0"/>
-              <c:showSerName val="0"/>
-              <c:showPercent val="0"/>
-              <c:showBubbleSize val="0"/>
-              <c:extLst>
-                <c:ext xmlns:c15="http://schemas.microsoft.com/office/drawing/2012/chart" uri="{CE6537A1-D6FC-4f65-9D91-7224C49458BB}"/>
-              </c:extLst>
-            </c:dLbl>
-            <c:spPr>
-              <a:noFill/>
-              <a:ln>
-                <a:noFill/>
-              </a:ln>
-              <a:effectLst/>
-            </c:spPr>
-            <c:txPr>
-              <a:bodyPr rot="0" spcFirstLastPara="1" vertOverflow="ellipsis" vert="horz" wrap="square" anchor="ctr" anchorCtr="1"/>
-              <a:lstStyle/>
-              <a:p>
-                <a:pPr>
-                  <a:defRPr sz="1400" b="0" i="0" u="none" strike="noStrike" kern="1200" baseline="0">
-                    <a:solidFill>
-                      <a:schemeClr val="tx1">
-                        <a:lumMod val="75000"/>
-                        <a:lumOff val="25000"/>
-                      </a:schemeClr>
-                    </a:solidFill>
-                    <a:latin typeface="+mn-lt"/>
-                    <a:ea typeface="+mn-ea"/>
-                    <a:cs typeface="+mn-cs"/>
-                  </a:defRPr>
-                </a:pPr>
-                <a:endParaRPr lang="en-US"/>
-              </a:p>
-            </c:txPr>
-            <c:showLegendKey val="0"/>
-            <c:showVal val="1"/>
-            <c:showCatName val="0"/>
-            <c:showSerName val="0"/>
-            <c:showPercent val="0"/>
-            <c:showBubbleSize val="0"/>
-            <c:showLeaderLines val="0"/>
-            <c:extLst>
-              <c:ext xmlns:c15="http://schemas.microsoft.com/office/drawing/2012/chart" uri="{CE6537A1-D6FC-4f65-9D91-7224C49458BB}">
-                <c15:showLeaderLines val="1"/>
-                <c15:leaderLines>
-                  <c:spPr>
-                    <a:ln w="9525" cap="flat" cmpd="sng" algn="ctr">
-                      <a:solidFill>
-                        <a:schemeClr val="tx1">
-                          <a:lumMod val="35000"/>
-                          <a:lumOff val="65000"/>
-                        </a:schemeClr>
-                      </a:solidFill>
-                      <a:round/>
-                    </a:ln>
-                    <a:effectLst/>
-                  </c:spPr>
-                </c15:leaderLines>
-              </c:ext>
-            </c:extLst>
-          </c:dLbls>
-          <c:cat>
-            <c:strRef>
-              <c:f>Sheet1!$A$2:$A$12</c:f>
-              <c:strCache>
-                <c:ptCount val="11"/>
-                <c:pt idx="0">
-                  <c:v>Alcohol</c:v>
-                </c:pt>
-                <c:pt idx="1">
-                  <c:v>Density</c:v>
-                </c:pt>
-                <c:pt idx="2">
-                  <c:v>Volatile Acidity</c:v>
-                </c:pt>
-                <c:pt idx="3">
-                  <c:v>Free S02</c:v>
-                </c:pt>
-                <c:pt idx="4">
-                  <c:v>Total S02</c:v>
-                </c:pt>
-                <c:pt idx="5">
-                  <c:v>Residual Sugar</c:v>
-                </c:pt>
-                <c:pt idx="6">
-                  <c:v>pH</c:v>
-                </c:pt>
-                <c:pt idx="7">
-                  <c:v>Chlorides</c:v>
-                </c:pt>
-                <c:pt idx="8">
-                  <c:v>Citric Acid</c:v>
-                </c:pt>
-                <c:pt idx="9">
-                  <c:v>Sulphates</c:v>
-                </c:pt>
-                <c:pt idx="10">
-                  <c:v>Fixed Acidity</c:v>
-                </c:pt>
-              </c:strCache>
-            </c:strRef>
-          </c:cat>
-          <c:val>
-            <c:numRef>
-              <c:f>Sheet1!$B$2:$B$12</c:f>
-              <c:numCache>
-                <c:formatCode>0.00</c:formatCode>
-                <c:ptCount val="11"/>
-                <c:pt idx="0">
-                  <c:v>0.11497599999999999</c:v>
-                </c:pt>
-                <c:pt idx="1">
-                  <c:v>0.103951</c:v>
-                </c:pt>
-                <c:pt idx="2">
-                  <c:v>9.9070000000000005E-2</c:v>
-                </c:pt>
-                <c:pt idx="3">
-                  <c:v>9.4296000000000005E-2</c:v>
-                </c:pt>
-                <c:pt idx="4">
-                  <c:v>9.1923000000000005E-2</c:v>
-                </c:pt>
-                <c:pt idx="5">
-                  <c:v>8.8156999999999999E-2</c:v>
-                </c:pt>
-                <c:pt idx="6">
-                  <c:v>8.5958999999999994E-2</c:v>
-                </c:pt>
-                <c:pt idx="7">
-                  <c:v>8.5207000000000005E-2</c:v>
-                </c:pt>
-                <c:pt idx="8">
-                  <c:v>8.1172999999999995E-2</c:v>
-                </c:pt>
-                <c:pt idx="9">
-                  <c:v>8.0089999999999995E-2</c:v>
-                </c:pt>
-                <c:pt idx="10">
-                  <c:v>7.5199000000000002E-2</c:v>
-                </c:pt>
-              </c:numCache>
-            </c:numRef>
-          </c:val>
-        </c:ser>
-        <c:dLbls>
-          <c:showLegendKey val="0"/>
-          <c:showVal val="0"/>
-          <c:showCatName val="0"/>
-          <c:showSerName val="0"/>
-          <c:showPercent val="0"/>
-          <c:showBubbleSize val="0"/>
-        </c:dLbls>
-        <c:gapWidth val="60"/>
-        <c:axId val="246158328"/>
-        <c:axId val="246158720"/>
-      </c:barChart>
-      <c:catAx>
-        <c:axId val="246158328"/>
-        <c:scaling>
-          <c:orientation val="maxMin"/>
-        </c:scaling>
-        <c:delete val="0"/>
-        <c:axPos val="l"/>
-        <c:numFmt formatCode="General" sourceLinked="1"/>
-        <c:majorTickMark val="none"/>
-        <c:minorTickMark val="none"/>
-        <c:tickLblPos val="nextTo"/>
-        <c:spPr>
-          <a:noFill/>
-          <a:ln w="9525" cap="flat" cmpd="sng" algn="ctr">
-            <a:noFill/>
-            <a:round/>
-          </a:ln>
-          <a:effectLst/>
-        </c:spPr>
-        <c:txPr>
-          <a:bodyPr rot="-60000000" spcFirstLastPara="1" vertOverflow="ellipsis" vert="horz" wrap="square" anchor="ctr" anchorCtr="1"/>
-          <a:lstStyle/>
-          <a:p>
-            <a:pPr>
-              <a:defRPr sz="1400" b="0" i="0" u="none" strike="noStrike" kern="1200" baseline="0">
-                <a:solidFill>
-                  <a:schemeClr val="tx1">
-                    <a:lumMod val="65000"/>
-                    <a:lumOff val="35000"/>
-                  </a:schemeClr>
-                </a:solidFill>
-                <a:latin typeface="+mn-lt"/>
-                <a:ea typeface="+mn-ea"/>
-                <a:cs typeface="+mn-cs"/>
-              </a:defRPr>
-            </a:pPr>
-            <a:endParaRPr lang="en-US"/>
-          </a:p>
-        </c:txPr>
-        <c:crossAx val="246158720"/>
-        <c:crosses val="autoZero"/>
-        <c:auto val="1"/>
-        <c:lblAlgn val="ctr"/>
-        <c:lblOffset val="100"/>
-        <c:noMultiLvlLbl val="0"/>
-      </c:catAx>
-      <c:valAx>
-        <c:axId val="246158720"/>
-        <c:scaling>
-          <c:orientation val="minMax"/>
-          <c:max val="0.2"/>
-          <c:min val="0"/>
-        </c:scaling>
-        <c:delete val="1"/>
-        <c:axPos val="t"/>
-        <c:numFmt formatCode="0.00" sourceLinked="1"/>
-        <c:majorTickMark val="out"/>
-        <c:minorTickMark val="none"/>
-        <c:tickLblPos val="nextTo"/>
-        <c:crossAx val="246158328"/>
-        <c:crosses val="autoZero"/>
-        <c:crossBetween val="between"/>
-      </c:valAx>
-      <c:spPr>
-        <a:noFill/>
-        <a:ln>
-          <a:noFill/>
-        </a:ln>
-        <a:effectLst/>
-      </c:spPr>
-    </c:plotArea>
-    <c:plotVisOnly val="1"/>
-    <c:dispBlanksAs val="gap"/>
-    <c:showDLblsOverMax val="0"/>
-  </c:chart>
-  <c:spPr>
-    <a:noFill/>
-    <a:ln>
-      <a:noFill/>
-    </a:ln>
-    <a:effectLst/>
-  </c:spPr>
-  <c:txPr>
-    <a:bodyPr/>
-    <a:lstStyle/>
-    <a:p>
-      <a:pPr>
-        <a:defRPr sz="1400"/>
-      </a:pPr>
-      <a:endParaRPr lang="en-US"/>
-    </a:p>
-  </c:txPr>
-  <c:externalData r:id="rId3">
-    <c:autoUpdate val="0"/>
-  </c:externalData>
-</c:chartSpace>
-</file>
-
-<file path=ppt/charts/chart13.xml><?xml version="1.0" encoding="utf-8"?>
 <c:chartSpace xmlns:c="http://schemas.openxmlformats.org/drawingml/2006/chart" xmlns:a="http://schemas.openxmlformats.org/drawingml/2006/main" xmlns:r="http://schemas.openxmlformats.org/officeDocument/2006/relationships">
   <c:date1904 val="0"/>
   <c:lang val="en-US"/>
@@ -2218,11 +1573,11 @@
           <c:showBubbleSize val="0"/>
         </c:dLbls>
         <c:gapWidth val="60"/>
-        <c:axId val="247474136"/>
-        <c:axId val="247474528"/>
+        <c:axId val="268921720"/>
+        <c:axId val="268922112"/>
       </c:barChart>
       <c:catAx>
-        <c:axId val="247474136"/>
+        <c:axId val="268921720"/>
         <c:scaling>
           <c:orientation val="minMax"/>
         </c:scaling>
@@ -2232,7 +1587,7 @@
         <c:majorTickMark val="out"/>
         <c:minorTickMark val="none"/>
         <c:tickLblPos val="nextTo"/>
-        <c:crossAx val="247474528"/>
+        <c:crossAx val="268922112"/>
         <c:crosses val="autoZero"/>
         <c:auto val="1"/>
         <c:lblAlgn val="ctr"/>
@@ -2240,7 +1595,7 @@
         <c:noMultiLvlLbl val="0"/>
       </c:catAx>
       <c:valAx>
-        <c:axId val="247474528"/>
+        <c:axId val="268922112"/>
         <c:scaling>
           <c:orientation val="minMax"/>
           <c:min val="0"/>
@@ -2251,7 +1606,7 @@
         <c:majorTickMark val="out"/>
         <c:minorTickMark val="none"/>
         <c:tickLblPos val="nextTo"/>
-        <c:crossAx val="247474136"/>
+        <c:crossAx val="268921720"/>
         <c:crosses val="autoZero"/>
         <c:crossBetween val="between"/>
       </c:valAx>
@@ -2290,7 +1645,7 @@
 </c:chartSpace>
 </file>
 
-<file path=ppt/charts/chart14.xml><?xml version="1.0" encoding="utf-8"?>
+<file path=ppt/charts/chart12.xml><?xml version="1.0" encoding="utf-8"?>
 <c:chartSpace xmlns:c="http://schemas.openxmlformats.org/drawingml/2006/chart" xmlns:a="http://schemas.openxmlformats.org/drawingml/2006/main" xmlns:r="http://schemas.openxmlformats.org/officeDocument/2006/relationships">
   <c:date1904 val="0"/>
   <c:lang val="en-US"/>
@@ -2713,11 +2068,11 @@
           <c:showBubbleSize val="0"/>
         </c:dLbls>
         <c:gapWidth val="60"/>
-        <c:axId val="247475312"/>
-        <c:axId val="247475704"/>
+        <c:axId val="268922896"/>
+        <c:axId val="268923288"/>
       </c:barChart>
       <c:catAx>
-        <c:axId val="247475312"/>
+        <c:axId val="268922896"/>
         <c:scaling>
           <c:orientation val="minMax"/>
         </c:scaling>
@@ -2727,7 +2082,7 @@
         <c:majorTickMark val="out"/>
         <c:minorTickMark val="none"/>
         <c:tickLblPos val="nextTo"/>
-        <c:crossAx val="247475704"/>
+        <c:crossAx val="268923288"/>
         <c:crosses val="autoZero"/>
         <c:auto val="1"/>
         <c:lblAlgn val="ctr"/>
@@ -2735,7 +2090,7 @@
         <c:noMultiLvlLbl val="0"/>
       </c:catAx>
       <c:valAx>
-        <c:axId val="247475704"/>
+        <c:axId val="268923288"/>
         <c:scaling>
           <c:orientation val="minMax"/>
           <c:max val="0.8"/>
@@ -2747,7 +2102,7 @@
         <c:majorTickMark val="out"/>
         <c:minorTickMark val="none"/>
         <c:tickLblPos val="nextTo"/>
-        <c:crossAx val="247475312"/>
+        <c:crossAx val="268922896"/>
         <c:crosses val="autoZero"/>
         <c:crossBetween val="between"/>
       </c:valAx>
@@ -2786,7 +2141,7 @@
 </c:chartSpace>
 </file>
 
-<file path=ppt/charts/chart15.xml><?xml version="1.0" encoding="utf-8"?>
+<file path=ppt/charts/chart13.xml><?xml version="1.0" encoding="utf-8"?>
 <c:chartSpace xmlns:c="http://schemas.openxmlformats.org/drawingml/2006/chart" xmlns:a="http://schemas.openxmlformats.org/drawingml/2006/main" xmlns:r="http://schemas.openxmlformats.org/officeDocument/2006/relationships">
   <c:date1904 val="0"/>
   <c:lang val="en-US"/>
@@ -3340,11 +2695,11 @@
           <c:showBubbleSize val="0"/>
         </c:dLbls>
         <c:gapWidth val="60"/>
-        <c:axId val="247476488"/>
-        <c:axId val="247476880"/>
+        <c:axId val="268924072"/>
+        <c:axId val="268924464"/>
       </c:barChart>
       <c:catAx>
-        <c:axId val="247476488"/>
+        <c:axId val="268924072"/>
         <c:scaling>
           <c:orientation val="maxMin"/>
         </c:scaling>
@@ -3382,7 +2737,7 @@
             <a:endParaRPr lang="en-US"/>
           </a:p>
         </c:txPr>
-        <c:crossAx val="247476880"/>
+        <c:crossAx val="268924464"/>
         <c:crosses val="autoZero"/>
         <c:auto val="1"/>
         <c:lblAlgn val="ctr"/>
@@ -3390,7 +2745,7 @@
         <c:noMultiLvlLbl val="0"/>
       </c:catAx>
       <c:valAx>
-        <c:axId val="247476880"/>
+        <c:axId val="268924464"/>
         <c:scaling>
           <c:orientation val="minMax"/>
           <c:max val="0.85000000000000009"/>
@@ -3402,7 +2757,7 @@
         <c:majorTickMark val="out"/>
         <c:minorTickMark val="none"/>
         <c:tickLblPos val="nextTo"/>
-        <c:crossAx val="247476488"/>
+        <c:crossAx val="268924072"/>
         <c:crosses val="autoZero"/>
         <c:crossBetween val="between"/>
       </c:valAx>
@@ -3441,7 +2796,7 @@
 </c:chartSpace>
 </file>
 
-<file path=ppt/charts/chart16.xml><?xml version="1.0" encoding="utf-8"?>
+<file path=ppt/charts/chart14.xml><?xml version="1.0" encoding="utf-8"?>
 <c:chartSpace xmlns:c="http://schemas.openxmlformats.org/drawingml/2006/chart" xmlns:a="http://schemas.openxmlformats.org/drawingml/2006/main" xmlns:r="http://schemas.openxmlformats.org/officeDocument/2006/relationships">
   <c:date1904 val="0"/>
   <c:lang val="en-US"/>
@@ -3745,11 +3100,11 @@
           <c:showBubbleSize val="0"/>
         </c:dLbls>
         <c:gapWidth val="60"/>
-        <c:axId val="247477664"/>
-        <c:axId val="247986936"/>
+        <c:axId val="268925248"/>
+        <c:axId val="269210520"/>
       </c:barChart>
       <c:catAx>
-        <c:axId val="247477664"/>
+        <c:axId val="268925248"/>
         <c:scaling>
           <c:orientation val="minMax"/>
         </c:scaling>
@@ -3759,7 +3114,7 @@
         <c:majorTickMark val="out"/>
         <c:minorTickMark val="none"/>
         <c:tickLblPos val="nextTo"/>
-        <c:crossAx val="247986936"/>
+        <c:crossAx val="269210520"/>
         <c:crosses val="autoZero"/>
         <c:auto val="1"/>
         <c:lblAlgn val="ctr"/>
@@ -3767,7 +3122,7 @@
         <c:noMultiLvlLbl val="0"/>
       </c:catAx>
       <c:valAx>
-        <c:axId val="247986936"/>
+        <c:axId val="269210520"/>
         <c:scaling>
           <c:orientation val="minMax"/>
           <c:min val="0"/>
@@ -3778,7 +3133,7 @@
         <c:majorTickMark val="out"/>
         <c:minorTickMark val="none"/>
         <c:tickLblPos val="nextTo"/>
-        <c:crossAx val="247477664"/>
+        <c:crossAx val="268925248"/>
         <c:crosses val="autoZero"/>
         <c:crossBetween val="between"/>
       </c:valAx>
@@ -3858,7 +3213,7 @@
 </c:chartSpace>
 </file>
 
-<file path=ppt/charts/chart17.xml><?xml version="1.0" encoding="utf-8"?>
+<file path=ppt/charts/chart15.xml><?xml version="1.0" encoding="utf-8"?>
 <c:chartSpace xmlns:c="http://schemas.openxmlformats.org/drawingml/2006/chart" xmlns:a="http://schemas.openxmlformats.org/drawingml/2006/main" xmlns:r="http://schemas.openxmlformats.org/officeDocument/2006/relationships">
   <c:date1904 val="0"/>
   <c:lang val="en-US"/>
@@ -4362,11 +3717,11 @@
           <c:showBubbleSize val="0"/>
         </c:dLbls>
         <c:gapWidth val="60"/>
-        <c:axId val="247987720"/>
-        <c:axId val="247988112"/>
+        <c:axId val="269961368"/>
+        <c:axId val="269961760"/>
       </c:barChart>
       <c:catAx>
-        <c:axId val="247987720"/>
+        <c:axId val="269961368"/>
         <c:scaling>
           <c:orientation val="maxMin"/>
         </c:scaling>
@@ -4404,7 +3759,7 @@
             <a:endParaRPr lang="en-US"/>
           </a:p>
         </c:txPr>
-        <c:crossAx val="247988112"/>
+        <c:crossAx val="269961760"/>
         <c:crosses val="autoZero"/>
         <c:auto val="1"/>
         <c:lblAlgn val="ctr"/>
@@ -4412,7 +3767,7 @@
         <c:noMultiLvlLbl val="0"/>
       </c:catAx>
       <c:valAx>
-        <c:axId val="247988112"/>
+        <c:axId val="269961760"/>
         <c:scaling>
           <c:orientation val="minMax"/>
           <c:max val="0.85000000000000009"/>
@@ -4424,7 +3779,7 @@
         <c:majorTickMark val="out"/>
         <c:minorTickMark val="none"/>
         <c:tickLblPos val="nextTo"/>
-        <c:crossAx val="247987720"/>
+        <c:crossAx val="269961368"/>
         <c:crosses val="autoZero"/>
         <c:crossBetween val="between"/>
         <c:majorUnit val="0.1"/>
@@ -4465,7 +3820,7 @@
 </c:chartSpace>
 </file>
 
-<file path=ppt/charts/chart18.xml><?xml version="1.0" encoding="utf-8"?>
+<file path=ppt/charts/chart16.xml><?xml version="1.0" encoding="utf-8"?>
 <c:chartSpace xmlns:c="http://schemas.openxmlformats.org/drawingml/2006/chart" xmlns:a="http://schemas.openxmlformats.org/drawingml/2006/main" xmlns:r="http://schemas.openxmlformats.org/officeDocument/2006/relationships">
   <c:date1904 val="0"/>
   <c:lang val="en-US"/>
@@ -4946,11 +4301,11 @@
           <c:showBubbleSize val="0"/>
         </c:dLbls>
         <c:gapWidth val="60"/>
-        <c:axId val="244683496"/>
-        <c:axId val="246159112"/>
+        <c:axId val="269962936"/>
+        <c:axId val="269681448"/>
       </c:barChart>
       <c:catAx>
-        <c:axId val="244683496"/>
+        <c:axId val="269962936"/>
         <c:scaling>
           <c:orientation val="minMax"/>
         </c:scaling>
@@ -4960,7 +4315,7 @@
         <c:majorTickMark val="out"/>
         <c:minorTickMark val="none"/>
         <c:tickLblPos val="nextTo"/>
-        <c:crossAx val="246159112"/>
+        <c:crossAx val="269681448"/>
         <c:crosses val="autoZero"/>
         <c:auto val="1"/>
         <c:lblAlgn val="ctr"/>
@@ -4968,7 +4323,7 @@
         <c:noMultiLvlLbl val="0"/>
       </c:catAx>
       <c:valAx>
-        <c:axId val="246159112"/>
+        <c:axId val="269681448"/>
         <c:scaling>
           <c:orientation val="minMax"/>
           <c:min val="0"/>
@@ -4979,7 +4334,7 @@
         <c:majorTickMark val="out"/>
         <c:minorTickMark val="none"/>
         <c:tickLblPos val="nextTo"/>
-        <c:crossAx val="244683496"/>
+        <c:crossAx val="269962936"/>
         <c:crosses val="autoZero"/>
         <c:crossBetween val="between"/>
       </c:valAx>
@@ -5018,7 +4373,7 @@
 </c:chartSpace>
 </file>
 
-<file path=ppt/charts/chart19.xml><?xml version="1.0" encoding="utf-8"?>
+<file path=ppt/charts/chart17.xml><?xml version="1.0" encoding="utf-8"?>
 <c:chartSpace xmlns:c="http://schemas.openxmlformats.org/drawingml/2006/chart" xmlns:a="http://schemas.openxmlformats.org/drawingml/2006/main" xmlns:r="http://schemas.openxmlformats.org/officeDocument/2006/relationships">
   <c:date1904 val="0"/>
   <c:lang val="en-US"/>
@@ -5444,11 +4799,11 @@
           <c:showBubbleSize val="0"/>
         </c:dLbls>
         <c:gapWidth val="60"/>
-        <c:axId val="246618944"/>
-        <c:axId val="246619336"/>
+        <c:axId val="269680664"/>
+        <c:axId val="269680272"/>
       </c:barChart>
       <c:catAx>
-        <c:axId val="246618944"/>
+        <c:axId val="269680664"/>
         <c:scaling>
           <c:orientation val="minMax"/>
         </c:scaling>
@@ -5458,7 +4813,7 @@
         <c:majorTickMark val="out"/>
         <c:minorTickMark val="none"/>
         <c:tickLblPos val="nextTo"/>
-        <c:crossAx val="246619336"/>
+        <c:crossAx val="269680272"/>
         <c:crosses val="autoZero"/>
         <c:auto val="1"/>
         <c:lblAlgn val="ctr"/>
@@ -5466,7 +4821,7 @@
         <c:noMultiLvlLbl val="0"/>
       </c:catAx>
       <c:valAx>
-        <c:axId val="246619336"/>
+        <c:axId val="269680272"/>
         <c:scaling>
           <c:orientation val="minMax"/>
           <c:max val="0.8"/>
@@ -5478,7 +4833,7 @@
         <c:majorTickMark val="out"/>
         <c:minorTickMark val="none"/>
         <c:tickLblPos val="nextTo"/>
-        <c:crossAx val="246618944"/>
+        <c:crossAx val="269680664"/>
         <c:crosses val="autoZero"/>
         <c:crossBetween val="between"/>
       </c:valAx>
@@ -5517,394 +4872,7 @@
 </c:chartSpace>
 </file>
 
-<file path=ppt/charts/chart2.xml><?xml version="1.0" encoding="utf-8"?>
-<c:chartSpace xmlns:c="http://schemas.openxmlformats.org/drawingml/2006/chart" xmlns:a="http://schemas.openxmlformats.org/drawingml/2006/main" xmlns:r="http://schemas.openxmlformats.org/officeDocument/2006/relationships">
-  <c:date1904 val="0"/>
-  <c:lang val="en-US"/>
-  <c:roundedCorners val="0"/>
-  <mc:AlternateContent xmlns:mc="http://schemas.openxmlformats.org/markup-compatibility/2006">
-    <mc:Choice xmlns:c14="http://schemas.microsoft.com/office/drawing/2007/8/2/chart" Requires="c14">
-      <c14:style val="102"/>
-    </mc:Choice>
-    <mc:Fallback>
-      <c:style val="2"/>
-    </mc:Fallback>
-  </mc:AlternateContent>
-  <c:chart>
-    <c:title>
-      <c:tx>
-        <c:rich>
-          <a:bodyPr rot="0" spcFirstLastPara="1" vertOverflow="ellipsis" vert="horz" wrap="square" anchor="ctr" anchorCtr="1"/>
-          <a:lstStyle/>
-          <a:p>
-            <a:pPr>
-              <a:defRPr sz="1862" b="0" i="0" u="none" strike="noStrike" kern="1200" spc="0" baseline="0">
-                <a:solidFill>
-                  <a:schemeClr val="tx1">
-                    <a:lumMod val="65000"/>
-                    <a:lumOff val="35000"/>
-                  </a:schemeClr>
-                </a:solidFill>
-                <a:latin typeface="+mn-lt"/>
-                <a:ea typeface="+mn-ea"/>
-                <a:cs typeface="+mn-cs"/>
-              </a:defRPr>
-            </a:pPr>
-            <a:r>
-              <a:rPr lang="en-US" sz="1600" b="1" dirty="0" smtClean="0"/>
-              <a:t>Mean Kappa</a:t>
-            </a:r>
-            <a:endParaRPr lang="en-US" sz="1600" b="1" dirty="0"/>
-          </a:p>
-        </c:rich>
-      </c:tx>
-      <c:layout/>
-      <c:overlay val="0"/>
-      <c:spPr>
-        <a:noFill/>
-        <a:ln>
-          <a:noFill/>
-        </a:ln>
-        <a:effectLst/>
-      </c:spPr>
-      <c:txPr>
-        <a:bodyPr rot="0" spcFirstLastPara="1" vertOverflow="ellipsis" vert="horz" wrap="square" anchor="ctr" anchorCtr="1"/>
-        <a:lstStyle/>
-        <a:p>
-          <a:pPr>
-            <a:defRPr sz="1862" b="0" i="0" u="none" strike="noStrike" kern="1200" spc="0" baseline="0">
-              <a:solidFill>
-                <a:schemeClr val="tx1">
-                  <a:lumMod val="65000"/>
-                  <a:lumOff val="35000"/>
-                </a:schemeClr>
-              </a:solidFill>
-              <a:latin typeface="+mn-lt"/>
-              <a:ea typeface="+mn-ea"/>
-              <a:cs typeface="+mn-cs"/>
-            </a:defRPr>
-          </a:pPr>
-          <a:endParaRPr lang="en-US"/>
-        </a:p>
-      </c:txPr>
-    </c:title>
-    <c:autoTitleDeleted val="0"/>
-    <c:plotArea>
-      <c:layout>
-        <c:manualLayout>
-          <c:layoutTarget val="inner"/>
-          <c:xMode val="edge"/>
-          <c:yMode val="edge"/>
-          <c:x val="9.8828412073490801E-2"/>
-          <c:y val="0.19637664041994754"/>
-          <c:w val="0.80117158792650922"/>
-          <c:h val="0.80362335958005249"/>
-        </c:manualLayout>
-      </c:layout>
-      <c:barChart>
-        <c:barDir val="col"/>
-        <c:grouping val="clustered"/>
-        <c:varyColors val="0"/>
-        <c:ser>
-          <c:idx val="0"/>
-          <c:order val="0"/>
-          <c:tx>
-            <c:strRef>
-              <c:f>Sheet1!$B$1</c:f>
-              <c:strCache>
-                <c:ptCount val="1"/>
-                <c:pt idx="0">
-                  <c:v>Series 1</c:v>
-                </c:pt>
-              </c:strCache>
-            </c:strRef>
-          </c:tx>
-          <c:spPr>
-            <a:solidFill>
-              <a:srgbClr val="990033"/>
-            </a:solidFill>
-            <a:ln>
-              <a:noFill/>
-            </a:ln>
-            <a:effectLst/>
-          </c:spPr>
-          <c:invertIfNegative val="0"/>
-          <c:dLbls>
-            <c:numFmt formatCode="0.0%" sourceLinked="0"/>
-            <c:spPr>
-              <a:noFill/>
-              <a:ln>
-                <a:noFill/>
-              </a:ln>
-              <a:effectLst/>
-            </c:spPr>
-            <c:txPr>
-              <a:bodyPr rot="0" spcFirstLastPara="1" vertOverflow="ellipsis" vert="horz" wrap="square" lIns="38100" tIns="19050" rIns="38100" bIns="19050" anchor="ctr" anchorCtr="1">
-                <a:spAutoFit/>
-              </a:bodyPr>
-              <a:lstStyle/>
-              <a:p>
-                <a:pPr>
-                  <a:defRPr sz="1400" b="0" i="0" u="none" strike="noStrike" kern="1200" baseline="0">
-                    <a:solidFill>
-                      <a:schemeClr val="tx1">
-                        <a:lumMod val="75000"/>
-                        <a:lumOff val="25000"/>
-                      </a:schemeClr>
-                    </a:solidFill>
-                    <a:latin typeface="+mn-lt"/>
-                    <a:ea typeface="+mn-ea"/>
-                    <a:cs typeface="+mn-cs"/>
-                  </a:defRPr>
-                </a:pPr>
-                <a:endParaRPr lang="en-US"/>
-              </a:p>
-            </c:txPr>
-            <c:showLegendKey val="0"/>
-            <c:showVal val="1"/>
-            <c:showCatName val="0"/>
-            <c:showSerName val="0"/>
-            <c:showPercent val="0"/>
-            <c:showBubbleSize val="0"/>
-            <c:showLeaderLines val="0"/>
-            <c:extLst>
-              <c:ext xmlns:c15="http://schemas.microsoft.com/office/drawing/2012/chart" uri="{CE6537A1-D6FC-4f65-9D91-7224C49458BB}">
-                <c15:layout/>
-                <c15:showLeaderLines val="1"/>
-                <c15:leaderLines>
-                  <c:spPr>
-                    <a:ln w="9525" cap="flat" cmpd="sng" algn="ctr">
-                      <a:solidFill>
-                        <a:schemeClr val="tx1">
-                          <a:lumMod val="35000"/>
-                          <a:lumOff val="65000"/>
-                        </a:schemeClr>
-                      </a:solidFill>
-                      <a:round/>
-                    </a:ln>
-                    <a:effectLst/>
-                  </c:spPr>
-                </c15:leaderLines>
-              </c:ext>
-            </c:extLst>
-          </c:dLbls>
-          <c:cat>
-            <c:strRef>
-              <c:f>Sheet1!$A$2</c:f>
-              <c:strCache>
-                <c:ptCount val="1"/>
-                <c:pt idx="0">
-                  <c:v>Overall Accuracy</c:v>
-                </c:pt>
-              </c:strCache>
-            </c:strRef>
-          </c:cat>
-          <c:val>
-            <c:numRef>
-              <c:f>Sheet1!$B$2</c:f>
-              <c:numCache>
-                <c:formatCode>0.000</c:formatCode>
-                <c:ptCount val="1"/>
-                <c:pt idx="0">
-                  <c:v>0.47899999999999998</c:v>
-                </c:pt>
-              </c:numCache>
-            </c:numRef>
-          </c:val>
-        </c:ser>
-        <c:ser>
-          <c:idx val="1"/>
-          <c:order val="1"/>
-          <c:tx>
-            <c:strRef>
-              <c:f>Sheet1!$C$1</c:f>
-              <c:strCache>
-                <c:ptCount val="1"/>
-                <c:pt idx="0">
-                  <c:v>Series 2</c:v>
-                </c:pt>
-              </c:strCache>
-            </c:strRef>
-          </c:tx>
-          <c:spPr>
-            <a:solidFill>
-              <a:schemeClr val="accent2">
-                <a:lumMod val="40000"/>
-                <a:lumOff val="60000"/>
-              </a:schemeClr>
-            </a:solidFill>
-            <a:ln>
-              <a:noFill/>
-            </a:ln>
-            <a:effectLst/>
-          </c:spPr>
-          <c:invertIfNegative val="0"/>
-          <c:dLbls>
-            <c:numFmt formatCode="0.0%" sourceLinked="0"/>
-            <c:spPr>
-              <a:noFill/>
-              <a:ln>
-                <a:noFill/>
-              </a:ln>
-              <a:effectLst/>
-            </c:spPr>
-            <c:txPr>
-              <a:bodyPr rot="0" spcFirstLastPara="1" vertOverflow="ellipsis" vert="horz" wrap="square" lIns="38100" tIns="19050" rIns="38100" bIns="19050" anchor="ctr" anchorCtr="1">
-                <a:spAutoFit/>
-              </a:bodyPr>
-              <a:lstStyle/>
-              <a:p>
-                <a:pPr>
-                  <a:defRPr sz="1400" b="0" i="0" u="none" strike="noStrike" kern="1200" baseline="0">
-                    <a:solidFill>
-                      <a:schemeClr val="tx1">
-                        <a:lumMod val="75000"/>
-                        <a:lumOff val="25000"/>
-                      </a:schemeClr>
-                    </a:solidFill>
-                    <a:latin typeface="+mn-lt"/>
-                    <a:ea typeface="+mn-ea"/>
-                    <a:cs typeface="+mn-cs"/>
-                  </a:defRPr>
-                </a:pPr>
-                <a:endParaRPr lang="en-US"/>
-              </a:p>
-            </c:txPr>
-            <c:showLegendKey val="0"/>
-            <c:showVal val="1"/>
-            <c:showCatName val="0"/>
-            <c:showSerName val="0"/>
-            <c:showPercent val="0"/>
-            <c:showBubbleSize val="0"/>
-            <c:showLeaderLines val="0"/>
-            <c:extLst>
-              <c:ext xmlns:c15="http://schemas.microsoft.com/office/drawing/2012/chart" uri="{CE6537A1-D6FC-4f65-9D91-7224C49458BB}">
-                <c15:layout/>
-                <c15:showLeaderLines val="1"/>
-                <c15:leaderLines>
-                  <c:spPr>
-                    <a:ln w="9525" cap="flat" cmpd="sng" algn="ctr">
-                      <a:solidFill>
-                        <a:schemeClr val="tx1">
-                          <a:lumMod val="35000"/>
-                          <a:lumOff val="65000"/>
-                        </a:schemeClr>
-                      </a:solidFill>
-                      <a:round/>
-                    </a:ln>
-                    <a:effectLst/>
-                  </c:spPr>
-                </c15:leaderLines>
-              </c:ext>
-            </c:extLst>
-          </c:dLbls>
-          <c:cat>
-            <c:strRef>
-              <c:f>Sheet1!$A$2</c:f>
-              <c:strCache>
-                <c:ptCount val="1"/>
-                <c:pt idx="0">
-                  <c:v>Overall Accuracy</c:v>
-                </c:pt>
-              </c:strCache>
-            </c:strRef>
-          </c:cat>
-          <c:val>
-            <c:numRef>
-              <c:f>Sheet1!$C$2</c:f>
-              <c:numCache>
-                <c:formatCode>General</c:formatCode>
-                <c:ptCount val="1"/>
-                <c:pt idx="0">
-                  <c:v>0.38700000000000001</c:v>
-                </c:pt>
-              </c:numCache>
-            </c:numRef>
-          </c:val>
-        </c:ser>
-        <c:dLbls>
-          <c:showLegendKey val="0"/>
-          <c:showVal val="0"/>
-          <c:showCatName val="0"/>
-          <c:showSerName val="0"/>
-          <c:showPercent val="0"/>
-          <c:showBubbleSize val="0"/>
-        </c:dLbls>
-        <c:gapWidth val="60"/>
-        <c:axId val="210679576"/>
-        <c:axId val="210679968"/>
-      </c:barChart>
-      <c:catAx>
-        <c:axId val="210679576"/>
-        <c:scaling>
-          <c:orientation val="minMax"/>
-        </c:scaling>
-        <c:delete val="1"/>
-        <c:axPos val="b"/>
-        <c:numFmt formatCode="General" sourceLinked="1"/>
-        <c:majorTickMark val="out"/>
-        <c:minorTickMark val="none"/>
-        <c:tickLblPos val="nextTo"/>
-        <c:crossAx val="210679968"/>
-        <c:crosses val="autoZero"/>
-        <c:auto val="1"/>
-        <c:lblAlgn val="ctr"/>
-        <c:lblOffset val="100"/>
-        <c:noMultiLvlLbl val="0"/>
-      </c:catAx>
-      <c:valAx>
-        <c:axId val="210679968"/>
-        <c:scaling>
-          <c:orientation val="minMax"/>
-          <c:max val="0.8"/>
-          <c:min val="0"/>
-        </c:scaling>
-        <c:delete val="1"/>
-        <c:axPos val="l"/>
-        <c:numFmt formatCode="0.000" sourceLinked="1"/>
-        <c:majorTickMark val="out"/>
-        <c:minorTickMark val="none"/>
-        <c:tickLblPos val="nextTo"/>
-        <c:crossAx val="210679576"/>
-        <c:crosses val="autoZero"/>
-        <c:crossBetween val="between"/>
-      </c:valAx>
-      <c:spPr>
-        <a:noFill/>
-        <a:ln>
-          <a:noFill/>
-        </a:ln>
-        <a:effectLst/>
-      </c:spPr>
-    </c:plotArea>
-    <c:plotVisOnly val="1"/>
-    <c:dispBlanksAs val="gap"/>
-    <c:showDLblsOverMax val="0"/>
-  </c:chart>
-  <c:spPr>
-    <a:noFill/>
-    <a:ln>
-      <a:noFill/>
-    </a:ln>
-    <a:effectLst/>
-  </c:spPr>
-  <c:txPr>
-    <a:bodyPr/>
-    <a:lstStyle/>
-    <a:p>
-      <a:pPr>
-        <a:defRPr/>
-      </a:pPr>
-      <a:endParaRPr lang="en-US"/>
-    </a:p>
-  </c:txPr>
-  <c:externalData r:id="rId3">
-    <c:autoUpdate val="0"/>
-  </c:externalData>
-</c:chartSpace>
-</file>
-
-<file path=ppt/charts/chart20.xml><?xml version="1.0" encoding="utf-8"?>
+<file path=ppt/charts/chart18.xml><?xml version="1.0" encoding="utf-8"?>
 <c:chartSpace xmlns:c="http://schemas.openxmlformats.org/drawingml/2006/chart" xmlns:a="http://schemas.openxmlformats.org/drawingml/2006/main" xmlns:r="http://schemas.openxmlformats.org/officeDocument/2006/relationships">
   <c:date1904 val="0"/>
   <c:lang val="en-US"/>
@@ -6453,11 +5421,11 @@
           <c:showBubbleSize val="0"/>
         </c:dLbls>
         <c:gapWidth val="60"/>
-        <c:axId val="247989288"/>
-        <c:axId val="246620120"/>
+        <c:axId val="269679488"/>
+        <c:axId val="269679096"/>
       </c:barChart>
       <c:catAx>
-        <c:axId val="247989288"/>
+        <c:axId val="269679488"/>
         <c:scaling>
           <c:orientation val="maxMin"/>
         </c:scaling>
@@ -6495,7 +5463,7 @@
             <a:endParaRPr lang="en-US"/>
           </a:p>
         </c:txPr>
-        <c:crossAx val="246620120"/>
+        <c:crossAx val="269679096"/>
         <c:crosses val="autoZero"/>
         <c:auto val="1"/>
         <c:lblAlgn val="ctr"/>
@@ -6503,7 +5471,7 @@
         <c:noMultiLvlLbl val="0"/>
       </c:catAx>
       <c:valAx>
-        <c:axId val="246620120"/>
+        <c:axId val="269679096"/>
         <c:scaling>
           <c:orientation val="minMax"/>
           <c:max val="0.85000000000000009"/>
@@ -6515,7 +5483,7 @@
         <c:majorTickMark val="out"/>
         <c:minorTickMark val="none"/>
         <c:tickLblPos val="nextTo"/>
-        <c:crossAx val="247989288"/>
+        <c:crossAx val="269679488"/>
         <c:crosses val="autoZero"/>
         <c:crossBetween val="between"/>
       </c:valAx>
@@ -6554,7 +5522,7 @@
 </c:chartSpace>
 </file>
 
-<file path=ppt/charts/chart21.xml><?xml version="1.0" encoding="utf-8"?>
+<file path=ppt/charts/chart19.xml><?xml version="1.0" encoding="utf-8"?>
 <c:chartSpace xmlns:c="http://schemas.openxmlformats.org/drawingml/2006/chart" xmlns:a="http://schemas.openxmlformats.org/drawingml/2006/main" xmlns:r="http://schemas.openxmlformats.org/officeDocument/2006/relationships">
   <c:date1904 val="0"/>
   <c:lang val="en-US"/>
@@ -6853,11 +5821,11 @@
           <c:showBubbleSize val="0"/>
         </c:dLbls>
         <c:gapWidth val="60"/>
-        <c:axId val="246620904"/>
-        <c:axId val="246621296"/>
+        <c:axId val="269681840"/>
+        <c:axId val="269214048"/>
       </c:barChart>
       <c:catAx>
-        <c:axId val="246620904"/>
+        <c:axId val="269681840"/>
         <c:scaling>
           <c:orientation val="minMax"/>
         </c:scaling>
@@ -6867,7 +5835,7 @@
         <c:majorTickMark val="out"/>
         <c:minorTickMark val="none"/>
         <c:tickLblPos val="nextTo"/>
-        <c:crossAx val="246621296"/>
+        <c:crossAx val="269214048"/>
         <c:crosses val="autoZero"/>
         <c:auto val="1"/>
         <c:lblAlgn val="ctr"/>
@@ -6875,7 +5843,7 @@
         <c:noMultiLvlLbl val="0"/>
       </c:catAx>
       <c:valAx>
-        <c:axId val="246621296"/>
+        <c:axId val="269214048"/>
         <c:scaling>
           <c:orientation val="minMax"/>
           <c:min val="0"/>
@@ -6886,7 +5854,7 @@
         <c:majorTickMark val="out"/>
         <c:minorTickMark val="none"/>
         <c:tickLblPos val="nextTo"/>
-        <c:crossAx val="246620904"/>
+        <c:crossAx val="269681840"/>
         <c:crosses val="autoZero"/>
         <c:crossBetween val="between"/>
       </c:valAx>
@@ -6966,7 +5934,394 @@
 </c:chartSpace>
 </file>
 
-<file path=ppt/charts/chart22.xml><?xml version="1.0" encoding="utf-8"?>
+<file path=ppt/charts/chart2.xml><?xml version="1.0" encoding="utf-8"?>
+<c:chartSpace xmlns:c="http://schemas.openxmlformats.org/drawingml/2006/chart" xmlns:a="http://schemas.openxmlformats.org/drawingml/2006/main" xmlns:r="http://schemas.openxmlformats.org/officeDocument/2006/relationships">
+  <c:date1904 val="0"/>
+  <c:lang val="en-US"/>
+  <c:roundedCorners val="0"/>
+  <mc:AlternateContent xmlns:mc="http://schemas.openxmlformats.org/markup-compatibility/2006">
+    <mc:Choice xmlns:c14="http://schemas.microsoft.com/office/drawing/2007/8/2/chart" Requires="c14">
+      <c14:style val="102"/>
+    </mc:Choice>
+    <mc:Fallback>
+      <c:style val="2"/>
+    </mc:Fallback>
+  </mc:AlternateContent>
+  <c:chart>
+    <c:title>
+      <c:tx>
+        <c:rich>
+          <a:bodyPr rot="0" spcFirstLastPara="1" vertOverflow="ellipsis" vert="horz" wrap="square" anchor="ctr" anchorCtr="1"/>
+          <a:lstStyle/>
+          <a:p>
+            <a:pPr>
+              <a:defRPr sz="1862" b="0" i="0" u="none" strike="noStrike" kern="1200" spc="0" baseline="0">
+                <a:solidFill>
+                  <a:schemeClr val="tx1">
+                    <a:lumMod val="65000"/>
+                    <a:lumOff val="35000"/>
+                  </a:schemeClr>
+                </a:solidFill>
+                <a:latin typeface="+mn-lt"/>
+                <a:ea typeface="+mn-ea"/>
+                <a:cs typeface="+mn-cs"/>
+              </a:defRPr>
+            </a:pPr>
+            <a:r>
+              <a:rPr lang="en-US" sz="1600" b="1" dirty="0" smtClean="0"/>
+              <a:t>Mean Kappa</a:t>
+            </a:r>
+            <a:endParaRPr lang="en-US" sz="1600" b="1" dirty="0"/>
+          </a:p>
+        </c:rich>
+      </c:tx>
+      <c:layout/>
+      <c:overlay val="0"/>
+      <c:spPr>
+        <a:noFill/>
+        <a:ln>
+          <a:noFill/>
+        </a:ln>
+        <a:effectLst/>
+      </c:spPr>
+      <c:txPr>
+        <a:bodyPr rot="0" spcFirstLastPara="1" vertOverflow="ellipsis" vert="horz" wrap="square" anchor="ctr" anchorCtr="1"/>
+        <a:lstStyle/>
+        <a:p>
+          <a:pPr>
+            <a:defRPr sz="1862" b="0" i="0" u="none" strike="noStrike" kern="1200" spc="0" baseline="0">
+              <a:solidFill>
+                <a:schemeClr val="tx1">
+                  <a:lumMod val="65000"/>
+                  <a:lumOff val="35000"/>
+                </a:schemeClr>
+              </a:solidFill>
+              <a:latin typeface="+mn-lt"/>
+              <a:ea typeface="+mn-ea"/>
+              <a:cs typeface="+mn-cs"/>
+            </a:defRPr>
+          </a:pPr>
+          <a:endParaRPr lang="en-US"/>
+        </a:p>
+      </c:txPr>
+    </c:title>
+    <c:autoTitleDeleted val="0"/>
+    <c:plotArea>
+      <c:layout>
+        <c:manualLayout>
+          <c:layoutTarget val="inner"/>
+          <c:xMode val="edge"/>
+          <c:yMode val="edge"/>
+          <c:x val="9.8828412073490801E-2"/>
+          <c:y val="0.19637664041994754"/>
+          <c:w val="0.80117158792650922"/>
+          <c:h val="0.80362335958005249"/>
+        </c:manualLayout>
+      </c:layout>
+      <c:barChart>
+        <c:barDir val="col"/>
+        <c:grouping val="clustered"/>
+        <c:varyColors val="0"/>
+        <c:ser>
+          <c:idx val="0"/>
+          <c:order val="0"/>
+          <c:tx>
+            <c:strRef>
+              <c:f>Sheet1!$B$1</c:f>
+              <c:strCache>
+                <c:ptCount val="1"/>
+                <c:pt idx="0">
+                  <c:v>Series 1</c:v>
+                </c:pt>
+              </c:strCache>
+            </c:strRef>
+          </c:tx>
+          <c:spPr>
+            <a:solidFill>
+              <a:srgbClr val="990033"/>
+            </a:solidFill>
+            <a:ln>
+              <a:noFill/>
+            </a:ln>
+            <a:effectLst/>
+          </c:spPr>
+          <c:invertIfNegative val="0"/>
+          <c:dLbls>
+            <c:numFmt formatCode="0.0%" sourceLinked="0"/>
+            <c:spPr>
+              <a:noFill/>
+              <a:ln>
+                <a:noFill/>
+              </a:ln>
+              <a:effectLst/>
+            </c:spPr>
+            <c:txPr>
+              <a:bodyPr rot="0" spcFirstLastPara="1" vertOverflow="ellipsis" vert="horz" wrap="square" lIns="38100" tIns="19050" rIns="38100" bIns="19050" anchor="ctr" anchorCtr="1">
+                <a:spAutoFit/>
+              </a:bodyPr>
+              <a:lstStyle/>
+              <a:p>
+                <a:pPr>
+                  <a:defRPr sz="1400" b="0" i="0" u="none" strike="noStrike" kern="1200" baseline="0">
+                    <a:solidFill>
+                      <a:schemeClr val="tx1">
+                        <a:lumMod val="75000"/>
+                        <a:lumOff val="25000"/>
+                      </a:schemeClr>
+                    </a:solidFill>
+                    <a:latin typeface="+mn-lt"/>
+                    <a:ea typeface="+mn-ea"/>
+                    <a:cs typeface="+mn-cs"/>
+                  </a:defRPr>
+                </a:pPr>
+                <a:endParaRPr lang="en-US"/>
+              </a:p>
+            </c:txPr>
+            <c:showLegendKey val="0"/>
+            <c:showVal val="1"/>
+            <c:showCatName val="0"/>
+            <c:showSerName val="0"/>
+            <c:showPercent val="0"/>
+            <c:showBubbleSize val="0"/>
+            <c:showLeaderLines val="0"/>
+            <c:extLst>
+              <c:ext xmlns:c15="http://schemas.microsoft.com/office/drawing/2012/chart" uri="{CE6537A1-D6FC-4f65-9D91-7224C49458BB}">
+                <c15:layout/>
+                <c15:showLeaderLines val="1"/>
+                <c15:leaderLines>
+                  <c:spPr>
+                    <a:ln w="9525" cap="flat" cmpd="sng" algn="ctr">
+                      <a:solidFill>
+                        <a:schemeClr val="tx1">
+                          <a:lumMod val="35000"/>
+                          <a:lumOff val="65000"/>
+                        </a:schemeClr>
+                      </a:solidFill>
+                      <a:round/>
+                    </a:ln>
+                    <a:effectLst/>
+                  </c:spPr>
+                </c15:leaderLines>
+              </c:ext>
+            </c:extLst>
+          </c:dLbls>
+          <c:cat>
+            <c:strRef>
+              <c:f>Sheet1!$A$2</c:f>
+              <c:strCache>
+                <c:ptCount val="1"/>
+                <c:pt idx="0">
+                  <c:v>Overall Accuracy</c:v>
+                </c:pt>
+              </c:strCache>
+            </c:strRef>
+          </c:cat>
+          <c:val>
+            <c:numRef>
+              <c:f>Sheet1!$B$2</c:f>
+              <c:numCache>
+                <c:formatCode>0.000</c:formatCode>
+                <c:ptCount val="1"/>
+                <c:pt idx="0">
+                  <c:v>0.47899999999999998</c:v>
+                </c:pt>
+              </c:numCache>
+            </c:numRef>
+          </c:val>
+        </c:ser>
+        <c:ser>
+          <c:idx val="1"/>
+          <c:order val="1"/>
+          <c:tx>
+            <c:strRef>
+              <c:f>Sheet1!$C$1</c:f>
+              <c:strCache>
+                <c:ptCount val="1"/>
+                <c:pt idx="0">
+                  <c:v>Series 2</c:v>
+                </c:pt>
+              </c:strCache>
+            </c:strRef>
+          </c:tx>
+          <c:spPr>
+            <a:solidFill>
+              <a:schemeClr val="accent2">
+                <a:lumMod val="40000"/>
+                <a:lumOff val="60000"/>
+              </a:schemeClr>
+            </a:solidFill>
+            <a:ln>
+              <a:noFill/>
+            </a:ln>
+            <a:effectLst/>
+          </c:spPr>
+          <c:invertIfNegative val="0"/>
+          <c:dLbls>
+            <c:numFmt formatCode="0.0%" sourceLinked="0"/>
+            <c:spPr>
+              <a:noFill/>
+              <a:ln>
+                <a:noFill/>
+              </a:ln>
+              <a:effectLst/>
+            </c:spPr>
+            <c:txPr>
+              <a:bodyPr rot="0" spcFirstLastPara="1" vertOverflow="ellipsis" vert="horz" wrap="square" lIns="38100" tIns="19050" rIns="38100" bIns="19050" anchor="ctr" anchorCtr="1">
+                <a:spAutoFit/>
+              </a:bodyPr>
+              <a:lstStyle/>
+              <a:p>
+                <a:pPr>
+                  <a:defRPr sz="1400" b="0" i="0" u="none" strike="noStrike" kern="1200" baseline="0">
+                    <a:solidFill>
+                      <a:schemeClr val="tx1">
+                        <a:lumMod val="75000"/>
+                        <a:lumOff val="25000"/>
+                      </a:schemeClr>
+                    </a:solidFill>
+                    <a:latin typeface="+mn-lt"/>
+                    <a:ea typeface="+mn-ea"/>
+                    <a:cs typeface="+mn-cs"/>
+                  </a:defRPr>
+                </a:pPr>
+                <a:endParaRPr lang="en-US"/>
+              </a:p>
+            </c:txPr>
+            <c:showLegendKey val="0"/>
+            <c:showVal val="1"/>
+            <c:showCatName val="0"/>
+            <c:showSerName val="0"/>
+            <c:showPercent val="0"/>
+            <c:showBubbleSize val="0"/>
+            <c:showLeaderLines val="0"/>
+            <c:extLst>
+              <c:ext xmlns:c15="http://schemas.microsoft.com/office/drawing/2012/chart" uri="{CE6537A1-D6FC-4f65-9D91-7224C49458BB}">
+                <c15:layout/>
+                <c15:showLeaderLines val="1"/>
+                <c15:leaderLines>
+                  <c:spPr>
+                    <a:ln w="9525" cap="flat" cmpd="sng" algn="ctr">
+                      <a:solidFill>
+                        <a:schemeClr val="tx1">
+                          <a:lumMod val="35000"/>
+                          <a:lumOff val="65000"/>
+                        </a:schemeClr>
+                      </a:solidFill>
+                      <a:round/>
+                    </a:ln>
+                    <a:effectLst/>
+                  </c:spPr>
+                </c15:leaderLines>
+              </c:ext>
+            </c:extLst>
+          </c:dLbls>
+          <c:cat>
+            <c:strRef>
+              <c:f>Sheet1!$A$2</c:f>
+              <c:strCache>
+                <c:ptCount val="1"/>
+                <c:pt idx="0">
+                  <c:v>Overall Accuracy</c:v>
+                </c:pt>
+              </c:strCache>
+            </c:strRef>
+          </c:cat>
+          <c:val>
+            <c:numRef>
+              <c:f>Sheet1!$C$2</c:f>
+              <c:numCache>
+                <c:formatCode>General</c:formatCode>
+                <c:ptCount val="1"/>
+                <c:pt idx="0">
+                  <c:v>0.38700000000000001</c:v>
+                </c:pt>
+              </c:numCache>
+            </c:numRef>
+          </c:val>
+        </c:ser>
+        <c:dLbls>
+          <c:showLegendKey val="0"/>
+          <c:showVal val="0"/>
+          <c:showCatName val="0"/>
+          <c:showSerName val="0"/>
+          <c:showPercent val="0"/>
+          <c:showBubbleSize val="0"/>
+        </c:dLbls>
+        <c:gapWidth val="60"/>
+        <c:axId val="200045696"/>
+        <c:axId val="200046088"/>
+      </c:barChart>
+      <c:catAx>
+        <c:axId val="200045696"/>
+        <c:scaling>
+          <c:orientation val="minMax"/>
+        </c:scaling>
+        <c:delete val="1"/>
+        <c:axPos val="b"/>
+        <c:numFmt formatCode="General" sourceLinked="1"/>
+        <c:majorTickMark val="out"/>
+        <c:minorTickMark val="none"/>
+        <c:tickLblPos val="nextTo"/>
+        <c:crossAx val="200046088"/>
+        <c:crosses val="autoZero"/>
+        <c:auto val="1"/>
+        <c:lblAlgn val="ctr"/>
+        <c:lblOffset val="100"/>
+        <c:noMultiLvlLbl val="0"/>
+      </c:catAx>
+      <c:valAx>
+        <c:axId val="200046088"/>
+        <c:scaling>
+          <c:orientation val="minMax"/>
+          <c:max val="0.8"/>
+          <c:min val="0"/>
+        </c:scaling>
+        <c:delete val="1"/>
+        <c:axPos val="l"/>
+        <c:numFmt formatCode="0.000" sourceLinked="1"/>
+        <c:majorTickMark val="out"/>
+        <c:minorTickMark val="none"/>
+        <c:tickLblPos val="nextTo"/>
+        <c:crossAx val="200045696"/>
+        <c:crosses val="autoZero"/>
+        <c:crossBetween val="between"/>
+      </c:valAx>
+      <c:spPr>
+        <a:noFill/>
+        <a:ln>
+          <a:noFill/>
+        </a:ln>
+        <a:effectLst/>
+      </c:spPr>
+    </c:plotArea>
+    <c:plotVisOnly val="1"/>
+    <c:dispBlanksAs val="gap"/>
+    <c:showDLblsOverMax val="0"/>
+  </c:chart>
+  <c:spPr>
+    <a:noFill/>
+    <a:ln>
+      <a:noFill/>
+    </a:ln>
+    <a:effectLst/>
+  </c:spPr>
+  <c:txPr>
+    <a:bodyPr/>
+    <a:lstStyle/>
+    <a:p>
+      <a:pPr>
+        <a:defRPr/>
+      </a:pPr>
+      <a:endParaRPr lang="en-US"/>
+    </a:p>
+  </c:txPr>
+  <c:externalData r:id="rId3">
+    <c:autoUpdate val="0"/>
+  </c:externalData>
+</c:chartSpace>
+</file>
+
+<file path=ppt/charts/chart20.xml><?xml version="1.0" encoding="utf-8"?>
 <c:chartSpace xmlns:c="http://schemas.openxmlformats.org/drawingml/2006/chart" xmlns:a="http://schemas.openxmlformats.org/drawingml/2006/main" xmlns:r="http://schemas.openxmlformats.org/officeDocument/2006/relationships">
   <c:date1904 val="0"/>
   <c:lang val="en-US"/>
@@ -7494,11 +6849,11 @@
           <c:showBubbleSize val="0"/>
         </c:dLbls>
         <c:gapWidth val="60"/>
-        <c:axId val="246622080"/>
-        <c:axId val="247836048"/>
+        <c:axId val="269213264"/>
+        <c:axId val="269212872"/>
       </c:barChart>
       <c:catAx>
-        <c:axId val="246622080"/>
+        <c:axId val="269213264"/>
         <c:scaling>
           <c:orientation val="maxMin"/>
         </c:scaling>
@@ -7536,7 +6891,7 @@
             <a:endParaRPr lang="en-US"/>
           </a:p>
         </c:txPr>
-        <c:crossAx val="247836048"/>
+        <c:crossAx val="269212872"/>
         <c:crosses val="autoZero"/>
         <c:auto val="1"/>
         <c:lblAlgn val="ctr"/>
@@ -7544,7 +6899,7 @@
         <c:noMultiLvlLbl val="0"/>
       </c:catAx>
       <c:valAx>
-        <c:axId val="247836048"/>
+        <c:axId val="269212872"/>
         <c:scaling>
           <c:orientation val="minMax"/>
           <c:max val="0.98"/>
@@ -7556,7 +6911,7 @@
         <c:majorTickMark val="out"/>
         <c:minorTickMark val="none"/>
         <c:tickLblPos val="nextTo"/>
-        <c:crossAx val="246622080"/>
+        <c:crossAx val="269213264"/>
         <c:crosses val="autoZero"/>
         <c:crossBetween val="between"/>
         <c:majorUnit val="0.1"/>
@@ -7992,11 +7347,11 @@
           <c:showBubbleSize val="0"/>
         </c:dLbls>
         <c:gapWidth val="60"/>
-        <c:axId val="210680752"/>
-        <c:axId val="210681144"/>
+        <c:axId val="198411600"/>
+        <c:axId val="200046872"/>
       </c:barChart>
       <c:catAx>
-        <c:axId val="210680752"/>
+        <c:axId val="198411600"/>
         <c:scaling>
           <c:orientation val="maxMin"/>
         </c:scaling>
@@ -8034,7 +7389,7 @@
             <a:endParaRPr lang="en-US"/>
           </a:p>
         </c:txPr>
-        <c:crossAx val="210681144"/>
+        <c:crossAx val="200046872"/>
         <c:crosses val="autoZero"/>
         <c:auto val="1"/>
         <c:lblAlgn val="ctr"/>
@@ -8042,7 +7397,7 @@
         <c:noMultiLvlLbl val="0"/>
       </c:catAx>
       <c:valAx>
-        <c:axId val="210681144"/>
+        <c:axId val="200046872"/>
         <c:scaling>
           <c:orientation val="minMax"/>
           <c:max val="0.85000000000000009"/>
@@ -8054,7 +7409,7 @@
         <c:majorTickMark val="out"/>
         <c:minorTickMark val="none"/>
         <c:tickLblPos val="nextTo"/>
-        <c:crossAx val="210680752"/>
+        <c:crossAx val="198411600"/>
         <c:crosses val="autoZero"/>
         <c:crossBetween val="between"/>
       </c:valAx>
@@ -8461,11 +7816,11 @@
           <c:showBubbleSize val="0"/>
         </c:dLbls>
         <c:gapWidth val="60"/>
-        <c:axId val="244680360"/>
-        <c:axId val="244680752"/>
+        <c:axId val="200047656"/>
+        <c:axId val="200048048"/>
       </c:barChart>
       <c:catAx>
-        <c:axId val="244680360"/>
+        <c:axId val="200047656"/>
         <c:scaling>
           <c:orientation val="maxMin"/>
         </c:scaling>
@@ -8503,7 +7858,7 @@
             <a:endParaRPr lang="en-US"/>
           </a:p>
         </c:txPr>
-        <c:crossAx val="244680752"/>
+        <c:crossAx val="200048048"/>
         <c:crosses val="autoZero"/>
         <c:auto val="1"/>
         <c:lblAlgn val="ctr"/>
@@ -8511,7 +7866,7 @@
         <c:noMultiLvlLbl val="0"/>
       </c:catAx>
       <c:valAx>
-        <c:axId val="244680752"/>
+        <c:axId val="200048048"/>
         <c:scaling>
           <c:orientation val="minMax"/>
           <c:max val="0.85000000000000009"/>
@@ -8523,7 +7878,7 @@
         <c:majorTickMark val="out"/>
         <c:minorTickMark val="none"/>
         <c:tickLblPos val="nextTo"/>
-        <c:crossAx val="244680360"/>
+        <c:crossAx val="200047656"/>
         <c:crosses val="autoZero"/>
         <c:crossBetween val="between"/>
         <c:majorUnit val="0.1"/>
@@ -8823,11 +8178,11 @@
           <c:showBubbleSize val="0"/>
         </c:dLbls>
         <c:gapWidth val="60"/>
-        <c:axId val="244681536"/>
-        <c:axId val="244681928"/>
+        <c:axId val="200048832"/>
+        <c:axId val="200521696"/>
       </c:barChart>
       <c:catAx>
-        <c:axId val="244681536"/>
+        <c:axId val="200048832"/>
         <c:scaling>
           <c:orientation val="minMax"/>
         </c:scaling>
@@ -8837,7 +8192,7 @@
         <c:majorTickMark val="out"/>
         <c:minorTickMark val="none"/>
         <c:tickLblPos val="nextTo"/>
-        <c:crossAx val="244681928"/>
+        <c:crossAx val="200521696"/>
         <c:crosses val="autoZero"/>
         <c:auto val="1"/>
         <c:lblAlgn val="ctr"/>
@@ -8845,7 +8200,7 @@
         <c:noMultiLvlLbl val="0"/>
       </c:catAx>
       <c:valAx>
-        <c:axId val="244681928"/>
+        <c:axId val="200521696"/>
         <c:scaling>
           <c:orientation val="minMax"/>
           <c:min val="0"/>
@@ -8856,7 +8211,7 @@
         <c:majorTickMark val="out"/>
         <c:minorTickMark val="none"/>
         <c:tickLblPos val="nextTo"/>
-        <c:crossAx val="244681536"/>
+        <c:crossAx val="200048832"/>
         <c:crosses val="autoZero"/>
         <c:crossBetween val="between"/>
       </c:valAx>
@@ -9304,11 +8659,11 @@
           <c:showBubbleSize val="0"/>
         </c:dLbls>
         <c:gapWidth val="60"/>
-        <c:axId val="243386608"/>
-        <c:axId val="243387000"/>
+        <c:axId val="198410424"/>
+        <c:axId val="200522480"/>
       </c:barChart>
       <c:catAx>
-        <c:axId val="243386608"/>
+        <c:axId val="198410424"/>
         <c:scaling>
           <c:orientation val="minMax"/>
         </c:scaling>
@@ -9318,7 +8673,7 @@
         <c:majorTickMark val="out"/>
         <c:minorTickMark val="none"/>
         <c:tickLblPos val="nextTo"/>
-        <c:crossAx val="243387000"/>
+        <c:crossAx val="200522480"/>
         <c:crosses val="autoZero"/>
         <c:auto val="1"/>
         <c:lblAlgn val="ctr"/>
@@ -9326,7 +8681,7 @@
         <c:noMultiLvlLbl val="0"/>
       </c:catAx>
       <c:valAx>
-        <c:axId val="243387000"/>
+        <c:axId val="200522480"/>
         <c:scaling>
           <c:orientation val="minMax"/>
           <c:min val="0"/>
@@ -9337,7 +8692,7 @@
         <c:majorTickMark val="out"/>
         <c:minorTickMark val="none"/>
         <c:tickLblPos val="nextTo"/>
-        <c:crossAx val="243386608"/>
+        <c:crossAx val="198410424"/>
         <c:crosses val="autoZero"/>
         <c:crossBetween val="between"/>
       </c:valAx>
@@ -9687,11 +9042,11 @@
           <c:showBubbleSize val="0"/>
         </c:dLbls>
         <c:gapWidth val="60"/>
-        <c:axId val="243387784"/>
-        <c:axId val="243626744"/>
+        <c:axId val="200524440"/>
+        <c:axId val="200524832"/>
       </c:barChart>
       <c:catAx>
-        <c:axId val="243387784"/>
+        <c:axId val="200524440"/>
         <c:scaling>
           <c:orientation val="minMax"/>
         </c:scaling>
@@ -9701,7 +9056,7 @@
         <c:majorTickMark val="out"/>
         <c:minorTickMark val="none"/>
         <c:tickLblPos val="nextTo"/>
-        <c:crossAx val="243626744"/>
+        <c:crossAx val="200524832"/>
         <c:crosses val="autoZero"/>
         <c:auto val="1"/>
         <c:lblAlgn val="ctr"/>
@@ -9709,7 +9064,7 @@
         <c:noMultiLvlLbl val="0"/>
       </c:catAx>
       <c:valAx>
-        <c:axId val="243626744"/>
+        <c:axId val="200524832"/>
         <c:scaling>
           <c:orientation val="minMax"/>
           <c:max val="0.8"/>
@@ -9721,7 +9076,7 @@
         <c:majorTickMark val="out"/>
         <c:minorTickMark val="none"/>
         <c:tickLblPos val="nextTo"/>
-        <c:crossAx val="243387784"/>
+        <c:crossAx val="200524440"/>
         <c:crosses val="autoZero"/>
         <c:crossBetween val="between"/>
       </c:valAx>
@@ -10131,11 +9486,11 @@
           <c:showBubbleSize val="0"/>
         </c:dLbls>
         <c:gapWidth val="60"/>
-        <c:axId val="243627528"/>
-        <c:axId val="243627920"/>
+        <c:axId val="200454168"/>
+        <c:axId val="200454560"/>
       </c:barChart>
       <c:catAx>
-        <c:axId val="243627528"/>
+        <c:axId val="200454168"/>
         <c:scaling>
           <c:orientation val="maxMin"/>
         </c:scaling>
@@ -10173,7 +9528,7 @@
             <a:endParaRPr lang="en-US"/>
           </a:p>
         </c:txPr>
-        <c:crossAx val="243627920"/>
+        <c:crossAx val="200454560"/>
         <c:crosses val="autoZero"/>
         <c:auto val="1"/>
         <c:lblAlgn val="ctr"/>
@@ -10181,7 +9536,7 @@
         <c:noMultiLvlLbl val="0"/>
       </c:catAx>
       <c:valAx>
-        <c:axId val="243627920"/>
+        <c:axId val="200454560"/>
         <c:scaling>
           <c:orientation val="minMax"/>
           <c:max val="0.98"/>
@@ -10193,7 +9548,7 @@
         <c:majorTickMark val="out"/>
         <c:minorTickMark val="none"/>
         <c:tickLblPos val="nextTo"/>
-        <c:crossAx val="243627528"/>
+        <c:crossAx val="200454168"/>
         <c:crosses val="autoZero"/>
         <c:crossBetween val="between"/>
         <c:majorUnit val="0.1"/>
@@ -10490,11 +9845,11 @@
           <c:showBubbleSize val="0"/>
         </c:dLbls>
         <c:gapWidth val="60"/>
-        <c:axId val="244682712"/>
-        <c:axId val="243629488"/>
+        <c:axId val="200455344"/>
+        <c:axId val="200455736"/>
       </c:barChart>
       <c:catAx>
-        <c:axId val="244682712"/>
+        <c:axId val="200455344"/>
         <c:scaling>
           <c:orientation val="minMax"/>
         </c:scaling>
@@ -10504,7 +9859,7 @@
         <c:majorTickMark val="out"/>
         <c:minorTickMark val="none"/>
         <c:tickLblPos val="nextTo"/>
-        <c:crossAx val="243629488"/>
+        <c:crossAx val="200455736"/>
         <c:crosses val="autoZero"/>
         <c:auto val="1"/>
         <c:lblAlgn val="ctr"/>
@@ -10512,7 +9867,7 @@
         <c:noMultiLvlLbl val="0"/>
       </c:catAx>
       <c:valAx>
-        <c:axId val="243629488"/>
+        <c:axId val="200455736"/>
         <c:scaling>
           <c:orientation val="minMax"/>
           <c:min val="0"/>
@@ -10523,7 +9878,7 @@
         <c:majorTickMark val="out"/>
         <c:minorTickMark val="none"/>
         <c:tickLblPos val="nextTo"/>
-        <c:crossAx val="244682712"/>
+        <c:crossAx val="200455344"/>
         <c:crosses val="autoZero"/>
         <c:crossBetween val="between"/>
       </c:valAx>
@@ -11123,86 +10478,6 @@
 </cs:colorStyle>
 </file>
 
-<file path=ppt/charts/colors21.xml><?xml version="1.0" encoding="utf-8"?>
-<cs:colorStyle xmlns:cs="http://schemas.microsoft.com/office/drawing/2012/chartStyle" xmlns:a="http://schemas.openxmlformats.org/drawingml/2006/main" meth="cycle" id="10">
-  <a:schemeClr val="accent1"/>
-  <a:schemeClr val="accent2"/>
-  <a:schemeClr val="accent3"/>
-  <a:schemeClr val="accent4"/>
-  <a:schemeClr val="accent5"/>
-  <a:schemeClr val="accent6"/>
-  <cs:variation/>
-  <cs:variation>
-    <a:lumMod val="60000"/>
-  </cs:variation>
-  <cs:variation>
-    <a:lumMod val="80000"/>
-    <a:lumOff val="20000"/>
-  </cs:variation>
-  <cs:variation>
-    <a:lumMod val="80000"/>
-  </cs:variation>
-  <cs:variation>
-    <a:lumMod val="60000"/>
-    <a:lumOff val="40000"/>
-  </cs:variation>
-  <cs:variation>
-    <a:lumMod val="50000"/>
-  </cs:variation>
-  <cs:variation>
-    <a:lumMod val="70000"/>
-    <a:lumOff val="30000"/>
-  </cs:variation>
-  <cs:variation>
-    <a:lumMod val="70000"/>
-  </cs:variation>
-  <cs:variation>
-    <a:lumMod val="50000"/>
-    <a:lumOff val="50000"/>
-  </cs:variation>
-</cs:colorStyle>
-</file>
-
-<file path=ppt/charts/colors22.xml><?xml version="1.0" encoding="utf-8"?>
-<cs:colorStyle xmlns:cs="http://schemas.microsoft.com/office/drawing/2012/chartStyle" xmlns:a="http://schemas.openxmlformats.org/drawingml/2006/main" meth="cycle" id="10">
-  <a:schemeClr val="accent1"/>
-  <a:schemeClr val="accent2"/>
-  <a:schemeClr val="accent3"/>
-  <a:schemeClr val="accent4"/>
-  <a:schemeClr val="accent5"/>
-  <a:schemeClr val="accent6"/>
-  <cs:variation/>
-  <cs:variation>
-    <a:lumMod val="60000"/>
-  </cs:variation>
-  <cs:variation>
-    <a:lumMod val="80000"/>
-    <a:lumOff val="20000"/>
-  </cs:variation>
-  <cs:variation>
-    <a:lumMod val="80000"/>
-  </cs:variation>
-  <cs:variation>
-    <a:lumMod val="60000"/>
-    <a:lumOff val="40000"/>
-  </cs:variation>
-  <cs:variation>
-    <a:lumMod val="50000"/>
-  </cs:variation>
-  <cs:variation>
-    <a:lumMod val="70000"/>
-    <a:lumOff val="30000"/>
-  </cs:variation>
-  <cs:variation>
-    <a:lumMod val="70000"/>
-  </cs:variation>
-  <cs:variation>
-    <a:lumMod val="50000"/>
-    <a:lumOff val="50000"/>
-  </cs:variation>
-</cs:colorStyle>
-</file>
-
 <file path=ppt/charts/colors3.xml><?xml version="1.0" encoding="utf-8"?>
 <cs:colorStyle xmlns:cs="http://schemas.microsoft.com/office/drawing/2012/chartStyle" xmlns:a="http://schemas.openxmlformats.org/drawingml/2006/main" meth="cycle" id="10">
   <a:schemeClr val="accent1"/>
@@ -12492,7 +11767,7 @@
 </file>
 
 <file path=ppt/charts/style11.xml><?xml version="1.0" encoding="utf-8"?>
-<cs:chartStyle xmlns:cs="http://schemas.microsoft.com/office/drawing/2012/chartStyle" xmlns:a="http://schemas.openxmlformats.org/drawingml/2006/main" id="201">
+<cs:chartStyle xmlns:cs="http://schemas.microsoft.com/office/drawing/2012/chartStyle" xmlns:a="http://schemas.openxmlformats.org/drawingml/2006/main" id="216">
   <cs:axisTitle>
     <cs:lnRef idx="0"/>
     <cs:fillRef idx="0"/>
@@ -12696,22 +11971,23 @@
     <cs:fillRef idx="0"/>
     <cs:effectRef idx="0"/>
     <cs:fontRef idx="minor">
-      <a:schemeClr val="dk1"/>
+      <a:schemeClr val="tx1"/>
     </cs:fontRef>
     <cs:spPr>
       <a:solidFill>
         <a:schemeClr val="dk1">
-          <a:lumMod val="65000"/>
-          <a:lumOff val="35000"/>
+          <a:lumMod val="75000"/>
+          <a:lumOff val="25000"/>
         </a:schemeClr>
       </a:solidFill>
-      <a:ln w="9525">
+      <a:ln w="9525" cap="flat" cmpd="sng" algn="ctr">
         <a:solidFill>
           <a:schemeClr val="tx1">
             <a:lumMod val="65000"/>
             <a:lumOff val="35000"/>
           </a:schemeClr>
         </a:solidFill>
+        <a:round/>
       </a:ln>
     </cs:spPr>
   </cs:downBar>
@@ -12816,8 +12092,8 @@
       <a:ln w="9525" cap="flat" cmpd="sng" algn="ctr">
         <a:solidFill>
           <a:schemeClr val="tx1">
-            <a:lumMod val="75000"/>
-            <a:lumOff val="25000"/>
+            <a:lumMod val="50000"/>
+            <a:lumOff val="50000"/>
           </a:schemeClr>
         </a:solidFill>
         <a:round/>
@@ -12949,19 +12225,20 @@
     <cs:fillRef idx="0"/>
     <cs:effectRef idx="0"/>
     <cs:fontRef idx="minor">
-      <a:schemeClr val="dk1"/>
+      <a:schemeClr val="tx1"/>
     </cs:fontRef>
     <cs:spPr>
       <a:solidFill>
         <a:schemeClr val="lt1"/>
       </a:solidFill>
-      <a:ln w="9525">
+      <a:ln w="9525" cap="flat" cmpd="sng" algn="ctr">
         <a:solidFill>
           <a:schemeClr val="tx1">
-            <a:lumMod val="15000"/>
-            <a:lumOff val="85000"/>
+            <a:lumMod val="65000"/>
+            <a:lumOff val="35000"/>
           </a:schemeClr>
         </a:solidFill>
+        <a:round/>
       </a:ln>
     </cs:spPr>
   </cs:upBar>
@@ -12995,7 +12272,7 @@
 </file>
 
 <file path=ppt/charts/style12.xml><?xml version="1.0" encoding="utf-8"?>
-<cs:chartStyle xmlns:cs="http://schemas.microsoft.com/office/drawing/2012/chartStyle" xmlns:a="http://schemas.openxmlformats.org/drawingml/2006/main" id="201">
+<cs:chartStyle xmlns:cs="http://schemas.microsoft.com/office/drawing/2012/chartStyle" xmlns:a="http://schemas.openxmlformats.org/drawingml/2006/main" id="216">
   <cs:axisTitle>
     <cs:lnRef idx="0"/>
     <cs:fillRef idx="0"/>
@@ -13199,22 +12476,23 @@
     <cs:fillRef idx="0"/>
     <cs:effectRef idx="0"/>
     <cs:fontRef idx="minor">
-      <a:schemeClr val="dk1"/>
+      <a:schemeClr val="tx1"/>
     </cs:fontRef>
     <cs:spPr>
       <a:solidFill>
         <a:schemeClr val="dk1">
-          <a:lumMod val="65000"/>
-          <a:lumOff val="35000"/>
+          <a:lumMod val="75000"/>
+          <a:lumOff val="25000"/>
         </a:schemeClr>
       </a:solidFill>
-      <a:ln w="9525">
+      <a:ln w="9525" cap="flat" cmpd="sng" algn="ctr">
         <a:solidFill>
           <a:schemeClr val="tx1">
             <a:lumMod val="65000"/>
             <a:lumOff val="35000"/>
           </a:schemeClr>
         </a:solidFill>
+        <a:round/>
       </a:ln>
     </cs:spPr>
   </cs:downBar>
@@ -13319,8 +12597,8 @@
       <a:ln w="9525" cap="flat" cmpd="sng" algn="ctr">
         <a:solidFill>
           <a:schemeClr val="tx1">
-            <a:lumMod val="75000"/>
-            <a:lumOff val="25000"/>
+            <a:lumMod val="50000"/>
+            <a:lumOff val="50000"/>
           </a:schemeClr>
         </a:solidFill>
         <a:round/>
@@ -13452,19 +12730,20 @@
     <cs:fillRef idx="0"/>
     <cs:effectRef idx="0"/>
     <cs:fontRef idx="minor">
-      <a:schemeClr val="dk1"/>
+      <a:schemeClr val="tx1"/>
     </cs:fontRef>
     <cs:spPr>
       <a:solidFill>
         <a:schemeClr val="lt1"/>
       </a:solidFill>
-      <a:ln w="9525">
+      <a:ln w="9525" cap="flat" cmpd="sng" algn="ctr">
         <a:solidFill>
           <a:schemeClr val="tx1">
-            <a:lumMod val="15000"/>
-            <a:lumOff val="85000"/>
+            <a:lumMod val="65000"/>
+            <a:lumOff val="35000"/>
           </a:schemeClr>
         </a:solidFill>
+        <a:round/>
       </a:ln>
     </cs:spPr>
   </cs:upBar>
@@ -13498,7 +12777,7 @@
 </file>
 
 <file path=ppt/charts/style13.xml><?xml version="1.0" encoding="utf-8"?>
-<cs:chartStyle xmlns:cs="http://schemas.microsoft.com/office/drawing/2012/chartStyle" xmlns:a="http://schemas.openxmlformats.org/drawingml/2006/main" id="216">
+<cs:chartStyle xmlns:cs="http://schemas.microsoft.com/office/drawing/2012/chartStyle" xmlns:a="http://schemas.openxmlformats.org/drawingml/2006/main" id="201">
   <cs:axisTitle>
     <cs:lnRef idx="0"/>
     <cs:fillRef idx="0"/>
@@ -13702,23 +12981,22 @@
     <cs:fillRef idx="0"/>
     <cs:effectRef idx="0"/>
     <cs:fontRef idx="minor">
-      <a:schemeClr val="tx1"/>
+      <a:schemeClr val="dk1"/>
     </cs:fontRef>
     <cs:spPr>
       <a:solidFill>
         <a:schemeClr val="dk1">
-          <a:lumMod val="75000"/>
-          <a:lumOff val="25000"/>
+          <a:lumMod val="65000"/>
+          <a:lumOff val="35000"/>
         </a:schemeClr>
       </a:solidFill>
-      <a:ln w="9525" cap="flat" cmpd="sng" algn="ctr">
+      <a:ln w="9525">
         <a:solidFill>
           <a:schemeClr val="tx1">
             <a:lumMod val="65000"/>
             <a:lumOff val="35000"/>
           </a:schemeClr>
         </a:solidFill>
-        <a:round/>
       </a:ln>
     </cs:spPr>
   </cs:downBar>
@@ -13823,8 +13101,8 @@
       <a:ln w="9525" cap="flat" cmpd="sng" algn="ctr">
         <a:solidFill>
           <a:schemeClr val="tx1">
-            <a:lumMod val="50000"/>
-            <a:lumOff val="50000"/>
+            <a:lumMod val="75000"/>
+            <a:lumOff val="25000"/>
           </a:schemeClr>
         </a:solidFill>
         <a:round/>
@@ -13956,20 +13234,19 @@
     <cs:fillRef idx="0"/>
     <cs:effectRef idx="0"/>
     <cs:fontRef idx="minor">
-      <a:schemeClr val="tx1"/>
+      <a:schemeClr val="dk1"/>
     </cs:fontRef>
     <cs:spPr>
       <a:solidFill>
         <a:schemeClr val="lt1"/>
       </a:solidFill>
-      <a:ln w="9525" cap="flat" cmpd="sng" algn="ctr">
+      <a:ln w="9525">
         <a:solidFill>
           <a:schemeClr val="tx1">
-            <a:lumMod val="65000"/>
-            <a:lumOff val="35000"/>
+            <a:lumMod val="15000"/>
+            <a:lumOff val="85000"/>
           </a:schemeClr>
         </a:solidFill>
-        <a:round/>
       </a:ln>
     </cs:spPr>
   </cs:upBar>
@@ -15516,7 +14793,7 @@
 </file>
 
 <file path=ppt/charts/style17.xml><?xml version="1.0" encoding="utf-8"?>
-<cs:chartStyle xmlns:cs="http://schemas.microsoft.com/office/drawing/2012/chartStyle" xmlns:a="http://schemas.openxmlformats.org/drawingml/2006/main" id="201">
+<cs:chartStyle xmlns:cs="http://schemas.microsoft.com/office/drawing/2012/chartStyle" xmlns:a="http://schemas.openxmlformats.org/drawingml/2006/main" id="216">
   <cs:axisTitle>
     <cs:lnRef idx="0"/>
     <cs:fillRef idx="0"/>
@@ -15720,22 +14997,23 @@
     <cs:fillRef idx="0"/>
     <cs:effectRef idx="0"/>
     <cs:fontRef idx="minor">
-      <a:schemeClr val="dk1"/>
+      <a:schemeClr val="tx1"/>
     </cs:fontRef>
     <cs:spPr>
       <a:solidFill>
         <a:schemeClr val="dk1">
-          <a:lumMod val="65000"/>
-          <a:lumOff val="35000"/>
+          <a:lumMod val="75000"/>
+          <a:lumOff val="25000"/>
         </a:schemeClr>
       </a:solidFill>
-      <a:ln w="9525">
+      <a:ln w="9525" cap="flat" cmpd="sng" algn="ctr">
         <a:solidFill>
           <a:schemeClr val="tx1">
             <a:lumMod val="65000"/>
             <a:lumOff val="35000"/>
           </a:schemeClr>
         </a:solidFill>
+        <a:round/>
       </a:ln>
     </cs:spPr>
   </cs:downBar>
@@ -15840,8 +15118,8 @@
       <a:ln w="9525" cap="flat" cmpd="sng" algn="ctr">
         <a:solidFill>
           <a:schemeClr val="tx1">
-            <a:lumMod val="75000"/>
-            <a:lumOff val="25000"/>
+            <a:lumMod val="50000"/>
+            <a:lumOff val="50000"/>
           </a:schemeClr>
         </a:solidFill>
         <a:round/>
@@ -15973,19 +15251,20 @@
     <cs:fillRef idx="0"/>
     <cs:effectRef idx="0"/>
     <cs:fontRef idx="minor">
-      <a:schemeClr val="dk1"/>
+      <a:schemeClr val="tx1"/>
     </cs:fontRef>
     <cs:spPr>
       <a:solidFill>
         <a:schemeClr val="lt1"/>
       </a:solidFill>
-      <a:ln w="9525">
+      <a:ln w="9525" cap="flat" cmpd="sng" algn="ctr">
         <a:solidFill>
           <a:schemeClr val="tx1">
-            <a:lumMod val="15000"/>
-            <a:lumOff val="85000"/>
+            <a:lumMod val="65000"/>
+            <a:lumOff val="35000"/>
           </a:schemeClr>
         </a:solidFill>
+        <a:round/>
       </a:ln>
     </cs:spPr>
   </cs:upBar>
@@ -16019,7 +15298,7 @@
 </file>
 
 <file path=ppt/charts/style18.xml><?xml version="1.0" encoding="utf-8"?>
-<cs:chartStyle xmlns:cs="http://schemas.microsoft.com/office/drawing/2012/chartStyle" xmlns:a="http://schemas.openxmlformats.org/drawingml/2006/main" id="216">
+<cs:chartStyle xmlns:cs="http://schemas.microsoft.com/office/drawing/2012/chartStyle" xmlns:a="http://schemas.openxmlformats.org/drawingml/2006/main" id="201">
   <cs:axisTitle>
     <cs:lnRef idx="0"/>
     <cs:fillRef idx="0"/>
@@ -16223,23 +15502,22 @@
     <cs:fillRef idx="0"/>
     <cs:effectRef idx="0"/>
     <cs:fontRef idx="minor">
-      <a:schemeClr val="tx1"/>
+      <a:schemeClr val="dk1"/>
     </cs:fontRef>
     <cs:spPr>
       <a:solidFill>
         <a:schemeClr val="dk1">
-          <a:lumMod val="75000"/>
-          <a:lumOff val="25000"/>
+          <a:lumMod val="65000"/>
+          <a:lumOff val="35000"/>
         </a:schemeClr>
       </a:solidFill>
-      <a:ln w="9525" cap="flat" cmpd="sng" algn="ctr">
+      <a:ln w="9525">
         <a:solidFill>
           <a:schemeClr val="tx1">
             <a:lumMod val="65000"/>
             <a:lumOff val="35000"/>
           </a:schemeClr>
         </a:solidFill>
-        <a:round/>
       </a:ln>
     </cs:spPr>
   </cs:downBar>
@@ -16344,8 +15622,8 @@
       <a:ln w="9525" cap="flat" cmpd="sng" algn="ctr">
         <a:solidFill>
           <a:schemeClr val="tx1">
-            <a:lumMod val="50000"/>
-            <a:lumOff val="50000"/>
+            <a:lumMod val="75000"/>
+            <a:lumOff val="25000"/>
           </a:schemeClr>
         </a:solidFill>
         <a:round/>
@@ -16477,20 +15755,19 @@
     <cs:fillRef idx="0"/>
     <cs:effectRef idx="0"/>
     <cs:fontRef idx="minor">
-      <a:schemeClr val="tx1"/>
+      <a:schemeClr val="dk1"/>
     </cs:fontRef>
     <cs:spPr>
       <a:solidFill>
         <a:schemeClr val="lt1"/>
       </a:solidFill>
-      <a:ln w="9525" cap="flat" cmpd="sng" algn="ctr">
+      <a:ln w="9525">
         <a:solidFill>
           <a:schemeClr val="tx1">
-            <a:lumMod val="65000"/>
-            <a:lumOff val="35000"/>
+            <a:lumMod val="15000"/>
+            <a:lumOff val="85000"/>
           </a:schemeClr>
         </a:solidFill>
-        <a:round/>
       </a:ln>
     </cs:spPr>
   </cs:upBar>
@@ -17534,1014 +16811,6 @@
 </file>
 
 <file path=ppt/charts/style20.xml><?xml version="1.0" encoding="utf-8"?>
-<cs:chartStyle xmlns:cs="http://schemas.microsoft.com/office/drawing/2012/chartStyle" xmlns:a="http://schemas.openxmlformats.org/drawingml/2006/main" id="201">
-  <cs:axisTitle>
-    <cs:lnRef idx="0"/>
-    <cs:fillRef idx="0"/>
-    <cs:effectRef idx="0"/>
-    <cs:fontRef idx="minor">
-      <a:schemeClr val="tx1">
-        <a:lumMod val="65000"/>
-        <a:lumOff val="35000"/>
-      </a:schemeClr>
-    </cs:fontRef>
-    <cs:defRPr sz="1330" kern="1200"/>
-  </cs:axisTitle>
-  <cs:categoryAxis>
-    <cs:lnRef idx="0"/>
-    <cs:fillRef idx="0"/>
-    <cs:effectRef idx="0"/>
-    <cs:fontRef idx="minor">
-      <a:schemeClr val="tx1">
-        <a:lumMod val="65000"/>
-        <a:lumOff val="35000"/>
-      </a:schemeClr>
-    </cs:fontRef>
-    <cs:spPr>
-      <a:ln w="9525" cap="flat" cmpd="sng" algn="ctr">
-        <a:solidFill>
-          <a:schemeClr val="tx1">
-            <a:lumMod val="15000"/>
-            <a:lumOff val="85000"/>
-          </a:schemeClr>
-        </a:solidFill>
-        <a:round/>
-      </a:ln>
-    </cs:spPr>
-    <cs:defRPr sz="1197" kern="1200"/>
-  </cs:categoryAxis>
-  <cs:chartArea mods="allowNoFillOverride allowNoLineOverride">
-    <cs:lnRef idx="0"/>
-    <cs:fillRef idx="0"/>
-    <cs:effectRef idx="0"/>
-    <cs:fontRef idx="minor">
-      <a:schemeClr val="tx1"/>
-    </cs:fontRef>
-    <cs:spPr>
-      <a:solidFill>
-        <a:schemeClr val="bg1"/>
-      </a:solidFill>
-      <a:ln w="9525" cap="flat" cmpd="sng" algn="ctr">
-        <a:solidFill>
-          <a:schemeClr val="tx1">
-            <a:lumMod val="15000"/>
-            <a:lumOff val="85000"/>
-          </a:schemeClr>
-        </a:solidFill>
-        <a:round/>
-      </a:ln>
-    </cs:spPr>
-    <cs:defRPr sz="1330" kern="1200"/>
-  </cs:chartArea>
-  <cs:dataLabel>
-    <cs:lnRef idx="0"/>
-    <cs:fillRef idx="0"/>
-    <cs:effectRef idx="0"/>
-    <cs:fontRef idx="minor">
-      <a:schemeClr val="tx1">
-        <a:lumMod val="75000"/>
-        <a:lumOff val="25000"/>
-      </a:schemeClr>
-    </cs:fontRef>
-    <cs:defRPr sz="1197" kern="1200"/>
-  </cs:dataLabel>
-  <cs:dataLabelCallout>
-    <cs:lnRef idx="0"/>
-    <cs:fillRef idx="0"/>
-    <cs:effectRef idx="0"/>
-    <cs:fontRef idx="minor">
-      <a:schemeClr val="dk1">
-        <a:lumMod val="65000"/>
-        <a:lumOff val="35000"/>
-      </a:schemeClr>
-    </cs:fontRef>
-    <cs:spPr>
-      <a:solidFill>
-        <a:schemeClr val="lt1"/>
-      </a:solidFill>
-      <a:ln>
-        <a:solidFill>
-          <a:schemeClr val="dk1">
-            <a:lumMod val="25000"/>
-            <a:lumOff val="75000"/>
-          </a:schemeClr>
-        </a:solidFill>
-      </a:ln>
-    </cs:spPr>
-    <cs:defRPr sz="1197" kern="1200"/>
-    <cs:bodyPr rot="0" spcFirstLastPara="1" vertOverflow="clip" horzOverflow="clip" vert="horz" wrap="square" lIns="36576" tIns="18288" rIns="36576" bIns="18288" anchor="ctr" anchorCtr="1">
-      <a:spAutoFit/>
-    </cs:bodyPr>
-  </cs:dataLabelCallout>
-  <cs:dataPoint>
-    <cs:lnRef idx="0"/>
-    <cs:fillRef idx="1">
-      <cs:styleClr val="auto"/>
-    </cs:fillRef>
-    <cs:effectRef idx="0"/>
-    <cs:fontRef idx="minor">
-      <a:schemeClr val="tx1"/>
-    </cs:fontRef>
-  </cs:dataPoint>
-  <cs:dataPoint3D>
-    <cs:lnRef idx="0"/>
-    <cs:fillRef idx="1">
-      <cs:styleClr val="auto"/>
-    </cs:fillRef>
-    <cs:effectRef idx="0"/>
-    <cs:fontRef idx="minor">
-      <a:schemeClr val="tx1"/>
-    </cs:fontRef>
-  </cs:dataPoint3D>
-  <cs:dataPointLine>
-    <cs:lnRef idx="0">
-      <cs:styleClr val="auto"/>
-    </cs:lnRef>
-    <cs:fillRef idx="1"/>
-    <cs:effectRef idx="0"/>
-    <cs:fontRef idx="minor">
-      <a:schemeClr val="tx1"/>
-    </cs:fontRef>
-    <cs:spPr>
-      <a:ln w="28575" cap="rnd">
-        <a:solidFill>
-          <a:schemeClr val="phClr"/>
-        </a:solidFill>
-        <a:round/>
-      </a:ln>
-    </cs:spPr>
-  </cs:dataPointLine>
-  <cs:dataPointMarker>
-    <cs:lnRef idx="0">
-      <cs:styleClr val="auto"/>
-    </cs:lnRef>
-    <cs:fillRef idx="1">
-      <cs:styleClr val="auto"/>
-    </cs:fillRef>
-    <cs:effectRef idx="0"/>
-    <cs:fontRef idx="minor">
-      <a:schemeClr val="tx1"/>
-    </cs:fontRef>
-    <cs:spPr>
-      <a:ln w="9525">
-        <a:solidFill>
-          <a:schemeClr val="phClr"/>
-        </a:solidFill>
-      </a:ln>
-    </cs:spPr>
-  </cs:dataPointMarker>
-  <cs:dataPointMarkerLayout symbol="circle" size="5"/>
-  <cs:dataPointWireframe>
-    <cs:lnRef idx="0">
-      <cs:styleClr val="auto"/>
-    </cs:lnRef>
-    <cs:fillRef idx="1"/>
-    <cs:effectRef idx="0"/>
-    <cs:fontRef idx="minor">
-      <a:schemeClr val="tx1"/>
-    </cs:fontRef>
-    <cs:spPr>
-      <a:ln w="9525" cap="rnd">
-        <a:solidFill>
-          <a:schemeClr val="phClr"/>
-        </a:solidFill>
-        <a:round/>
-      </a:ln>
-    </cs:spPr>
-  </cs:dataPointWireframe>
-  <cs:dataTable>
-    <cs:lnRef idx="0"/>
-    <cs:fillRef idx="0"/>
-    <cs:effectRef idx="0"/>
-    <cs:fontRef idx="minor">
-      <a:schemeClr val="tx1">
-        <a:lumMod val="65000"/>
-        <a:lumOff val="35000"/>
-      </a:schemeClr>
-    </cs:fontRef>
-    <cs:spPr>
-      <a:noFill/>
-      <a:ln w="9525" cap="flat" cmpd="sng" algn="ctr">
-        <a:solidFill>
-          <a:schemeClr val="tx1">
-            <a:lumMod val="15000"/>
-            <a:lumOff val="85000"/>
-          </a:schemeClr>
-        </a:solidFill>
-        <a:round/>
-      </a:ln>
-    </cs:spPr>
-    <cs:defRPr sz="1197" kern="1200"/>
-  </cs:dataTable>
-  <cs:downBar>
-    <cs:lnRef idx="0"/>
-    <cs:fillRef idx="0"/>
-    <cs:effectRef idx="0"/>
-    <cs:fontRef idx="minor">
-      <a:schemeClr val="dk1"/>
-    </cs:fontRef>
-    <cs:spPr>
-      <a:solidFill>
-        <a:schemeClr val="dk1">
-          <a:lumMod val="65000"/>
-          <a:lumOff val="35000"/>
-        </a:schemeClr>
-      </a:solidFill>
-      <a:ln w="9525">
-        <a:solidFill>
-          <a:schemeClr val="tx1">
-            <a:lumMod val="65000"/>
-            <a:lumOff val="35000"/>
-          </a:schemeClr>
-        </a:solidFill>
-      </a:ln>
-    </cs:spPr>
-  </cs:downBar>
-  <cs:dropLine>
-    <cs:lnRef idx="0"/>
-    <cs:fillRef idx="0"/>
-    <cs:effectRef idx="0"/>
-    <cs:fontRef idx="minor">
-      <a:schemeClr val="tx1"/>
-    </cs:fontRef>
-    <cs:spPr>
-      <a:ln w="9525" cap="flat" cmpd="sng" algn="ctr">
-        <a:solidFill>
-          <a:schemeClr val="tx1">
-            <a:lumMod val="35000"/>
-            <a:lumOff val="65000"/>
-          </a:schemeClr>
-        </a:solidFill>
-        <a:round/>
-      </a:ln>
-    </cs:spPr>
-  </cs:dropLine>
-  <cs:errorBar>
-    <cs:lnRef idx="0"/>
-    <cs:fillRef idx="0"/>
-    <cs:effectRef idx="0"/>
-    <cs:fontRef idx="minor">
-      <a:schemeClr val="tx1"/>
-    </cs:fontRef>
-    <cs:spPr>
-      <a:ln w="9525" cap="flat" cmpd="sng" algn="ctr">
-        <a:solidFill>
-          <a:schemeClr val="tx1">
-            <a:lumMod val="65000"/>
-            <a:lumOff val="35000"/>
-          </a:schemeClr>
-        </a:solidFill>
-        <a:round/>
-      </a:ln>
-    </cs:spPr>
-  </cs:errorBar>
-  <cs:floor>
-    <cs:lnRef idx="0"/>
-    <cs:fillRef idx="0"/>
-    <cs:effectRef idx="0"/>
-    <cs:fontRef idx="minor">
-      <a:schemeClr val="tx1"/>
-    </cs:fontRef>
-    <cs:spPr>
-      <a:noFill/>
-      <a:ln>
-        <a:noFill/>
-      </a:ln>
-    </cs:spPr>
-  </cs:floor>
-  <cs:gridlineMajor>
-    <cs:lnRef idx="0"/>
-    <cs:fillRef idx="0"/>
-    <cs:effectRef idx="0"/>
-    <cs:fontRef idx="minor">
-      <a:schemeClr val="tx1"/>
-    </cs:fontRef>
-    <cs:spPr>
-      <a:ln w="9525" cap="flat" cmpd="sng" algn="ctr">
-        <a:solidFill>
-          <a:schemeClr val="tx1">
-            <a:lumMod val="15000"/>
-            <a:lumOff val="85000"/>
-          </a:schemeClr>
-        </a:solidFill>
-        <a:round/>
-      </a:ln>
-    </cs:spPr>
-  </cs:gridlineMajor>
-  <cs:gridlineMinor>
-    <cs:lnRef idx="0"/>
-    <cs:fillRef idx="0"/>
-    <cs:effectRef idx="0"/>
-    <cs:fontRef idx="minor">
-      <a:schemeClr val="tx1"/>
-    </cs:fontRef>
-    <cs:spPr>
-      <a:ln w="9525" cap="flat" cmpd="sng" algn="ctr">
-        <a:solidFill>
-          <a:schemeClr val="tx1">
-            <a:lumMod val="5000"/>
-            <a:lumOff val="95000"/>
-          </a:schemeClr>
-        </a:solidFill>
-        <a:round/>
-      </a:ln>
-    </cs:spPr>
-  </cs:gridlineMinor>
-  <cs:hiLoLine>
-    <cs:lnRef idx="0"/>
-    <cs:fillRef idx="0"/>
-    <cs:effectRef idx="0"/>
-    <cs:fontRef idx="minor">
-      <a:schemeClr val="tx1"/>
-    </cs:fontRef>
-    <cs:spPr>
-      <a:ln w="9525" cap="flat" cmpd="sng" algn="ctr">
-        <a:solidFill>
-          <a:schemeClr val="tx1">
-            <a:lumMod val="75000"/>
-            <a:lumOff val="25000"/>
-          </a:schemeClr>
-        </a:solidFill>
-        <a:round/>
-      </a:ln>
-    </cs:spPr>
-  </cs:hiLoLine>
-  <cs:leaderLine>
-    <cs:lnRef idx="0"/>
-    <cs:fillRef idx="0"/>
-    <cs:effectRef idx="0"/>
-    <cs:fontRef idx="minor">
-      <a:schemeClr val="tx1"/>
-    </cs:fontRef>
-    <cs:spPr>
-      <a:ln w="9525" cap="flat" cmpd="sng" algn="ctr">
-        <a:solidFill>
-          <a:schemeClr val="tx1">
-            <a:lumMod val="35000"/>
-            <a:lumOff val="65000"/>
-          </a:schemeClr>
-        </a:solidFill>
-        <a:round/>
-      </a:ln>
-    </cs:spPr>
-  </cs:leaderLine>
-  <cs:legend>
-    <cs:lnRef idx="0"/>
-    <cs:fillRef idx="0"/>
-    <cs:effectRef idx="0"/>
-    <cs:fontRef idx="minor">
-      <a:schemeClr val="tx1">
-        <a:lumMod val="65000"/>
-        <a:lumOff val="35000"/>
-      </a:schemeClr>
-    </cs:fontRef>
-    <cs:defRPr sz="1197" kern="1200"/>
-  </cs:legend>
-  <cs:plotArea mods="allowNoFillOverride allowNoLineOverride">
-    <cs:lnRef idx="0"/>
-    <cs:fillRef idx="0"/>
-    <cs:effectRef idx="0"/>
-    <cs:fontRef idx="minor">
-      <a:schemeClr val="tx1"/>
-    </cs:fontRef>
-  </cs:plotArea>
-  <cs:plotArea3D mods="allowNoFillOverride allowNoLineOverride">
-    <cs:lnRef idx="0"/>
-    <cs:fillRef idx="0"/>
-    <cs:effectRef idx="0"/>
-    <cs:fontRef idx="minor">
-      <a:schemeClr val="tx1"/>
-    </cs:fontRef>
-  </cs:plotArea3D>
-  <cs:seriesAxis>
-    <cs:lnRef idx="0"/>
-    <cs:fillRef idx="0"/>
-    <cs:effectRef idx="0"/>
-    <cs:fontRef idx="minor">
-      <a:schemeClr val="tx1">
-        <a:lumMod val="65000"/>
-        <a:lumOff val="35000"/>
-      </a:schemeClr>
-    </cs:fontRef>
-    <cs:defRPr sz="1197" kern="1200"/>
-  </cs:seriesAxis>
-  <cs:seriesLine>
-    <cs:lnRef idx="0"/>
-    <cs:fillRef idx="0"/>
-    <cs:effectRef idx="0"/>
-    <cs:fontRef idx="minor">
-      <a:schemeClr val="tx1"/>
-    </cs:fontRef>
-    <cs:spPr>
-      <a:ln w="9525" cap="flat" cmpd="sng" algn="ctr">
-        <a:solidFill>
-          <a:schemeClr val="tx1">
-            <a:lumMod val="35000"/>
-            <a:lumOff val="65000"/>
-          </a:schemeClr>
-        </a:solidFill>
-        <a:round/>
-      </a:ln>
-    </cs:spPr>
-  </cs:seriesLine>
-  <cs:title>
-    <cs:lnRef idx="0"/>
-    <cs:fillRef idx="0"/>
-    <cs:effectRef idx="0"/>
-    <cs:fontRef idx="minor">
-      <a:schemeClr val="tx1">
-        <a:lumMod val="65000"/>
-        <a:lumOff val="35000"/>
-      </a:schemeClr>
-    </cs:fontRef>
-    <cs:defRPr sz="1862" b="0" kern="1200" spc="0" baseline="0"/>
-  </cs:title>
-  <cs:trendline>
-    <cs:lnRef idx="0">
-      <cs:styleClr val="auto"/>
-    </cs:lnRef>
-    <cs:fillRef idx="0"/>
-    <cs:effectRef idx="0"/>
-    <cs:fontRef idx="minor">
-      <a:schemeClr val="tx1"/>
-    </cs:fontRef>
-    <cs:spPr>
-      <a:ln w="19050" cap="rnd">
-        <a:solidFill>
-          <a:schemeClr val="phClr"/>
-        </a:solidFill>
-        <a:prstDash val="sysDot"/>
-      </a:ln>
-    </cs:spPr>
-  </cs:trendline>
-  <cs:trendlineLabel>
-    <cs:lnRef idx="0"/>
-    <cs:fillRef idx="0"/>
-    <cs:effectRef idx="0"/>
-    <cs:fontRef idx="minor">
-      <a:schemeClr val="tx1">
-        <a:lumMod val="65000"/>
-        <a:lumOff val="35000"/>
-      </a:schemeClr>
-    </cs:fontRef>
-    <cs:defRPr sz="1197" kern="1200"/>
-  </cs:trendlineLabel>
-  <cs:upBar>
-    <cs:lnRef idx="0"/>
-    <cs:fillRef idx="0"/>
-    <cs:effectRef idx="0"/>
-    <cs:fontRef idx="minor">
-      <a:schemeClr val="dk1"/>
-    </cs:fontRef>
-    <cs:spPr>
-      <a:solidFill>
-        <a:schemeClr val="lt1"/>
-      </a:solidFill>
-      <a:ln w="9525">
-        <a:solidFill>
-          <a:schemeClr val="tx1">
-            <a:lumMod val="15000"/>
-            <a:lumOff val="85000"/>
-          </a:schemeClr>
-        </a:solidFill>
-      </a:ln>
-    </cs:spPr>
-  </cs:upBar>
-  <cs:valueAxis>
-    <cs:lnRef idx="0"/>
-    <cs:fillRef idx="0"/>
-    <cs:effectRef idx="0"/>
-    <cs:fontRef idx="minor">
-      <a:schemeClr val="tx1">
-        <a:lumMod val="65000"/>
-        <a:lumOff val="35000"/>
-      </a:schemeClr>
-    </cs:fontRef>
-    <cs:defRPr sz="1197" kern="1200"/>
-  </cs:valueAxis>
-  <cs:wall>
-    <cs:lnRef idx="0"/>
-    <cs:fillRef idx="0"/>
-    <cs:effectRef idx="0"/>
-    <cs:fontRef idx="minor">
-      <a:schemeClr val="tx1"/>
-    </cs:fontRef>
-    <cs:spPr>
-      <a:noFill/>
-      <a:ln>
-        <a:noFill/>
-      </a:ln>
-    </cs:spPr>
-  </cs:wall>
-</cs:chartStyle>
-</file>
-
-<file path=ppt/charts/style21.xml><?xml version="1.0" encoding="utf-8"?>
-<cs:chartStyle xmlns:cs="http://schemas.microsoft.com/office/drawing/2012/chartStyle" xmlns:a="http://schemas.openxmlformats.org/drawingml/2006/main" id="216">
-  <cs:axisTitle>
-    <cs:lnRef idx="0"/>
-    <cs:fillRef idx="0"/>
-    <cs:effectRef idx="0"/>
-    <cs:fontRef idx="minor">
-      <a:schemeClr val="tx1">
-        <a:lumMod val="65000"/>
-        <a:lumOff val="35000"/>
-      </a:schemeClr>
-    </cs:fontRef>
-    <cs:defRPr sz="1330" kern="1200"/>
-  </cs:axisTitle>
-  <cs:categoryAxis>
-    <cs:lnRef idx="0"/>
-    <cs:fillRef idx="0"/>
-    <cs:effectRef idx="0"/>
-    <cs:fontRef idx="minor">
-      <a:schemeClr val="tx1">
-        <a:lumMod val="65000"/>
-        <a:lumOff val="35000"/>
-      </a:schemeClr>
-    </cs:fontRef>
-    <cs:spPr>
-      <a:ln w="9525" cap="flat" cmpd="sng" algn="ctr">
-        <a:solidFill>
-          <a:schemeClr val="tx1">
-            <a:lumMod val="15000"/>
-            <a:lumOff val="85000"/>
-          </a:schemeClr>
-        </a:solidFill>
-        <a:round/>
-      </a:ln>
-    </cs:spPr>
-    <cs:defRPr sz="1197" kern="1200"/>
-  </cs:categoryAxis>
-  <cs:chartArea mods="allowNoFillOverride allowNoLineOverride">
-    <cs:lnRef idx="0"/>
-    <cs:fillRef idx="0"/>
-    <cs:effectRef idx="0"/>
-    <cs:fontRef idx="minor">
-      <a:schemeClr val="tx1"/>
-    </cs:fontRef>
-    <cs:spPr>
-      <a:solidFill>
-        <a:schemeClr val="bg1"/>
-      </a:solidFill>
-      <a:ln w="9525" cap="flat" cmpd="sng" algn="ctr">
-        <a:solidFill>
-          <a:schemeClr val="tx1">
-            <a:lumMod val="15000"/>
-            <a:lumOff val="85000"/>
-          </a:schemeClr>
-        </a:solidFill>
-        <a:round/>
-      </a:ln>
-    </cs:spPr>
-    <cs:defRPr sz="1330" kern="1200"/>
-  </cs:chartArea>
-  <cs:dataLabel>
-    <cs:lnRef idx="0"/>
-    <cs:fillRef idx="0"/>
-    <cs:effectRef idx="0"/>
-    <cs:fontRef idx="minor">
-      <a:schemeClr val="tx1">
-        <a:lumMod val="75000"/>
-        <a:lumOff val="25000"/>
-      </a:schemeClr>
-    </cs:fontRef>
-    <cs:defRPr sz="1197" kern="1200"/>
-  </cs:dataLabel>
-  <cs:dataLabelCallout>
-    <cs:lnRef idx="0"/>
-    <cs:fillRef idx="0"/>
-    <cs:effectRef idx="0"/>
-    <cs:fontRef idx="minor">
-      <a:schemeClr val="dk1">
-        <a:lumMod val="65000"/>
-        <a:lumOff val="35000"/>
-      </a:schemeClr>
-    </cs:fontRef>
-    <cs:spPr>
-      <a:solidFill>
-        <a:schemeClr val="lt1"/>
-      </a:solidFill>
-      <a:ln>
-        <a:solidFill>
-          <a:schemeClr val="dk1">
-            <a:lumMod val="25000"/>
-            <a:lumOff val="75000"/>
-          </a:schemeClr>
-        </a:solidFill>
-      </a:ln>
-    </cs:spPr>
-    <cs:defRPr sz="1197" kern="1200"/>
-    <cs:bodyPr rot="0" spcFirstLastPara="1" vertOverflow="clip" horzOverflow="clip" vert="horz" wrap="square" lIns="36576" tIns="18288" rIns="36576" bIns="18288" anchor="ctr" anchorCtr="1">
-      <a:spAutoFit/>
-    </cs:bodyPr>
-  </cs:dataLabelCallout>
-  <cs:dataPoint>
-    <cs:lnRef idx="0"/>
-    <cs:fillRef idx="1">
-      <cs:styleClr val="auto"/>
-    </cs:fillRef>
-    <cs:effectRef idx="0"/>
-    <cs:fontRef idx="minor">
-      <a:schemeClr val="tx1"/>
-    </cs:fontRef>
-  </cs:dataPoint>
-  <cs:dataPoint3D>
-    <cs:lnRef idx="0"/>
-    <cs:fillRef idx="1">
-      <cs:styleClr val="auto"/>
-    </cs:fillRef>
-    <cs:effectRef idx="0"/>
-    <cs:fontRef idx="minor">
-      <a:schemeClr val="tx1"/>
-    </cs:fontRef>
-  </cs:dataPoint3D>
-  <cs:dataPointLine>
-    <cs:lnRef idx="0">
-      <cs:styleClr val="auto"/>
-    </cs:lnRef>
-    <cs:fillRef idx="1"/>
-    <cs:effectRef idx="0"/>
-    <cs:fontRef idx="minor">
-      <a:schemeClr val="tx1"/>
-    </cs:fontRef>
-    <cs:spPr>
-      <a:ln w="28575" cap="rnd">
-        <a:solidFill>
-          <a:schemeClr val="phClr"/>
-        </a:solidFill>
-        <a:round/>
-      </a:ln>
-    </cs:spPr>
-  </cs:dataPointLine>
-  <cs:dataPointMarker>
-    <cs:lnRef idx="0">
-      <cs:styleClr val="auto"/>
-    </cs:lnRef>
-    <cs:fillRef idx="1">
-      <cs:styleClr val="auto"/>
-    </cs:fillRef>
-    <cs:effectRef idx="0"/>
-    <cs:fontRef idx="minor">
-      <a:schemeClr val="tx1"/>
-    </cs:fontRef>
-    <cs:spPr>
-      <a:ln w="9525">
-        <a:solidFill>
-          <a:schemeClr val="phClr"/>
-        </a:solidFill>
-      </a:ln>
-    </cs:spPr>
-  </cs:dataPointMarker>
-  <cs:dataPointMarkerLayout symbol="circle" size="5"/>
-  <cs:dataPointWireframe>
-    <cs:lnRef idx="0">
-      <cs:styleClr val="auto"/>
-    </cs:lnRef>
-    <cs:fillRef idx="1"/>
-    <cs:effectRef idx="0"/>
-    <cs:fontRef idx="minor">
-      <a:schemeClr val="tx1"/>
-    </cs:fontRef>
-    <cs:spPr>
-      <a:ln w="9525" cap="rnd">
-        <a:solidFill>
-          <a:schemeClr val="phClr"/>
-        </a:solidFill>
-        <a:round/>
-      </a:ln>
-    </cs:spPr>
-  </cs:dataPointWireframe>
-  <cs:dataTable>
-    <cs:lnRef idx="0"/>
-    <cs:fillRef idx="0"/>
-    <cs:effectRef idx="0"/>
-    <cs:fontRef idx="minor">
-      <a:schemeClr val="tx1">
-        <a:lumMod val="65000"/>
-        <a:lumOff val="35000"/>
-      </a:schemeClr>
-    </cs:fontRef>
-    <cs:spPr>
-      <a:noFill/>
-      <a:ln w="9525" cap="flat" cmpd="sng" algn="ctr">
-        <a:solidFill>
-          <a:schemeClr val="tx1">
-            <a:lumMod val="15000"/>
-            <a:lumOff val="85000"/>
-          </a:schemeClr>
-        </a:solidFill>
-        <a:round/>
-      </a:ln>
-    </cs:spPr>
-    <cs:defRPr sz="1197" kern="1200"/>
-  </cs:dataTable>
-  <cs:downBar>
-    <cs:lnRef idx="0"/>
-    <cs:fillRef idx="0"/>
-    <cs:effectRef idx="0"/>
-    <cs:fontRef idx="minor">
-      <a:schemeClr val="tx1"/>
-    </cs:fontRef>
-    <cs:spPr>
-      <a:solidFill>
-        <a:schemeClr val="dk1">
-          <a:lumMod val="75000"/>
-          <a:lumOff val="25000"/>
-        </a:schemeClr>
-      </a:solidFill>
-      <a:ln w="9525" cap="flat" cmpd="sng" algn="ctr">
-        <a:solidFill>
-          <a:schemeClr val="tx1">
-            <a:lumMod val="65000"/>
-            <a:lumOff val="35000"/>
-          </a:schemeClr>
-        </a:solidFill>
-        <a:round/>
-      </a:ln>
-    </cs:spPr>
-  </cs:downBar>
-  <cs:dropLine>
-    <cs:lnRef idx="0"/>
-    <cs:fillRef idx="0"/>
-    <cs:effectRef idx="0"/>
-    <cs:fontRef idx="minor">
-      <a:schemeClr val="tx1"/>
-    </cs:fontRef>
-    <cs:spPr>
-      <a:ln w="9525" cap="flat" cmpd="sng" algn="ctr">
-        <a:solidFill>
-          <a:schemeClr val="tx1">
-            <a:lumMod val="35000"/>
-            <a:lumOff val="65000"/>
-          </a:schemeClr>
-        </a:solidFill>
-        <a:round/>
-      </a:ln>
-    </cs:spPr>
-  </cs:dropLine>
-  <cs:errorBar>
-    <cs:lnRef idx="0"/>
-    <cs:fillRef idx="0"/>
-    <cs:effectRef idx="0"/>
-    <cs:fontRef idx="minor">
-      <a:schemeClr val="tx1"/>
-    </cs:fontRef>
-    <cs:spPr>
-      <a:ln w="9525" cap="flat" cmpd="sng" algn="ctr">
-        <a:solidFill>
-          <a:schemeClr val="tx1">
-            <a:lumMod val="65000"/>
-            <a:lumOff val="35000"/>
-          </a:schemeClr>
-        </a:solidFill>
-        <a:round/>
-      </a:ln>
-    </cs:spPr>
-  </cs:errorBar>
-  <cs:floor>
-    <cs:lnRef idx="0"/>
-    <cs:fillRef idx="0"/>
-    <cs:effectRef idx="0"/>
-    <cs:fontRef idx="minor">
-      <a:schemeClr val="tx1"/>
-    </cs:fontRef>
-    <cs:spPr>
-      <a:noFill/>
-      <a:ln>
-        <a:noFill/>
-      </a:ln>
-    </cs:spPr>
-  </cs:floor>
-  <cs:gridlineMajor>
-    <cs:lnRef idx="0"/>
-    <cs:fillRef idx="0"/>
-    <cs:effectRef idx="0"/>
-    <cs:fontRef idx="minor">
-      <a:schemeClr val="tx1"/>
-    </cs:fontRef>
-    <cs:spPr>
-      <a:ln w="9525" cap="flat" cmpd="sng" algn="ctr">
-        <a:solidFill>
-          <a:schemeClr val="tx1">
-            <a:lumMod val="15000"/>
-            <a:lumOff val="85000"/>
-          </a:schemeClr>
-        </a:solidFill>
-        <a:round/>
-      </a:ln>
-    </cs:spPr>
-  </cs:gridlineMajor>
-  <cs:gridlineMinor>
-    <cs:lnRef idx="0"/>
-    <cs:fillRef idx="0"/>
-    <cs:effectRef idx="0"/>
-    <cs:fontRef idx="minor">
-      <a:schemeClr val="tx1"/>
-    </cs:fontRef>
-    <cs:spPr>
-      <a:ln w="9525" cap="flat" cmpd="sng" algn="ctr">
-        <a:solidFill>
-          <a:schemeClr val="tx1">
-            <a:lumMod val="5000"/>
-            <a:lumOff val="95000"/>
-          </a:schemeClr>
-        </a:solidFill>
-        <a:round/>
-      </a:ln>
-    </cs:spPr>
-  </cs:gridlineMinor>
-  <cs:hiLoLine>
-    <cs:lnRef idx="0"/>
-    <cs:fillRef idx="0"/>
-    <cs:effectRef idx="0"/>
-    <cs:fontRef idx="minor">
-      <a:schemeClr val="tx1"/>
-    </cs:fontRef>
-    <cs:spPr>
-      <a:ln w="9525" cap="flat" cmpd="sng" algn="ctr">
-        <a:solidFill>
-          <a:schemeClr val="tx1">
-            <a:lumMod val="50000"/>
-            <a:lumOff val="50000"/>
-          </a:schemeClr>
-        </a:solidFill>
-        <a:round/>
-      </a:ln>
-    </cs:spPr>
-  </cs:hiLoLine>
-  <cs:leaderLine>
-    <cs:lnRef idx="0"/>
-    <cs:fillRef idx="0"/>
-    <cs:effectRef idx="0"/>
-    <cs:fontRef idx="minor">
-      <a:schemeClr val="tx1"/>
-    </cs:fontRef>
-    <cs:spPr>
-      <a:ln w="9525" cap="flat" cmpd="sng" algn="ctr">
-        <a:solidFill>
-          <a:schemeClr val="tx1">
-            <a:lumMod val="35000"/>
-            <a:lumOff val="65000"/>
-          </a:schemeClr>
-        </a:solidFill>
-        <a:round/>
-      </a:ln>
-    </cs:spPr>
-  </cs:leaderLine>
-  <cs:legend>
-    <cs:lnRef idx="0"/>
-    <cs:fillRef idx="0"/>
-    <cs:effectRef idx="0"/>
-    <cs:fontRef idx="minor">
-      <a:schemeClr val="tx1">
-        <a:lumMod val="65000"/>
-        <a:lumOff val="35000"/>
-      </a:schemeClr>
-    </cs:fontRef>
-    <cs:defRPr sz="1197" kern="1200"/>
-  </cs:legend>
-  <cs:plotArea mods="allowNoFillOverride allowNoLineOverride">
-    <cs:lnRef idx="0"/>
-    <cs:fillRef idx="0"/>
-    <cs:effectRef idx="0"/>
-    <cs:fontRef idx="minor">
-      <a:schemeClr val="tx1"/>
-    </cs:fontRef>
-  </cs:plotArea>
-  <cs:plotArea3D mods="allowNoFillOverride allowNoLineOverride">
-    <cs:lnRef idx="0"/>
-    <cs:fillRef idx="0"/>
-    <cs:effectRef idx="0"/>
-    <cs:fontRef idx="minor">
-      <a:schemeClr val="tx1"/>
-    </cs:fontRef>
-  </cs:plotArea3D>
-  <cs:seriesAxis>
-    <cs:lnRef idx="0"/>
-    <cs:fillRef idx="0"/>
-    <cs:effectRef idx="0"/>
-    <cs:fontRef idx="minor">
-      <a:schemeClr val="tx1">
-        <a:lumMod val="65000"/>
-        <a:lumOff val="35000"/>
-      </a:schemeClr>
-    </cs:fontRef>
-    <cs:defRPr sz="1197" kern="1200"/>
-  </cs:seriesAxis>
-  <cs:seriesLine>
-    <cs:lnRef idx="0"/>
-    <cs:fillRef idx="0"/>
-    <cs:effectRef idx="0"/>
-    <cs:fontRef idx="minor">
-      <a:schemeClr val="tx1"/>
-    </cs:fontRef>
-    <cs:spPr>
-      <a:ln w="9525" cap="flat" cmpd="sng" algn="ctr">
-        <a:solidFill>
-          <a:schemeClr val="tx1">
-            <a:lumMod val="35000"/>
-            <a:lumOff val="65000"/>
-          </a:schemeClr>
-        </a:solidFill>
-        <a:round/>
-      </a:ln>
-    </cs:spPr>
-  </cs:seriesLine>
-  <cs:title>
-    <cs:lnRef idx="0"/>
-    <cs:fillRef idx="0"/>
-    <cs:effectRef idx="0"/>
-    <cs:fontRef idx="minor">
-      <a:schemeClr val="tx1">
-        <a:lumMod val="65000"/>
-        <a:lumOff val="35000"/>
-      </a:schemeClr>
-    </cs:fontRef>
-    <cs:defRPr sz="1862" b="0" kern="1200" spc="0" baseline="0"/>
-  </cs:title>
-  <cs:trendline>
-    <cs:lnRef idx="0">
-      <cs:styleClr val="auto"/>
-    </cs:lnRef>
-    <cs:fillRef idx="0"/>
-    <cs:effectRef idx="0"/>
-    <cs:fontRef idx="minor">
-      <a:schemeClr val="tx1"/>
-    </cs:fontRef>
-    <cs:spPr>
-      <a:ln w="19050" cap="rnd">
-        <a:solidFill>
-          <a:schemeClr val="phClr"/>
-        </a:solidFill>
-        <a:prstDash val="sysDot"/>
-      </a:ln>
-    </cs:spPr>
-  </cs:trendline>
-  <cs:trendlineLabel>
-    <cs:lnRef idx="0"/>
-    <cs:fillRef idx="0"/>
-    <cs:effectRef idx="0"/>
-    <cs:fontRef idx="minor">
-      <a:schemeClr val="tx1">
-        <a:lumMod val="65000"/>
-        <a:lumOff val="35000"/>
-      </a:schemeClr>
-    </cs:fontRef>
-    <cs:defRPr sz="1197" kern="1200"/>
-  </cs:trendlineLabel>
-  <cs:upBar>
-    <cs:lnRef idx="0"/>
-    <cs:fillRef idx="0"/>
-    <cs:effectRef idx="0"/>
-    <cs:fontRef idx="minor">
-      <a:schemeClr val="tx1"/>
-    </cs:fontRef>
-    <cs:spPr>
-      <a:solidFill>
-        <a:schemeClr val="lt1"/>
-      </a:solidFill>
-      <a:ln w="9525" cap="flat" cmpd="sng" algn="ctr">
-        <a:solidFill>
-          <a:schemeClr val="tx1">
-            <a:lumMod val="65000"/>
-            <a:lumOff val="35000"/>
-          </a:schemeClr>
-        </a:solidFill>
-        <a:round/>
-      </a:ln>
-    </cs:spPr>
-  </cs:upBar>
-  <cs:valueAxis>
-    <cs:lnRef idx="0"/>
-    <cs:fillRef idx="0"/>
-    <cs:effectRef idx="0"/>
-    <cs:fontRef idx="minor">
-      <a:schemeClr val="tx1">
-        <a:lumMod val="65000"/>
-        <a:lumOff val="35000"/>
-      </a:schemeClr>
-    </cs:fontRef>
-    <cs:defRPr sz="1197" kern="1200"/>
-  </cs:valueAxis>
-  <cs:wall>
-    <cs:lnRef idx="0"/>
-    <cs:fillRef idx="0"/>
-    <cs:effectRef idx="0"/>
-    <cs:fontRef idx="minor">
-      <a:schemeClr val="tx1"/>
-    </cs:fontRef>
-    <cs:spPr>
-      <a:noFill/>
-      <a:ln>
-        <a:noFill/>
-      </a:ln>
-    </cs:spPr>
-  </cs:wall>
-</cs:chartStyle>
-</file>
-
-<file path=ppt/charts/style22.xml><?xml version="1.0" encoding="utf-8"?>
 <cs:chartStyle xmlns:cs="http://schemas.microsoft.com/office/drawing/2012/chartStyle" xmlns:a="http://schemas.openxmlformats.org/drawingml/2006/main" id="201">
   <cs:axisTitle>
     <cs:lnRef idx="0"/>
@@ -23090,7 +21359,7 @@
     </p:spTree>
     <p:extLst>
       <p:ext uri="{BB962C8B-B14F-4D97-AF65-F5344CB8AC3E}">
-        <p14:creationId xmlns:p14="http://schemas.microsoft.com/office/powerpoint/2010/main" val="2654995722"/>
+        <p14:creationId xmlns:p14="http://schemas.microsoft.com/office/powerpoint/2010/main" val="2462831050"/>
       </p:ext>
     </p:extLst>
   </p:cSld>
@@ -23183,7 +21452,7 @@
     </p:spTree>
     <p:extLst>
       <p:ext uri="{BB962C8B-B14F-4D97-AF65-F5344CB8AC3E}">
-        <p14:creationId xmlns:p14="http://schemas.microsoft.com/office/powerpoint/2010/main" val="2462831050"/>
+        <p14:creationId xmlns:p14="http://schemas.microsoft.com/office/powerpoint/2010/main" val="2805213440"/>
       </p:ext>
     </p:extLst>
   </p:cSld>
@@ -23276,7 +21545,7 @@
     </p:spTree>
     <p:extLst>
       <p:ext uri="{BB962C8B-B14F-4D97-AF65-F5344CB8AC3E}">
-        <p14:creationId xmlns:p14="http://schemas.microsoft.com/office/powerpoint/2010/main" val="2805213440"/>
+        <p14:creationId xmlns:p14="http://schemas.microsoft.com/office/powerpoint/2010/main" val="1235321745"/>
       </p:ext>
     </p:extLst>
   </p:cSld>
@@ -23287,99 +21556,6 @@
 </file>
 
 <file path=ppt/notesSlides/notesSlide13.xml><?xml version="1.0" encoding="utf-8"?>
-<p:notes xmlns:a="http://schemas.openxmlformats.org/drawingml/2006/main" xmlns:r="http://schemas.openxmlformats.org/officeDocument/2006/relationships" xmlns:p="http://schemas.openxmlformats.org/presentationml/2006/main">
-  <p:cSld>
-    <p:spTree>
-      <p:nvGrpSpPr>
-        <p:cNvPr id="1" name=""/>
-        <p:cNvGrpSpPr/>
-        <p:nvPr/>
-      </p:nvGrpSpPr>
-      <p:grpSpPr>
-        <a:xfrm>
-          <a:off x="0" y="0"/>
-          <a:ext cx="0" cy="0"/>
-          <a:chOff x="0" y="0"/>
-          <a:chExt cx="0" cy="0"/>
-        </a:xfrm>
-      </p:grpSpPr>
-      <p:sp>
-        <p:nvSpPr>
-          <p:cNvPr id="2" name="Slide Image Placeholder 1"/>
-          <p:cNvSpPr>
-            <a:spLocks noGrp="1" noRot="1" noChangeAspect="1"/>
-          </p:cNvSpPr>
-          <p:nvPr>
-            <p:ph type="sldImg"/>
-          </p:nvPr>
-        </p:nvSpPr>
-        <p:spPr/>
-      </p:sp>
-      <p:sp>
-        <p:nvSpPr>
-          <p:cNvPr id="3" name="Notes Placeholder 2"/>
-          <p:cNvSpPr>
-            <a:spLocks noGrp="1"/>
-          </p:cNvSpPr>
-          <p:nvPr>
-            <p:ph type="body" idx="1"/>
-          </p:nvPr>
-        </p:nvSpPr>
-        <p:spPr/>
-        <p:txBody>
-          <a:bodyPr/>
-          <a:lstStyle/>
-          <a:p>
-            <a:endParaRPr lang="en-US"/>
-          </a:p>
-        </p:txBody>
-      </p:sp>
-      <p:sp>
-        <p:nvSpPr>
-          <p:cNvPr id="4" name="Slide Number Placeholder 3"/>
-          <p:cNvSpPr>
-            <a:spLocks noGrp="1"/>
-          </p:cNvSpPr>
-          <p:nvPr>
-            <p:ph type="sldNum" sz="quarter" idx="10"/>
-          </p:nvPr>
-        </p:nvSpPr>
-        <p:spPr/>
-        <p:txBody>
-          <a:bodyPr/>
-          <a:lstStyle/>
-          <a:p>
-            <a:fld id="{6B030FA5-0668-4926-90FE-3D41850BE2ED}" type="slidenum">
-              <a:rPr lang="en-US" smtClean="0">
-                <a:solidFill>
-                  <a:prstClr val="black"/>
-                </a:solidFill>
-              </a:rPr>
-              <a:pPr/>
-              <a:t>13</a:t>
-            </a:fld>
-            <a:endParaRPr lang="en-US">
-              <a:solidFill>
-                <a:prstClr val="black"/>
-              </a:solidFill>
-            </a:endParaRPr>
-          </a:p>
-        </p:txBody>
-      </p:sp>
-    </p:spTree>
-    <p:extLst>
-      <p:ext uri="{BB962C8B-B14F-4D97-AF65-F5344CB8AC3E}">
-        <p14:creationId xmlns:p14="http://schemas.microsoft.com/office/powerpoint/2010/main" val="1235321745"/>
-      </p:ext>
-    </p:extLst>
-  </p:cSld>
-  <p:clrMapOvr>
-    <a:masterClrMapping/>
-  </p:clrMapOvr>
-</p:notes>
-</file>
-
-<file path=ppt/notesSlides/notesSlide14.xml><?xml version="1.0" encoding="utf-8"?>
 <p:notes xmlns:a="http://schemas.openxmlformats.org/drawingml/2006/main" xmlns:r="http://schemas.openxmlformats.org/officeDocument/2006/relationships" xmlns:p="http://schemas.openxmlformats.org/presentationml/2006/main">
   <p:cSld>
     <p:spTree>
@@ -23449,7 +21625,7 @@
                 </a:solidFill>
               </a:rPr>
               <a:pPr/>
-              <a:t>14</a:t>
+              <a:t>13</a:t>
             </a:fld>
             <a:endParaRPr lang="en-US">
               <a:solidFill>
@@ -23472,7 +21648,7 @@
 </p:notes>
 </file>
 
-<file path=ppt/notesSlides/notesSlide15.xml><?xml version="1.0" encoding="utf-8"?>
+<file path=ppt/notesSlides/notesSlide14.xml><?xml version="1.0" encoding="utf-8"?>
 <p:notes xmlns:a="http://schemas.openxmlformats.org/drawingml/2006/main" xmlns:r="http://schemas.openxmlformats.org/officeDocument/2006/relationships" xmlns:p="http://schemas.openxmlformats.org/presentationml/2006/main">
   <p:cSld>
     <p:spTree>
@@ -23541,7 +21717,7 @@
           <a:p>
             <a:fld id="{6B030FA5-0668-4926-90FE-3D41850BE2ED}" type="slidenum">
               <a:rPr lang="en-US" smtClean="0"/>
-              <a:t>15</a:t>
+              <a:t>14</a:t>
             </a:fld>
             <a:endParaRPr lang="en-US"/>
           </a:p>
@@ -24060,17 +22236,35 @@
           <a:p>
             <a:r>
               <a:rPr lang="en-US" dirty="0" smtClean="0"/>
-              <a:t>F1 to deal with</a:t>
+              <a:t>RF</a:t>
             </a:r>
             <a:r>
               <a:rPr lang="en-US" baseline="0" dirty="0" smtClean="0"/>
-              <a:t> imbalanced classes</a:t>
+              <a:t> = no scaling, limited tuning, fuller data coverage reduces impact of outliers/irrelevant features</a:t>
             </a:r>
+            <a:endParaRPr lang="en-US" dirty="0" smtClean="0"/>
           </a:p>
           <a:p>
+            <a:pPr marL="0" marR="0" indent="0" algn="l" defTabSz="914400" rtl="0" eaLnBrk="1" fontAlgn="auto" latinLnBrk="0" hangingPunct="1">
+              <a:lnSpc>
+                <a:spcPct val="100000"/>
+              </a:lnSpc>
+              <a:spcBef>
+                <a:spcPts val="0"/>
+              </a:spcBef>
+              <a:spcAft>
+                <a:spcPts val="0"/>
+              </a:spcAft>
+              <a:buClrTx/>
+              <a:buSzTx/>
+              <a:buFontTx/>
+              <a:buNone/>
+              <a:tabLst/>
+              <a:defRPr/>
+            </a:pPr>
             <a:r>
               <a:rPr lang="en-US" baseline="0" dirty="0" smtClean="0"/>
-              <a:t>No need to scale features with RF</a:t>
+              <a:t>20 iterations same as published research/calculate confidence intervals</a:t>
             </a:r>
           </a:p>
           <a:p>
@@ -24080,9 +22274,30 @@
             </a:r>
           </a:p>
           <a:p>
+            <a:pPr marL="0" marR="0" indent="0" algn="l" defTabSz="914400" rtl="0" eaLnBrk="1" fontAlgn="auto" latinLnBrk="0" hangingPunct="1">
+              <a:lnSpc>
+                <a:spcPct val="100000"/>
+              </a:lnSpc>
+              <a:spcBef>
+                <a:spcPts val="0"/>
+              </a:spcBef>
+              <a:spcAft>
+                <a:spcPts val="0"/>
+              </a:spcAft>
+              <a:buClrTx/>
+              <a:buSzTx/>
+              <a:buFontTx/>
+              <a:buNone/>
+              <a:tabLst/>
+              <a:defRPr/>
+            </a:pPr>
+            <a:r>
+              <a:rPr lang="en-US" dirty="0" smtClean="0"/>
+              <a:t>F1 to deal with</a:t>
+            </a:r>
             <a:r>
               <a:rPr lang="en-US" baseline="0" dirty="0" smtClean="0"/>
-              <a:t>20 iterations same as published research/calculate confidence intervals</a:t>
+              <a:t> imbalanced classes</a:t>
             </a:r>
           </a:p>
           <a:p>
@@ -27576,4881 +25791,6 @@
           <a:chExt cx="0" cy="0"/>
         </a:xfrm>
       </p:grpSpPr>
-      <p:sp>
-        <p:nvSpPr>
-          <p:cNvPr id="16" name="Rectangle 15"/>
-          <p:cNvSpPr/>
-          <p:nvPr/>
-        </p:nvSpPr>
-        <p:spPr>
-          <a:xfrm>
-            <a:off x="152400" y="1752600"/>
-            <a:ext cx="4354830" cy="4648200"/>
-          </a:xfrm>
-          <a:prstGeom prst="rect">
-            <a:avLst/>
-          </a:prstGeom>
-          <a:solidFill>
-            <a:schemeClr val="accent3">
-              <a:lumMod val="20000"/>
-              <a:lumOff val="80000"/>
-            </a:schemeClr>
-          </a:solidFill>
-          <a:ln>
-            <a:noFill/>
-          </a:ln>
-        </p:spPr>
-        <p:style>
-          <a:lnRef idx="2">
-            <a:schemeClr val="accent1">
-              <a:shade val="50000"/>
-            </a:schemeClr>
-          </a:lnRef>
-          <a:fillRef idx="1">
-            <a:schemeClr val="accent1"/>
-          </a:fillRef>
-          <a:effectRef idx="0">
-            <a:schemeClr val="accent1"/>
-          </a:effectRef>
-          <a:fontRef idx="minor">
-            <a:schemeClr val="lt1"/>
-          </a:fontRef>
-        </p:style>
-        <p:txBody>
-          <a:bodyPr rtlCol="0" anchor="ctr"/>
-          <a:lstStyle/>
-          <a:p>
-            <a:pPr algn="ctr"/>
-            <a:endParaRPr lang="en-US">
-              <a:solidFill>
-                <a:prstClr val="white"/>
-              </a:solidFill>
-            </a:endParaRPr>
-          </a:p>
-        </p:txBody>
-      </p:sp>
-      <p:sp>
-        <p:nvSpPr>
-          <p:cNvPr id="17" name="Rectangle 16"/>
-          <p:cNvSpPr/>
-          <p:nvPr/>
-        </p:nvSpPr>
-        <p:spPr>
-          <a:xfrm>
-            <a:off x="4648200" y="1752600"/>
-            <a:ext cx="4354830" cy="4648200"/>
-          </a:xfrm>
-          <a:prstGeom prst="rect">
-            <a:avLst/>
-          </a:prstGeom>
-          <a:solidFill>
-            <a:schemeClr val="accent3">
-              <a:lumMod val="20000"/>
-              <a:lumOff val="80000"/>
-            </a:schemeClr>
-          </a:solidFill>
-          <a:ln>
-            <a:noFill/>
-          </a:ln>
-        </p:spPr>
-        <p:style>
-          <a:lnRef idx="2">
-            <a:schemeClr val="accent1">
-              <a:shade val="50000"/>
-            </a:schemeClr>
-          </a:lnRef>
-          <a:fillRef idx="1">
-            <a:schemeClr val="accent1"/>
-          </a:fillRef>
-          <a:effectRef idx="0">
-            <a:schemeClr val="accent1"/>
-          </a:effectRef>
-          <a:fontRef idx="minor">
-            <a:schemeClr val="lt1"/>
-          </a:fontRef>
-        </p:style>
-        <p:txBody>
-          <a:bodyPr rtlCol="0" anchor="ctr"/>
-          <a:lstStyle/>
-          <a:p>
-            <a:pPr algn="ctr"/>
-            <a:endParaRPr lang="en-US">
-              <a:solidFill>
-                <a:prstClr val="white"/>
-              </a:solidFill>
-            </a:endParaRPr>
-          </a:p>
-        </p:txBody>
-      </p:sp>
-      <p:sp>
-        <p:nvSpPr>
-          <p:cNvPr id="2" name="Title 1"/>
-          <p:cNvSpPr>
-            <a:spLocks noGrp="1"/>
-          </p:cNvSpPr>
-          <p:nvPr>
-            <p:ph type="title"/>
-          </p:nvPr>
-        </p:nvSpPr>
-        <p:spPr>
-          <a:xfrm>
-            <a:off x="0" y="9525"/>
-            <a:ext cx="8686800" cy="828675"/>
-          </a:xfrm>
-        </p:spPr>
-        <p:txBody>
-          <a:bodyPr>
-            <a:normAutofit/>
-          </a:bodyPr>
-          <a:lstStyle/>
-          <a:p>
-            <a:pPr algn="l"/>
-            <a:r>
-              <a:rPr lang="en-US" sz="3600" b="1" dirty="0" smtClean="0">
-                <a:solidFill>
-                  <a:schemeClr val="accent3">
-                    <a:lumMod val="50000"/>
-                  </a:schemeClr>
-                </a:solidFill>
-              </a:rPr>
-              <a:t>Alcohol top feature in RF </a:t>
-            </a:r>
-            <a:endParaRPr lang="en-US" sz="3600" b="1" dirty="0">
-              <a:solidFill>
-                <a:schemeClr val="accent3">
-                  <a:lumMod val="50000"/>
-                </a:schemeClr>
-              </a:solidFill>
-            </a:endParaRPr>
-          </a:p>
-        </p:txBody>
-      </p:sp>
-      <p:cxnSp>
-        <p:nvCxnSpPr>
-          <p:cNvPr id="5" name="Straight Connector 4"/>
-          <p:cNvCxnSpPr/>
-          <p:nvPr/>
-        </p:nvCxnSpPr>
-        <p:spPr>
-          <a:xfrm>
-            <a:off x="0" y="838200"/>
-            <a:ext cx="8686800" cy="0"/>
-          </a:xfrm>
-          <a:prstGeom prst="line">
-            <a:avLst/>
-          </a:prstGeom>
-          <a:ln w="76200">
-            <a:solidFill>
-              <a:schemeClr val="accent3">
-                <a:lumMod val="50000"/>
-              </a:schemeClr>
-            </a:solidFill>
-          </a:ln>
-        </p:spPr>
-        <p:style>
-          <a:lnRef idx="1">
-            <a:schemeClr val="accent1"/>
-          </a:lnRef>
-          <a:fillRef idx="0">
-            <a:schemeClr val="accent1"/>
-          </a:fillRef>
-          <a:effectRef idx="0">
-            <a:schemeClr val="accent1"/>
-          </a:effectRef>
-          <a:fontRef idx="minor">
-            <a:schemeClr val="tx1"/>
-          </a:fontRef>
-        </p:style>
-      </p:cxnSp>
-      <p:sp>
-        <p:nvSpPr>
-          <p:cNvPr id="7" name="TextBox 6"/>
-          <p:cNvSpPr txBox="1"/>
-          <p:nvPr/>
-        </p:nvSpPr>
-        <p:spPr>
-          <a:xfrm>
-            <a:off x="0" y="838200"/>
-            <a:ext cx="8686800" cy="523220"/>
-          </a:xfrm>
-          <a:prstGeom prst="rect">
-            <a:avLst/>
-          </a:prstGeom>
-          <a:noFill/>
-        </p:spPr>
-        <p:txBody>
-          <a:bodyPr wrap="square" rtlCol="0">
-            <a:spAutoFit/>
-          </a:bodyPr>
-          <a:lstStyle/>
-          <a:p>
-            <a:r>
-              <a:rPr lang="en-US" sz="2800" dirty="0" smtClean="0">
-                <a:solidFill>
-                  <a:srgbClr val="9BBB59">
-                    <a:lumMod val="50000"/>
-                  </a:srgbClr>
-                </a:solidFill>
-              </a:rPr>
-              <a:t>But differences across wine types, methods</a:t>
-            </a:r>
-            <a:endParaRPr lang="en-US" sz="2800" dirty="0">
-              <a:solidFill>
-                <a:srgbClr val="9BBB59">
-                  <a:lumMod val="50000"/>
-                </a:srgbClr>
-              </a:solidFill>
-            </a:endParaRPr>
-          </a:p>
-        </p:txBody>
-      </p:sp>
-      <p:graphicFrame>
-        <p:nvGraphicFramePr>
-          <p:cNvPr id="11" name="Chart 10"/>
-          <p:cNvGraphicFramePr/>
-          <p:nvPr>
-            <p:extLst>
-              <p:ext uri="{D42A27DB-BD31-4B8C-83A1-F6EECF244321}">
-                <p14:modId xmlns:p14="http://schemas.microsoft.com/office/powerpoint/2010/main" val="288319381"/>
-              </p:ext>
-            </p:extLst>
-          </p:nvPr>
-        </p:nvGraphicFramePr>
-        <p:xfrm>
-          <a:off x="162014" y="2133600"/>
-          <a:ext cx="3467100" cy="4191000"/>
-        </p:xfrm>
-        <a:graphic>
-          <a:graphicData uri="http://schemas.openxmlformats.org/drawingml/2006/chart">
-            <c:chart xmlns:c="http://schemas.openxmlformats.org/drawingml/2006/chart" xmlns:r="http://schemas.openxmlformats.org/officeDocument/2006/relationships" r:id="rId3"/>
-          </a:graphicData>
-        </a:graphic>
-      </p:graphicFrame>
-      <p:graphicFrame>
-        <p:nvGraphicFramePr>
-          <p:cNvPr id="13" name="Chart 12"/>
-          <p:cNvGraphicFramePr/>
-          <p:nvPr>
-            <p:extLst>
-              <p:ext uri="{D42A27DB-BD31-4B8C-83A1-F6EECF244321}">
-                <p14:modId xmlns:p14="http://schemas.microsoft.com/office/powerpoint/2010/main" val="580916331"/>
-              </p:ext>
-            </p:extLst>
-          </p:nvPr>
-        </p:nvGraphicFramePr>
-        <p:xfrm>
-          <a:off x="4724400" y="2133600"/>
-          <a:ext cx="3467100" cy="4191000"/>
-        </p:xfrm>
-        <a:graphic>
-          <a:graphicData uri="http://schemas.openxmlformats.org/drawingml/2006/chart">
-            <c:chart xmlns:c="http://schemas.openxmlformats.org/drawingml/2006/chart" xmlns:r="http://schemas.openxmlformats.org/officeDocument/2006/relationships" r:id="rId4"/>
-          </a:graphicData>
-        </a:graphic>
-      </p:graphicFrame>
-      <p:graphicFrame>
-        <p:nvGraphicFramePr>
-          <p:cNvPr id="14" name="Table 13"/>
-          <p:cNvGraphicFramePr>
-            <a:graphicFrameLocks noGrp="1"/>
-          </p:cNvGraphicFramePr>
-          <p:nvPr>
-            <p:extLst>
-              <p:ext uri="{D42A27DB-BD31-4B8C-83A1-F6EECF244321}">
-                <p14:modId xmlns:p14="http://schemas.microsoft.com/office/powerpoint/2010/main" val="3712764772"/>
-              </p:ext>
-            </p:extLst>
-          </p:nvPr>
-        </p:nvGraphicFramePr>
-        <p:xfrm>
-          <a:off x="1427480" y="1817916"/>
-          <a:ext cx="2946400" cy="4450080"/>
-        </p:xfrm>
-        <a:graphic>
-          <a:graphicData uri="http://schemas.openxmlformats.org/drawingml/2006/table">
-            <a:tbl>
-              <a:tblPr firstRow="1" bandRow="1">
-                <a:tableStyleId>{5940675A-B579-460E-94D1-54222C63F5DA}</a:tableStyleId>
-              </a:tblPr>
-              <a:tblGrid>
-                <a:gridCol w="2032000"/>
-                <a:gridCol w="457200"/>
-                <a:gridCol w="457200"/>
-              </a:tblGrid>
-              <a:tr h="365760">
-                <a:tc>
-                  <a:txBody>
-                    <a:bodyPr/>
-                    <a:lstStyle/>
-                    <a:p>
-                      <a:pPr algn="ctr"/>
-                      <a:r>
-                        <a:rPr lang="en-US" sz="1400" b="1" dirty="0" smtClean="0">
-                          <a:solidFill>
-                            <a:schemeClr val="tx1">
-                              <a:lumMod val="65000"/>
-                              <a:lumOff val="35000"/>
-                            </a:schemeClr>
-                          </a:solidFill>
-                        </a:rPr>
-                        <a:t>RF </a:t>
-                      </a:r>
-                      <a:br>
-                        <a:rPr lang="en-US" sz="1400" b="1" dirty="0" smtClean="0">
-                          <a:solidFill>
-                            <a:schemeClr val="tx1">
-                              <a:lumMod val="65000"/>
-                              <a:lumOff val="35000"/>
-                            </a:schemeClr>
-                          </a:solidFill>
-                        </a:rPr>
-                      </a:br>
-                      <a:r>
-                        <a:rPr lang="en-US" sz="1400" b="1" dirty="0" smtClean="0">
-                          <a:solidFill>
-                            <a:schemeClr val="tx1">
-                              <a:lumMod val="65000"/>
-                              <a:lumOff val="35000"/>
-                            </a:schemeClr>
-                          </a:solidFill>
-                        </a:rPr>
-                        <a:t>Importance</a:t>
-                      </a:r>
-                      <a:endParaRPr lang="en-US" sz="1400" b="1" dirty="0">
-                        <a:solidFill>
-                          <a:schemeClr val="tx1">
-                            <a:lumMod val="65000"/>
-                            <a:lumOff val="35000"/>
-                          </a:schemeClr>
-                        </a:solidFill>
-                      </a:endParaRPr>
-                    </a:p>
-                  </a:txBody>
-                  <a:tcPr marL="0" marR="0" marT="0" marB="0" anchor="ctr">
-                    <a:lnL w="12700" cap="flat" cmpd="sng" algn="ctr">
-                      <a:noFill/>
-                      <a:prstDash val="solid"/>
-                      <a:round/>
-                      <a:headEnd type="none" w="med" len="med"/>
-                      <a:tailEnd type="none" w="med" len="med"/>
-                    </a:lnL>
-                    <a:lnR w="12700" cap="flat" cmpd="sng" algn="ctr">
-                      <a:noFill/>
-                      <a:prstDash val="solid"/>
-                      <a:round/>
-                      <a:headEnd type="none" w="med" len="med"/>
-                      <a:tailEnd type="none" w="med" len="med"/>
-                    </a:lnR>
-                    <a:lnT w="12700" cap="flat" cmpd="sng" algn="ctr">
-                      <a:noFill/>
-                      <a:prstDash val="solid"/>
-                      <a:round/>
-                      <a:headEnd type="none" w="med" len="med"/>
-                      <a:tailEnd type="none" w="med" len="med"/>
-                    </a:lnT>
-                    <a:lnB w="12700" cap="flat" cmpd="sng" algn="ctr">
-                      <a:noFill/>
-                      <a:prstDash val="solid"/>
-                      <a:round/>
-                      <a:headEnd type="none" w="med" len="med"/>
-                      <a:tailEnd type="none" w="med" len="med"/>
-                    </a:lnB>
-                    <a:lnTlToBr w="12700" cmpd="sng">
-                      <a:noFill/>
-                      <a:prstDash val="solid"/>
-                    </a:lnTlToBr>
-                    <a:lnBlToTr w="12700" cmpd="sng">
-                      <a:noFill/>
-                      <a:prstDash val="solid"/>
-                    </a:lnBlToTr>
-                  </a:tcPr>
-                </a:tc>
-                <a:tc>
-                  <a:txBody>
-                    <a:bodyPr/>
-                    <a:lstStyle/>
-                    <a:p>
-                      <a:pPr algn="ctr"/>
-                      <a:r>
-                        <a:rPr lang="en-US" sz="1400" b="1" dirty="0" smtClean="0">
-                          <a:solidFill>
-                            <a:schemeClr val="tx1">
-                              <a:lumMod val="65000"/>
-                              <a:lumOff val="35000"/>
-                            </a:schemeClr>
-                          </a:solidFill>
-                        </a:rPr>
-                        <a:t>RF </a:t>
-                      </a:r>
-                      <a:br>
-                        <a:rPr lang="en-US" sz="1400" b="1" dirty="0" smtClean="0">
-                          <a:solidFill>
-                            <a:schemeClr val="tx1">
-                              <a:lumMod val="65000"/>
-                              <a:lumOff val="35000"/>
-                            </a:schemeClr>
-                          </a:solidFill>
-                        </a:rPr>
-                      </a:br>
-                      <a:r>
-                        <a:rPr lang="en-US" sz="1400" b="1" dirty="0" smtClean="0">
-                          <a:solidFill>
-                            <a:schemeClr val="tx1">
-                              <a:lumMod val="65000"/>
-                              <a:lumOff val="35000"/>
-                            </a:schemeClr>
-                          </a:solidFill>
-                        </a:rPr>
-                        <a:t>Rank</a:t>
-                      </a:r>
-                      <a:endParaRPr lang="en-US" sz="1400" b="1" dirty="0">
-                        <a:solidFill>
-                          <a:schemeClr val="tx1">
-                            <a:lumMod val="65000"/>
-                            <a:lumOff val="35000"/>
-                          </a:schemeClr>
-                        </a:solidFill>
-                      </a:endParaRPr>
-                    </a:p>
-                  </a:txBody>
-                  <a:tcPr marL="0" marR="0" marT="0" marB="0" anchor="ctr">
-                    <a:lnL w="12700" cap="flat" cmpd="sng" algn="ctr">
-                      <a:noFill/>
-                      <a:prstDash val="solid"/>
-                      <a:round/>
-                      <a:headEnd type="none" w="med" len="med"/>
-                      <a:tailEnd type="none" w="med" len="med"/>
-                    </a:lnL>
-                    <a:lnR w="12700" cap="flat" cmpd="sng" algn="ctr">
-                      <a:noFill/>
-                      <a:prstDash val="solid"/>
-                      <a:round/>
-                      <a:headEnd type="none" w="med" len="med"/>
-                      <a:tailEnd type="none" w="med" len="med"/>
-                    </a:lnR>
-                    <a:lnT w="12700" cap="flat" cmpd="sng" algn="ctr">
-                      <a:noFill/>
-                      <a:prstDash val="solid"/>
-                      <a:round/>
-                      <a:headEnd type="none" w="med" len="med"/>
-                      <a:tailEnd type="none" w="med" len="med"/>
-                    </a:lnT>
-                    <a:lnB w="12700" cap="flat" cmpd="sng" algn="ctr">
-                      <a:noFill/>
-                      <a:prstDash val="solid"/>
-                      <a:round/>
-                      <a:headEnd type="none" w="med" len="med"/>
-                      <a:tailEnd type="none" w="med" len="med"/>
-                    </a:lnB>
-                    <a:lnTlToBr w="12700" cmpd="sng">
-                      <a:noFill/>
-                      <a:prstDash val="solid"/>
-                    </a:lnTlToBr>
-                    <a:lnBlToTr w="12700" cmpd="sng">
-                      <a:noFill/>
-                      <a:prstDash val="solid"/>
-                    </a:lnBlToTr>
-                  </a:tcPr>
-                </a:tc>
-                <a:tc>
-                  <a:txBody>
-                    <a:bodyPr/>
-                    <a:lstStyle/>
-                    <a:p>
-                      <a:pPr algn="ctr"/>
-                      <a:r>
-                        <a:rPr lang="en-US" sz="1400" b="1" dirty="0" smtClean="0">
-                          <a:solidFill>
-                            <a:schemeClr val="tx1">
-                              <a:lumMod val="65000"/>
-                              <a:lumOff val="35000"/>
-                            </a:schemeClr>
-                          </a:solidFill>
-                        </a:rPr>
-                        <a:t>SVM </a:t>
-                      </a:r>
-                      <a:br>
-                        <a:rPr lang="en-US" sz="1400" b="1" dirty="0" smtClean="0">
-                          <a:solidFill>
-                            <a:schemeClr val="tx1">
-                              <a:lumMod val="65000"/>
-                              <a:lumOff val="35000"/>
-                            </a:schemeClr>
-                          </a:solidFill>
-                        </a:rPr>
-                      </a:br>
-                      <a:r>
-                        <a:rPr lang="en-US" sz="1400" b="1" dirty="0" smtClean="0">
-                          <a:solidFill>
-                            <a:schemeClr val="tx1">
-                              <a:lumMod val="65000"/>
-                              <a:lumOff val="35000"/>
-                            </a:schemeClr>
-                          </a:solidFill>
-                        </a:rPr>
-                        <a:t>Rank</a:t>
-                      </a:r>
-                      <a:endParaRPr lang="en-US" sz="1400" b="1" dirty="0">
-                        <a:solidFill>
-                          <a:schemeClr val="tx1">
-                            <a:lumMod val="65000"/>
-                            <a:lumOff val="35000"/>
-                          </a:schemeClr>
-                        </a:solidFill>
-                      </a:endParaRPr>
-                    </a:p>
-                  </a:txBody>
-                  <a:tcPr marL="0" marR="0" marT="0" marB="0" anchor="ctr">
-                    <a:lnL w="12700" cap="flat" cmpd="sng" algn="ctr">
-                      <a:noFill/>
-                      <a:prstDash val="solid"/>
-                      <a:round/>
-                      <a:headEnd type="none" w="med" len="med"/>
-                      <a:tailEnd type="none" w="med" len="med"/>
-                    </a:lnL>
-                    <a:lnR w="12700" cap="flat" cmpd="sng" algn="ctr">
-                      <a:noFill/>
-                      <a:prstDash val="solid"/>
-                      <a:round/>
-                      <a:headEnd type="none" w="med" len="med"/>
-                      <a:tailEnd type="none" w="med" len="med"/>
-                    </a:lnR>
-                    <a:lnT w="12700" cap="flat" cmpd="sng" algn="ctr">
-                      <a:noFill/>
-                      <a:prstDash val="solid"/>
-                      <a:round/>
-                      <a:headEnd type="none" w="med" len="med"/>
-                      <a:tailEnd type="none" w="med" len="med"/>
-                    </a:lnT>
-                    <a:lnB w="12700" cap="flat" cmpd="sng" algn="ctr">
-                      <a:noFill/>
-                      <a:prstDash val="solid"/>
-                      <a:round/>
-                      <a:headEnd type="none" w="med" len="med"/>
-                      <a:tailEnd type="none" w="med" len="med"/>
-                    </a:lnB>
-                    <a:lnTlToBr w="12700" cmpd="sng">
-                      <a:noFill/>
-                      <a:prstDash val="solid"/>
-                    </a:lnTlToBr>
-                    <a:lnBlToTr w="12700" cmpd="sng">
-                      <a:noFill/>
-                      <a:prstDash val="solid"/>
-                    </a:lnBlToTr>
-                  </a:tcPr>
-                </a:tc>
-              </a:tr>
-              <a:tr h="365760">
-                <a:tc>
-                  <a:txBody>
-                    <a:bodyPr/>
-                    <a:lstStyle/>
-                    <a:p>
-                      <a:endParaRPr lang="en-US" sz="1400" dirty="0"/>
-                    </a:p>
-                  </a:txBody>
-                  <a:tcPr marL="0" marR="0" marT="0" marB="0">
-                    <a:lnL w="12700" cap="flat" cmpd="sng" algn="ctr">
-                      <a:noFill/>
-                      <a:prstDash val="solid"/>
-                      <a:round/>
-                      <a:headEnd type="none" w="med" len="med"/>
-                      <a:tailEnd type="none" w="med" len="med"/>
-                    </a:lnL>
-                    <a:lnR w="12700" cap="flat" cmpd="sng" algn="ctr">
-                      <a:noFill/>
-                      <a:prstDash val="solid"/>
-                      <a:round/>
-                      <a:headEnd type="none" w="med" len="med"/>
-                      <a:tailEnd type="none" w="med" len="med"/>
-                    </a:lnR>
-                    <a:lnT w="12700" cap="flat" cmpd="sng" algn="ctr">
-                      <a:noFill/>
-                      <a:prstDash val="solid"/>
-                      <a:round/>
-                      <a:headEnd type="none" w="med" len="med"/>
-                      <a:tailEnd type="none" w="med" len="med"/>
-                    </a:lnT>
-                    <a:lnB w="12700" cap="flat" cmpd="sng" algn="ctr">
-                      <a:noFill/>
-                      <a:prstDash val="solid"/>
-                      <a:round/>
-                      <a:headEnd type="none" w="med" len="med"/>
-                      <a:tailEnd type="none" w="med" len="med"/>
-                    </a:lnB>
-                    <a:lnTlToBr w="12700" cmpd="sng">
-                      <a:noFill/>
-                      <a:prstDash val="solid"/>
-                    </a:lnTlToBr>
-                    <a:lnBlToTr w="12700" cmpd="sng">
-                      <a:noFill/>
-                      <a:prstDash val="solid"/>
-                    </a:lnBlToTr>
-                  </a:tcPr>
-                </a:tc>
-                <a:tc>
-                  <a:txBody>
-                    <a:bodyPr/>
-                    <a:lstStyle/>
-                    <a:p>
-                      <a:pPr algn="ctr"/>
-                      <a:r>
-                        <a:rPr lang="en-US" sz="1400" dirty="0" smtClean="0">
-                          <a:solidFill>
-                            <a:schemeClr val="tx1">
-                              <a:lumMod val="65000"/>
-                              <a:lumOff val="35000"/>
-                            </a:schemeClr>
-                          </a:solidFill>
-                        </a:rPr>
-                        <a:t>1</a:t>
-                      </a:r>
-                      <a:endParaRPr lang="en-US" sz="1400" dirty="0">
-                        <a:solidFill>
-                          <a:schemeClr val="tx1">
-                            <a:lumMod val="65000"/>
-                            <a:lumOff val="35000"/>
-                          </a:schemeClr>
-                        </a:solidFill>
-                      </a:endParaRPr>
-                    </a:p>
-                  </a:txBody>
-                  <a:tcPr marL="0" marR="0" marT="0" marB="0" anchor="ctr">
-                    <a:lnL w="12700" cap="flat" cmpd="sng" algn="ctr">
-                      <a:noFill/>
-                      <a:prstDash val="solid"/>
-                      <a:round/>
-                      <a:headEnd type="none" w="med" len="med"/>
-                      <a:tailEnd type="none" w="med" len="med"/>
-                    </a:lnL>
-                    <a:lnR w="12700" cap="flat" cmpd="sng" algn="ctr">
-                      <a:noFill/>
-                      <a:prstDash val="solid"/>
-                      <a:round/>
-                      <a:headEnd type="none" w="med" len="med"/>
-                      <a:tailEnd type="none" w="med" len="med"/>
-                    </a:lnR>
-                    <a:lnT w="12700" cap="flat" cmpd="sng" algn="ctr">
-                      <a:noFill/>
-                      <a:prstDash val="solid"/>
-                      <a:round/>
-                      <a:headEnd type="none" w="med" len="med"/>
-                      <a:tailEnd type="none" w="med" len="med"/>
-                    </a:lnT>
-                    <a:lnB w="12700" cap="flat" cmpd="sng" algn="ctr">
-                      <a:noFill/>
-                      <a:prstDash val="solid"/>
-                      <a:round/>
-                      <a:headEnd type="none" w="med" len="med"/>
-                      <a:tailEnd type="none" w="med" len="med"/>
-                    </a:lnB>
-                    <a:lnTlToBr w="12700" cmpd="sng">
-                      <a:noFill/>
-                      <a:prstDash val="solid"/>
-                    </a:lnTlToBr>
-                    <a:lnBlToTr w="12700" cmpd="sng">
-                      <a:noFill/>
-                      <a:prstDash val="solid"/>
-                    </a:lnBlToTr>
-                  </a:tcPr>
-                </a:tc>
-                <a:tc>
-                  <a:txBody>
-                    <a:bodyPr/>
-                    <a:lstStyle/>
-                    <a:p>
-                      <a:pPr algn="ctr"/>
-                      <a:r>
-                        <a:rPr lang="en-US" sz="1400" dirty="0" smtClean="0">
-                          <a:solidFill>
-                            <a:schemeClr val="tx1">
-                              <a:lumMod val="65000"/>
-                              <a:lumOff val="35000"/>
-                            </a:schemeClr>
-                          </a:solidFill>
-                        </a:rPr>
-                        <a:t>4</a:t>
-                      </a:r>
-                      <a:endParaRPr lang="en-US" sz="1400" dirty="0">
-                        <a:solidFill>
-                          <a:schemeClr val="tx1">
-                            <a:lumMod val="65000"/>
-                            <a:lumOff val="35000"/>
-                          </a:schemeClr>
-                        </a:solidFill>
-                      </a:endParaRPr>
-                    </a:p>
-                  </a:txBody>
-                  <a:tcPr marL="0" marR="0" marT="0" marB="0" anchor="ctr">
-                    <a:lnL w="12700" cap="flat" cmpd="sng" algn="ctr">
-                      <a:noFill/>
-                      <a:prstDash val="solid"/>
-                      <a:round/>
-                      <a:headEnd type="none" w="med" len="med"/>
-                      <a:tailEnd type="none" w="med" len="med"/>
-                    </a:lnL>
-                    <a:lnR w="12700" cap="flat" cmpd="sng" algn="ctr">
-                      <a:noFill/>
-                      <a:prstDash val="solid"/>
-                      <a:round/>
-                      <a:headEnd type="none" w="med" len="med"/>
-                      <a:tailEnd type="none" w="med" len="med"/>
-                    </a:lnR>
-                    <a:lnT w="12700" cap="flat" cmpd="sng" algn="ctr">
-                      <a:noFill/>
-                      <a:prstDash val="solid"/>
-                      <a:round/>
-                      <a:headEnd type="none" w="med" len="med"/>
-                      <a:tailEnd type="none" w="med" len="med"/>
-                    </a:lnT>
-                    <a:lnB w="12700" cap="flat" cmpd="sng" algn="ctr">
-                      <a:noFill/>
-                      <a:prstDash val="solid"/>
-                      <a:round/>
-                      <a:headEnd type="none" w="med" len="med"/>
-                      <a:tailEnd type="none" w="med" len="med"/>
-                    </a:lnB>
-                    <a:lnTlToBr w="12700" cmpd="sng">
-                      <a:noFill/>
-                      <a:prstDash val="solid"/>
-                    </a:lnTlToBr>
-                    <a:lnBlToTr w="12700" cmpd="sng">
-                      <a:noFill/>
-                      <a:prstDash val="solid"/>
-                    </a:lnBlToTr>
-                  </a:tcPr>
-                </a:tc>
-              </a:tr>
-              <a:tr h="365760">
-                <a:tc>
-                  <a:txBody>
-                    <a:bodyPr/>
-                    <a:lstStyle/>
-                    <a:p>
-                      <a:endParaRPr lang="en-US" dirty="0"/>
-                    </a:p>
-                  </a:txBody>
-                  <a:tcPr marL="0" marR="0" marT="0" marB="0">
-                    <a:lnL w="12700" cap="flat" cmpd="sng" algn="ctr">
-                      <a:noFill/>
-                      <a:prstDash val="solid"/>
-                      <a:round/>
-                      <a:headEnd type="none" w="med" len="med"/>
-                      <a:tailEnd type="none" w="med" len="med"/>
-                    </a:lnL>
-                    <a:lnR w="12700" cap="flat" cmpd="sng" algn="ctr">
-                      <a:noFill/>
-                      <a:prstDash val="solid"/>
-                      <a:round/>
-                      <a:headEnd type="none" w="med" len="med"/>
-                      <a:tailEnd type="none" w="med" len="med"/>
-                    </a:lnR>
-                    <a:lnT w="12700" cap="flat" cmpd="sng" algn="ctr">
-                      <a:noFill/>
-                      <a:prstDash val="solid"/>
-                      <a:round/>
-                      <a:headEnd type="none" w="med" len="med"/>
-                      <a:tailEnd type="none" w="med" len="med"/>
-                    </a:lnT>
-                    <a:lnB w="12700" cap="flat" cmpd="sng" algn="ctr">
-                      <a:noFill/>
-                      <a:prstDash val="solid"/>
-                      <a:round/>
-                      <a:headEnd type="none" w="med" len="med"/>
-                      <a:tailEnd type="none" w="med" len="med"/>
-                    </a:lnB>
-                    <a:lnTlToBr w="12700" cmpd="sng">
-                      <a:noFill/>
-                      <a:prstDash val="solid"/>
-                    </a:lnTlToBr>
-                    <a:lnBlToTr w="12700" cmpd="sng">
-                      <a:noFill/>
-                      <a:prstDash val="solid"/>
-                    </a:lnBlToTr>
-                  </a:tcPr>
-                </a:tc>
-                <a:tc>
-                  <a:txBody>
-                    <a:bodyPr/>
-                    <a:lstStyle/>
-                    <a:p>
-                      <a:pPr algn="ctr"/>
-                      <a:r>
-                        <a:rPr lang="en-US" sz="1400" dirty="0" smtClean="0">
-                          <a:solidFill>
-                            <a:schemeClr val="tx1">
-                              <a:lumMod val="65000"/>
-                              <a:lumOff val="35000"/>
-                            </a:schemeClr>
-                          </a:solidFill>
-                        </a:rPr>
-                        <a:t>2</a:t>
-                      </a:r>
-                      <a:endParaRPr lang="en-US" sz="1400" dirty="0">
-                        <a:solidFill>
-                          <a:schemeClr val="tx1">
-                            <a:lumMod val="65000"/>
-                            <a:lumOff val="35000"/>
-                          </a:schemeClr>
-                        </a:solidFill>
-                      </a:endParaRPr>
-                    </a:p>
-                  </a:txBody>
-                  <a:tcPr marL="0" marR="0" marT="0" marB="0" anchor="ctr">
-                    <a:lnL w="12700" cap="flat" cmpd="sng" algn="ctr">
-                      <a:noFill/>
-                      <a:prstDash val="solid"/>
-                      <a:round/>
-                      <a:headEnd type="none" w="med" len="med"/>
-                      <a:tailEnd type="none" w="med" len="med"/>
-                    </a:lnL>
-                    <a:lnR w="12700" cap="flat" cmpd="sng" algn="ctr">
-                      <a:noFill/>
-                      <a:prstDash val="solid"/>
-                      <a:round/>
-                      <a:headEnd type="none" w="med" len="med"/>
-                      <a:tailEnd type="none" w="med" len="med"/>
-                    </a:lnR>
-                    <a:lnT w="12700" cap="flat" cmpd="sng" algn="ctr">
-                      <a:noFill/>
-                      <a:prstDash val="solid"/>
-                      <a:round/>
-                      <a:headEnd type="none" w="med" len="med"/>
-                      <a:tailEnd type="none" w="med" len="med"/>
-                    </a:lnT>
-                    <a:lnB w="12700" cap="flat" cmpd="sng" algn="ctr">
-                      <a:noFill/>
-                      <a:prstDash val="solid"/>
-                      <a:round/>
-                      <a:headEnd type="none" w="med" len="med"/>
-                      <a:tailEnd type="none" w="med" len="med"/>
-                    </a:lnB>
-                    <a:lnTlToBr w="12700" cmpd="sng">
-                      <a:noFill/>
-                      <a:prstDash val="solid"/>
-                    </a:lnTlToBr>
-                    <a:lnBlToTr w="12700" cmpd="sng">
-                      <a:noFill/>
-                      <a:prstDash val="solid"/>
-                    </a:lnBlToTr>
-                  </a:tcPr>
-                </a:tc>
-                <a:tc>
-                  <a:txBody>
-                    <a:bodyPr/>
-                    <a:lstStyle/>
-                    <a:p>
-                      <a:pPr algn="ctr"/>
-                      <a:r>
-                        <a:rPr lang="en-US" sz="1400" dirty="0" smtClean="0">
-                          <a:solidFill>
-                            <a:schemeClr val="tx1">
-                              <a:lumMod val="65000"/>
-                              <a:lumOff val="35000"/>
-                            </a:schemeClr>
-                          </a:solidFill>
-                        </a:rPr>
-                        <a:t>1</a:t>
-                      </a:r>
-                      <a:endParaRPr lang="en-US" sz="1400" dirty="0">
-                        <a:solidFill>
-                          <a:schemeClr val="tx1">
-                            <a:lumMod val="65000"/>
-                            <a:lumOff val="35000"/>
-                          </a:schemeClr>
-                        </a:solidFill>
-                      </a:endParaRPr>
-                    </a:p>
-                  </a:txBody>
-                  <a:tcPr marL="0" marR="0" marT="0" marB="0" anchor="ctr">
-                    <a:lnL w="12700" cap="flat" cmpd="sng" algn="ctr">
-                      <a:noFill/>
-                      <a:prstDash val="solid"/>
-                      <a:round/>
-                      <a:headEnd type="none" w="med" len="med"/>
-                      <a:tailEnd type="none" w="med" len="med"/>
-                    </a:lnL>
-                    <a:lnR w="12700" cap="flat" cmpd="sng" algn="ctr">
-                      <a:noFill/>
-                      <a:prstDash val="solid"/>
-                      <a:round/>
-                      <a:headEnd type="none" w="med" len="med"/>
-                      <a:tailEnd type="none" w="med" len="med"/>
-                    </a:lnR>
-                    <a:lnT w="12700" cap="flat" cmpd="sng" algn="ctr">
-                      <a:noFill/>
-                      <a:prstDash val="solid"/>
-                      <a:round/>
-                      <a:headEnd type="none" w="med" len="med"/>
-                      <a:tailEnd type="none" w="med" len="med"/>
-                    </a:lnT>
-                    <a:lnB w="12700" cap="flat" cmpd="sng" algn="ctr">
-                      <a:noFill/>
-                      <a:prstDash val="solid"/>
-                      <a:round/>
-                      <a:headEnd type="none" w="med" len="med"/>
-                      <a:tailEnd type="none" w="med" len="med"/>
-                    </a:lnB>
-                    <a:lnTlToBr w="12700" cmpd="sng">
-                      <a:noFill/>
-                      <a:prstDash val="solid"/>
-                    </a:lnTlToBr>
-                    <a:lnBlToTr w="12700" cmpd="sng">
-                      <a:noFill/>
-                      <a:prstDash val="solid"/>
-                    </a:lnBlToTr>
-                  </a:tcPr>
-                </a:tc>
-              </a:tr>
-              <a:tr h="365760">
-                <a:tc>
-                  <a:txBody>
-                    <a:bodyPr/>
-                    <a:lstStyle/>
-                    <a:p>
-                      <a:endParaRPr lang="en-US" dirty="0"/>
-                    </a:p>
-                  </a:txBody>
-                  <a:tcPr marL="0" marR="0" marT="0" marB="0">
-                    <a:lnL w="12700" cap="flat" cmpd="sng" algn="ctr">
-                      <a:noFill/>
-                      <a:prstDash val="solid"/>
-                      <a:round/>
-                      <a:headEnd type="none" w="med" len="med"/>
-                      <a:tailEnd type="none" w="med" len="med"/>
-                    </a:lnL>
-                    <a:lnR w="12700" cap="flat" cmpd="sng" algn="ctr">
-                      <a:noFill/>
-                      <a:prstDash val="solid"/>
-                      <a:round/>
-                      <a:headEnd type="none" w="med" len="med"/>
-                      <a:tailEnd type="none" w="med" len="med"/>
-                    </a:lnR>
-                    <a:lnT w="12700" cap="flat" cmpd="sng" algn="ctr">
-                      <a:noFill/>
-                      <a:prstDash val="solid"/>
-                      <a:round/>
-                      <a:headEnd type="none" w="med" len="med"/>
-                      <a:tailEnd type="none" w="med" len="med"/>
-                    </a:lnT>
-                    <a:lnB w="12700" cap="flat" cmpd="sng" algn="ctr">
-                      <a:noFill/>
-                      <a:prstDash val="solid"/>
-                      <a:round/>
-                      <a:headEnd type="none" w="med" len="med"/>
-                      <a:tailEnd type="none" w="med" len="med"/>
-                    </a:lnB>
-                    <a:lnTlToBr w="12700" cmpd="sng">
-                      <a:noFill/>
-                      <a:prstDash val="solid"/>
-                    </a:lnTlToBr>
-                    <a:lnBlToTr w="12700" cmpd="sng">
-                      <a:noFill/>
-                      <a:prstDash val="solid"/>
-                    </a:lnBlToTr>
-                  </a:tcPr>
-                </a:tc>
-                <a:tc>
-                  <a:txBody>
-                    <a:bodyPr/>
-                    <a:lstStyle/>
-                    <a:p>
-                      <a:pPr algn="ctr"/>
-                      <a:r>
-                        <a:rPr lang="en-US" sz="1400" dirty="0" smtClean="0">
-                          <a:solidFill>
-                            <a:schemeClr val="tx1">
-                              <a:lumMod val="65000"/>
-                              <a:lumOff val="35000"/>
-                            </a:schemeClr>
-                          </a:solidFill>
-                        </a:rPr>
-                        <a:t>3</a:t>
-                      </a:r>
-                      <a:endParaRPr lang="en-US" sz="1400" dirty="0">
-                        <a:solidFill>
-                          <a:schemeClr val="tx1">
-                            <a:lumMod val="65000"/>
-                            <a:lumOff val="35000"/>
-                          </a:schemeClr>
-                        </a:solidFill>
-                      </a:endParaRPr>
-                    </a:p>
-                  </a:txBody>
-                  <a:tcPr marL="0" marR="0" marT="0" marB="0" anchor="ctr">
-                    <a:lnL w="12700" cap="flat" cmpd="sng" algn="ctr">
-                      <a:noFill/>
-                      <a:prstDash val="solid"/>
-                      <a:round/>
-                      <a:headEnd type="none" w="med" len="med"/>
-                      <a:tailEnd type="none" w="med" len="med"/>
-                    </a:lnL>
-                    <a:lnR w="12700" cap="flat" cmpd="sng" algn="ctr">
-                      <a:noFill/>
-                      <a:prstDash val="solid"/>
-                      <a:round/>
-                      <a:headEnd type="none" w="med" len="med"/>
-                      <a:tailEnd type="none" w="med" len="med"/>
-                    </a:lnR>
-                    <a:lnT w="12700" cap="flat" cmpd="sng" algn="ctr">
-                      <a:noFill/>
-                      <a:prstDash val="solid"/>
-                      <a:round/>
-                      <a:headEnd type="none" w="med" len="med"/>
-                      <a:tailEnd type="none" w="med" len="med"/>
-                    </a:lnT>
-                    <a:lnB w="12700" cap="flat" cmpd="sng" algn="ctr">
-                      <a:noFill/>
-                      <a:prstDash val="solid"/>
-                      <a:round/>
-                      <a:headEnd type="none" w="med" len="med"/>
-                      <a:tailEnd type="none" w="med" len="med"/>
-                    </a:lnB>
-                    <a:lnTlToBr w="12700" cmpd="sng">
-                      <a:noFill/>
-                      <a:prstDash val="solid"/>
-                    </a:lnTlToBr>
-                    <a:lnBlToTr w="12700" cmpd="sng">
-                      <a:noFill/>
-                      <a:prstDash val="solid"/>
-                    </a:lnBlToTr>
-                  </a:tcPr>
-                </a:tc>
-                <a:tc>
-                  <a:txBody>
-                    <a:bodyPr/>
-                    <a:lstStyle/>
-                    <a:p>
-                      <a:pPr algn="ctr"/>
-                      <a:r>
-                        <a:rPr lang="en-US" sz="1400" dirty="0" smtClean="0">
-                          <a:solidFill>
-                            <a:schemeClr val="tx1">
-                              <a:lumMod val="65000"/>
-                              <a:lumOff val="35000"/>
-                            </a:schemeClr>
-                          </a:solidFill>
-                        </a:rPr>
-                        <a:t>3</a:t>
-                      </a:r>
-                      <a:endParaRPr lang="en-US" sz="1400" dirty="0">
-                        <a:solidFill>
-                          <a:schemeClr val="tx1">
-                            <a:lumMod val="65000"/>
-                            <a:lumOff val="35000"/>
-                          </a:schemeClr>
-                        </a:solidFill>
-                      </a:endParaRPr>
-                    </a:p>
-                  </a:txBody>
-                  <a:tcPr marL="0" marR="0" marT="0" marB="0" anchor="ctr">
-                    <a:lnL w="12700" cap="flat" cmpd="sng" algn="ctr">
-                      <a:noFill/>
-                      <a:prstDash val="solid"/>
-                      <a:round/>
-                      <a:headEnd type="none" w="med" len="med"/>
-                      <a:tailEnd type="none" w="med" len="med"/>
-                    </a:lnL>
-                    <a:lnR w="12700" cap="flat" cmpd="sng" algn="ctr">
-                      <a:noFill/>
-                      <a:prstDash val="solid"/>
-                      <a:round/>
-                      <a:headEnd type="none" w="med" len="med"/>
-                      <a:tailEnd type="none" w="med" len="med"/>
-                    </a:lnR>
-                    <a:lnT w="12700" cap="flat" cmpd="sng" algn="ctr">
-                      <a:noFill/>
-                      <a:prstDash val="solid"/>
-                      <a:round/>
-                      <a:headEnd type="none" w="med" len="med"/>
-                      <a:tailEnd type="none" w="med" len="med"/>
-                    </a:lnT>
-                    <a:lnB w="12700" cap="flat" cmpd="sng" algn="ctr">
-                      <a:noFill/>
-                      <a:prstDash val="solid"/>
-                      <a:round/>
-                      <a:headEnd type="none" w="med" len="med"/>
-                      <a:tailEnd type="none" w="med" len="med"/>
-                    </a:lnB>
-                    <a:lnTlToBr w="12700" cmpd="sng">
-                      <a:noFill/>
-                      <a:prstDash val="solid"/>
-                    </a:lnTlToBr>
-                    <a:lnBlToTr w="12700" cmpd="sng">
-                      <a:noFill/>
-                      <a:prstDash val="solid"/>
-                    </a:lnBlToTr>
-                  </a:tcPr>
-                </a:tc>
-              </a:tr>
-              <a:tr h="365760">
-                <a:tc>
-                  <a:txBody>
-                    <a:bodyPr/>
-                    <a:lstStyle/>
-                    <a:p>
-                      <a:endParaRPr lang="en-US"/>
-                    </a:p>
-                  </a:txBody>
-                  <a:tcPr marL="0" marR="0" marT="0" marB="0">
-                    <a:lnL w="12700" cap="flat" cmpd="sng" algn="ctr">
-                      <a:noFill/>
-                      <a:prstDash val="solid"/>
-                      <a:round/>
-                      <a:headEnd type="none" w="med" len="med"/>
-                      <a:tailEnd type="none" w="med" len="med"/>
-                    </a:lnL>
-                    <a:lnR w="12700" cap="flat" cmpd="sng" algn="ctr">
-                      <a:noFill/>
-                      <a:prstDash val="solid"/>
-                      <a:round/>
-                      <a:headEnd type="none" w="med" len="med"/>
-                      <a:tailEnd type="none" w="med" len="med"/>
-                    </a:lnR>
-                    <a:lnT w="12700" cap="flat" cmpd="sng" algn="ctr">
-                      <a:noFill/>
-                      <a:prstDash val="solid"/>
-                      <a:round/>
-                      <a:headEnd type="none" w="med" len="med"/>
-                      <a:tailEnd type="none" w="med" len="med"/>
-                    </a:lnT>
-                    <a:lnB w="12700" cap="flat" cmpd="sng" algn="ctr">
-                      <a:noFill/>
-                      <a:prstDash val="solid"/>
-                      <a:round/>
-                      <a:headEnd type="none" w="med" len="med"/>
-                      <a:tailEnd type="none" w="med" len="med"/>
-                    </a:lnB>
-                    <a:lnTlToBr w="12700" cmpd="sng">
-                      <a:noFill/>
-                      <a:prstDash val="solid"/>
-                    </a:lnTlToBr>
-                    <a:lnBlToTr w="12700" cmpd="sng">
-                      <a:noFill/>
-                      <a:prstDash val="solid"/>
-                    </a:lnBlToTr>
-                  </a:tcPr>
-                </a:tc>
-                <a:tc>
-                  <a:txBody>
-                    <a:bodyPr/>
-                    <a:lstStyle/>
-                    <a:p>
-                      <a:pPr algn="ctr"/>
-                      <a:r>
-                        <a:rPr lang="en-US" sz="1400" dirty="0" smtClean="0">
-                          <a:solidFill>
-                            <a:schemeClr val="tx1">
-                              <a:lumMod val="65000"/>
-                              <a:lumOff val="35000"/>
-                            </a:schemeClr>
-                          </a:solidFill>
-                        </a:rPr>
-                        <a:t>4</a:t>
-                      </a:r>
-                      <a:endParaRPr lang="en-US" sz="1400" dirty="0">
-                        <a:solidFill>
-                          <a:schemeClr val="tx1">
-                            <a:lumMod val="65000"/>
-                            <a:lumOff val="35000"/>
-                          </a:schemeClr>
-                        </a:solidFill>
-                      </a:endParaRPr>
-                    </a:p>
-                  </a:txBody>
-                  <a:tcPr marL="0" marR="0" marT="0" marB="0" anchor="ctr">
-                    <a:lnL w="12700" cap="flat" cmpd="sng" algn="ctr">
-                      <a:noFill/>
-                      <a:prstDash val="solid"/>
-                      <a:round/>
-                      <a:headEnd type="none" w="med" len="med"/>
-                      <a:tailEnd type="none" w="med" len="med"/>
-                    </a:lnL>
-                    <a:lnR w="12700" cap="flat" cmpd="sng" algn="ctr">
-                      <a:noFill/>
-                      <a:prstDash val="solid"/>
-                      <a:round/>
-                      <a:headEnd type="none" w="med" len="med"/>
-                      <a:tailEnd type="none" w="med" len="med"/>
-                    </a:lnR>
-                    <a:lnT w="12700" cap="flat" cmpd="sng" algn="ctr">
-                      <a:noFill/>
-                      <a:prstDash val="solid"/>
-                      <a:round/>
-                      <a:headEnd type="none" w="med" len="med"/>
-                      <a:tailEnd type="none" w="med" len="med"/>
-                    </a:lnT>
-                    <a:lnB w="12700" cap="flat" cmpd="sng" algn="ctr">
-                      <a:noFill/>
-                      <a:prstDash val="solid"/>
-                      <a:round/>
-                      <a:headEnd type="none" w="med" len="med"/>
-                      <a:tailEnd type="none" w="med" len="med"/>
-                    </a:lnB>
-                    <a:lnTlToBr w="12700" cmpd="sng">
-                      <a:noFill/>
-                      <a:prstDash val="solid"/>
-                    </a:lnTlToBr>
-                    <a:lnBlToTr w="12700" cmpd="sng">
-                      <a:noFill/>
-                      <a:prstDash val="solid"/>
-                    </a:lnBlToTr>
-                  </a:tcPr>
-                </a:tc>
-                <a:tc>
-                  <a:txBody>
-                    <a:bodyPr/>
-                    <a:lstStyle/>
-                    <a:p>
-                      <a:pPr algn="ctr"/>
-                      <a:r>
-                        <a:rPr lang="en-US" sz="1400" dirty="0" smtClean="0">
-                          <a:solidFill>
-                            <a:schemeClr val="tx1">
-                              <a:lumMod val="65000"/>
-                              <a:lumOff val="35000"/>
-                            </a:schemeClr>
-                          </a:solidFill>
-                        </a:rPr>
-                        <a:t>5</a:t>
-                      </a:r>
-                      <a:endParaRPr lang="en-US" sz="1400" dirty="0">
-                        <a:solidFill>
-                          <a:schemeClr val="tx1">
-                            <a:lumMod val="65000"/>
-                            <a:lumOff val="35000"/>
-                          </a:schemeClr>
-                        </a:solidFill>
-                      </a:endParaRPr>
-                    </a:p>
-                  </a:txBody>
-                  <a:tcPr marL="0" marR="0" marT="0" marB="0" anchor="ctr">
-                    <a:lnL w="12700" cap="flat" cmpd="sng" algn="ctr">
-                      <a:noFill/>
-                      <a:prstDash val="solid"/>
-                      <a:round/>
-                      <a:headEnd type="none" w="med" len="med"/>
-                      <a:tailEnd type="none" w="med" len="med"/>
-                    </a:lnL>
-                    <a:lnR w="12700" cap="flat" cmpd="sng" algn="ctr">
-                      <a:noFill/>
-                      <a:prstDash val="solid"/>
-                      <a:round/>
-                      <a:headEnd type="none" w="med" len="med"/>
-                      <a:tailEnd type="none" w="med" len="med"/>
-                    </a:lnR>
-                    <a:lnT w="12700" cap="flat" cmpd="sng" algn="ctr">
-                      <a:noFill/>
-                      <a:prstDash val="solid"/>
-                      <a:round/>
-                      <a:headEnd type="none" w="med" len="med"/>
-                      <a:tailEnd type="none" w="med" len="med"/>
-                    </a:lnT>
-                    <a:lnB w="12700" cap="flat" cmpd="sng" algn="ctr">
-                      <a:noFill/>
-                      <a:prstDash val="solid"/>
-                      <a:round/>
-                      <a:headEnd type="none" w="med" len="med"/>
-                      <a:tailEnd type="none" w="med" len="med"/>
-                    </a:lnB>
-                    <a:lnTlToBr w="12700" cmpd="sng">
-                      <a:noFill/>
-                      <a:prstDash val="solid"/>
-                    </a:lnTlToBr>
-                    <a:lnBlToTr w="12700" cmpd="sng">
-                      <a:noFill/>
-                      <a:prstDash val="solid"/>
-                    </a:lnBlToTr>
-                  </a:tcPr>
-                </a:tc>
-              </a:tr>
-              <a:tr h="365760">
-                <a:tc>
-                  <a:txBody>
-                    <a:bodyPr/>
-                    <a:lstStyle/>
-                    <a:p>
-                      <a:endParaRPr lang="en-US"/>
-                    </a:p>
-                  </a:txBody>
-                  <a:tcPr marL="0" marR="0" marT="0" marB="0">
-                    <a:lnL w="12700" cap="flat" cmpd="sng" algn="ctr">
-                      <a:noFill/>
-                      <a:prstDash val="solid"/>
-                      <a:round/>
-                      <a:headEnd type="none" w="med" len="med"/>
-                      <a:tailEnd type="none" w="med" len="med"/>
-                    </a:lnL>
-                    <a:lnR w="12700" cap="flat" cmpd="sng" algn="ctr">
-                      <a:noFill/>
-                      <a:prstDash val="solid"/>
-                      <a:round/>
-                      <a:headEnd type="none" w="med" len="med"/>
-                      <a:tailEnd type="none" w="med" len="med"/>
-                    </a:lnR>
-                    <a:lnT w="12700" cap="flat" cmpd="sng" algn="ctr">
-                      <a:noFill/>
-                      <a:prstDash val="solid"/>
-                      <a:round/>
-                      <a:headEnd type="none" w="med" len="med"/>
-                      <a:tailEnd type="none" w="med" len="med"/>
-                    </a:lnT>
-                    <a:lnB w="12700" cap="flat" cmpd="sng" algn="ctr">
-                      <a:noFill/>
-                      <a:prstDash val="solid"/>
-                      <a:round/>
-                      <a:headEnd type="none" w="med" len="med"/>
-                      <a:tailEnd type="none" w="med" len="med"/>
-                    </a:lnB>
-                    <a:lnTlToBr w="12700" cmpd="sng">
-                      <a:noFill/>
-                      <a:prstDash val="solid"/>
-                    </a:lnTlToBr>
-                    <a:lnBlToTr w="12700" cmpd="sng">
-                      <a:noFill/>
-                      <a:prstDash val="solid"/>
-                    </a:lnBlToTr>
-                  </a:tcPr>
-                </a:tc>
-                <a:tc>
-                  <a:txBody>
-                    <a:bodyPr/>
-                    <a:lstStyle/>
-                    <a:p>
-                      <a:pPr algn="ctr"/>
-                      <a:r>
-                        <a:rPr lang="en-US" sz="1400" dirty="0" smtClean="0">
-                          <a:solidFill>
-                            <a:schemeClr val="tx1">
-                              <a:lumMod val="65000"/>
-                              <a:lumOff val="35000"/>
-                            </a:schemeClr>
-                          </a:solidFill>
-                        </a:rPr>
-                        <a:t>5</a:t>
-                      </a:r>
-                      <a:endParaRPr lang="en-US" sz="1400" dirty="0">
-                        <a:solidFill>
-                          <a:schemeClr val="tx1">
-                            <a:lumMod val="65000"/>
-                            <a:lumOff val="35000"/>
-                          </a:schemeClr>
-                        </a:solidFill>
-                      </a:endParaRPr>
-                    </a:p>
-                  </a:txBody>
-                  <a:tcPr marL="0" marR="0" marT="0" marB="0" anchor="ctr">
-                    <a:lnL w="12700" cap="flat" cmpd="sng" algn="ctr">
-                      <a:noFill/>
-                      <a:prstDash val="solid"/>
-                      <a:round/>
-                      <a:headEnd type="none" w="med" len="med"/>
-                      <a:tailEnd type="none" w="med" len="med"/>
-                    </a:lnL>
-                    <a:lnR w="12700" cap="flat" cmpd="sng" algn="ctr">
-                      <a:noFill/>
-                      <a:prstDash val="solid"/>
-                      <a:round/>
-                      <a:headEnd type="none" w="med" len="med"/>
-                      <a:tailEnd type="none" w="med" len="med"/>
-                    </a:lnR>
-                    <a:lnT w="12700" cap="flat" cmpd="sng" algn="ctr">
-                      <a:noFill/>
-                      <a:prstDash val="solid"/>
-                      <a:round/>
-                      <a:headEnd type="none" w="med" len="med"/>
-                      <a:tailEnd type="none" w="med" len="med"/>
-                    </a:lnT>
-                    <a:lnB w="12700" cap="flat" cmpd="sng" algn="ctr">
-                      <a:noFill/>
-                      <a:prstDash val="solid"/>
-                      <a:round/>
-                      <a:headEnd type="none" w="med" len="med"/>
-                      <a:tailEnd type="none" w="med" len="med"/>
-                    </a:lnB>
-                    <a:lnTlToBr w="12700" cmpd="sng">
-                      <a:noFill/>
-                      <a:prstDash val="solid"/>
-                    </a:lnTlToBr>
-                    <a:lnBlToTr w="12700" cmpd="sng">
-                      <a:noFill/>
-                      <a:prstDash val="solid"/>
-                    </a:lnBlToTr>
-                  </a:tcPr>
-                </a:tc>
-                <a:tc>
-                  <a:txBody>
-                    <a:bodyPr/>
-                    <a:lstStyle/>
-                    <a:p>
-                      <a:pPr algn="ctr"/>
-                      <a:r>
-                        <a:rPr lang="en-US" sz="1400" dirty="0" smtClean="0">
-                          <a:solidFill>
-                            <a:schemeClr val="tx1">
-                              <a:lumMod val="65000"/>
-                              <a:lumOff val="35000"/>
-                            </a:schemeClr>
-                          </a:solidFill>
-                        </a:rPr>
-                        <a:t>10</a:t>
-                      </a:r>
-                      <a:endParaRPr lang="en-US" sz="1400" dirty="0">
-                        <a:solidFill>
-                          <a:schemeClr val="tx1">
-                            <a:lumMod val="65000"/>
-                            <a:lumOff val="35000"/>
-                          </a:schemeClr>
-                        </a:solidFill>
-                      </a:endParaRPr>
-                    </a:p>
-                  </a:txBody>
-                  <a:tcPr marL="0" marR="0" marT="0" marB="0" anchor="ctr">
-                    <a:lnL w="12700" cap="flat" cmpd="sng" algn="ctr">
-                      <a:noFill/>
-                      <a:prstDash val="solid"/>
-                      <a:round/>
-                      <a:headEnd type="none" w="med" len="med"/>
-                      <a:tailEnd type="none" w="med" len="med"/>
-                    </a:lnL>
-                    <a:lnR w="12700" cap="flat" cmpd="sng" algn="ctr">
-                      <a:noFill/>
-                      <a:prstDash val="solid"/>
-                      <a:round/>
-                      <a:headEnd type="none" w="med" len="med"/>
-                      <a:tailEnd type="none" w="med" len="med"/>
-                    </a:lnR>
-                    <a:lnT w="12700" cap="flat" cmpd="sng" algn="ctr">
-                      <a:noFill/>
-                      <a:prstDash val="solid"/>
-                      <a:round/>
-                      <a:headEnd type="none" w="med" len="med"/>
-                      <a:tailEnd type="none" w="med" len="med"/>
-                    </a:lnT>
-                    <a:lnB w="12700" cap="flat" cmpd="sng" algn="ctr">
-                      <a:noFill/>
-                      <a:prstDash val="solid"/>
-                      <a:round/>
-                      <a:headEnd type="none" w="med" len="med"/>
-                      <a:tailEnd type="none" w="med" len="med"/>
-                    </a:lnB>
-                    <a:lnTlToBr w="12700" cmpd="sng">
-                      <a:noFill/>
-                      <a:prstDash val="solid"/>
-                    </a:lnTlToBr>
-                    <a:lnBlToTr w="12700" cmpd="sng">
-                      <a:noFill/>
-                      <a:prstDash val="solid"/>
-                    </a:lnBlToTr>
-                  </a:tcPr>
-                </a:tc>
-              </a:tr>
-              <a:tr h="365760">
-                <a:tc>
-                  <a:txBody>
-                    <a:bodyPr/>
-                    <a:lstStyle/>
-                    <a:p>
-                      <a:endParaRPr lang="en-US"/>
-                    </a:p>
-                  </a:txBody>
-                  <a:tcPr marL="0" marR="0" marT="0" marB="0">
-                    <a:lnL w="12700" cap="flat" cmpd="sng" algn="ctr">
-                      <a:noFill/>
-                      <a:prstDash val="solid"/>
-                      <a:round/>
-                      <a:headEnd type="none" w="med" len="med"/>
-                      <a:tailEnd type="none" w="med" len="med"/>
-                    </a:lnL>
-                    <a:lnR w="12700" cap="flat" cmpd="sng" algn="ctr">
-                      <a:noFill/>
-                      <a:prstDash val="solid"/>
-                      <a:round/>
-                      <a:headEnd type="none" w="med" len="med"/>
-                      <a:tailEnd type="none" w="med" len="med"/>
-                    </a:lnR>
-                    <a:lnT w="12700" cap="flat" cmpd="sng" algn="ctr">
-                      <a:noFill/>
-                      <a:prstDash val="solid"/>
-                      <a:round/>
-                      <a:headEnd type="none" w="med" len="med"/>
-                      <a:tailEnd type="none" w="med" len="med"/>
-                    </a:lnT>
-                    <a:lnB w="12700" cap="flat" cmpd="sng" algn="ctr">
-                      <a:noFill/>
-                      <a:prstDash val="solid"/>
-                      <a:round/>
-                      <a:headEnd type="none" w="med" len="med"/>
-                      <a:tailEnd type="none" w="med" len="med"/>
-                    </a:lnB>
-                    <a:lnTlToBr w="12700" cmpd="sng">
-                      <a:noFill/>
-                      <a:prstDash val="solid"/>
-                    </a:lnTlToBr>
-                    <a:lnBlToTr w="12700" cmpd="sng">
-                      <a:noFill/>
-                      <a:prstDash val="solid"/>
-                    </a:lnBlToTr>
-                  </a:tcPr>
-                </a:tc>
-                <a:tc>
-                  <a:txBody>
-                    <a:bodyPr/>
-                    <a:lstStyle/>
-                    <a:p>
-                      <a:pPr algn="ctr"/>
-                      <a:r>
-                        <a:rPr lang="en-US" sz="1400" dirty="0" smtClean="0">
-                          <a:solidFill>
-                            <a:schemeClr val="tx1">
-                              <a:lumMod val="65000"/>
-                              <a:lumOff val="35000"/>
-                            </a:schemeClr>
-                          </a:solidFill>
-                        </a:rPr>
-                        <a:t>6</a:t>
-                      </a:r>
-                      <a:endParaRPr lang="en-US" sz="1400" dirty="0">
-                        <a:solidFill>
-                          <a:schemeClr val="tx1">
-                            <a:lumMod val="65000"/>
-                            <a:lumOff val="35000"/>
-                          </a:schemeClr>
-                        </a:solidFill>
-                      </a:endParaRPr>
-                    </a:p>
-                  </a:txBody>
-                  <a:tcPr marL="0" marR="0" marT="0" marB="0" anchor="ctr">
-                    <a:lnL w="12700" cap="flat" cmpd="sng" algn="ctr">
-                      <a:noFill/>
-                      <a:prstDash val="solid"/>
-                      <a:round/>
-                      <a:headEnd type="none" w="med" len="med"/>
-                      <a:tailEnd type="none" w="med" len="med"/>
-                    </a:lnL>
-                    <a:lnR w="12700" cap="flat" cmpd="sng" algn="ctr">
-                      <a:noFill/>
-                      <a:prstDash val="solid"/>
-                      <a:round/>
-                      <a:headEnd type="none" w="med" len="med"/>
-                      <a:tailEnd type="none" w="med" len="med"/>
-                    </a:lnR>
-                    <a:lnT w="12700" cap="flat" cmpd="sng" algn="ctr">
-                      <a:noFill/>
-                      <a:prstDash val="solid"/>
-                      <a:round/>
-                      <a:headEnd type="none" w="med" len="med"/>
-                      <a:tailEnd type="none" w="med" len="med"/>
-                    </a:lnT>
-                    <a:lnB w="12700" cap="flat" cmpd="sng" algn="ctr">
-                      <a:noFill/>
-                      <a:prstDash val="solid"/>
-                      <a:round/>
-                      <a:headEnd type="none" w="med" len="med"/>
-                      <a:tailEnd type="none" w="med" len="med"/>
-                    </a:lnB>
-                    <a:lnTlToBr w="12700" cmpd="sng">
-                      <a:noFill/>
-                      <a:prstDash val="solid"/>
-                    </a:lnTlToBr>
-                    <a:lnBlToTr w="12700" cmpd="sng">
-                      <a:noFill/>
-                      <a:prstDash val="solid"/>
-                    </a:lnBlToTr>
-                  </a:tcPr>
-                </a:tc>
-                <a:tc>
-                  <a:txBody>
-                    <a:bodyPr/>
-                    <a:lstStyle/>
-                    <a:p>
-                      <a:pPr algn="ctr"/>
-                      <a:r>
-                        <a:rPr lang="en-US" sz="1400" dirty="0" smtClean="0">
-                          <a:solidFill>
-                            <a:schemeClr val="tx1">
-                              <a:lumMod val="65000"/>
-                              <a:lumOff val="35000"/>
-                            </a:schemeClr>
-                          </a:solidFill>
-                        </a:rPr>
-                        <a:t>9</a:t>
-                      </a:r>
-                      <a:endParaRPr lang="en-US" sz="1400" dirty="0">
-                        <a:solidFill>
-                          <a:schemeClr val="tx1">
-                            <a:lumMod val="65000"/>
-                            <a:lumOff val="35000"/>
-                          </a:schemeClr>
-                        </a:solidFill>
-                      </a:endParaRPr>
-                    </a:p>
-                  </a:txBody>
-                  <a:tcPr marL="0" marR="0" marT="0" marB="0" anchor="ctr">
-                    <a:lnL w="12700" cap="flat" cmpd="sng" algn="ctr">
-                      <a:noFill/>
-                      <a:prstDash val="solid"/>
-                      <a:round/>
-                      <a:headEnd type="none" w="med" len="med"/>
-                      <a:tailEnd type="none" w="med" len="med"/>
-                    </a:lnL>
-                    <a:lnR w="12700" cap="flat" cmpd="sng" algn="ctr">
-                      <a:noFill/>
-                      <a:prstDash val="solid"/>
-                      <a:round/>
-                      <a:headEnd type="none" w="med" len="med"/>
-                      <a:tailEnd type="none" w="med" len="med"/>
-                    </a:lnR>
-                    <a:lnT w="12700" cap="flat" cmpd="sng" algn="ctr">
-                      <a:noFill/>
-                      <a:prstDash val="solid"/>
-                      <a:round/>
-                      <a:headEnd type="none" w="med" len="med"/>
-                      <a:tailEnd type="none" w="med" len="med"/>
-                    </a:lnT>
-                    <a:lnB w="12700" cap="flat" cmpd="sng" algn="ctr">
-                      <a:noFill/>
-                      <a:prstDash val="solid"/>
-                      <a:round/>
-                      <a:headEnd type="none" w="med" len="med"/>
-                      <a:tailEnd type="none" w="med" len="med"/>
-                    </a:lnB>
-                    <a:lnTlToBr w="12700" cmpd="sng">
-                      <a:noFill/>
-                      <a:prstDash val="solid"/>
-                    </a:lnTlToBr>
-                    <a:lnBlToTr w="12700" cmpd="sng">
-                      <a:noFill/>
-                      <a:prstDash val="solid"/>
-                    </a:lnBlToTr>
-                  </a:tcPr>
-                </a:tc>
-              </a:tr>
-              <a:tr h="365760">
-                <a:tc>
-                  <a:txBody>
-                    <a:bodyPr/>
-                    <a:lstStyle/>
-                    <a:p>
-                      <a:endParaRPr lang="en-US"/>
-                    </a:p>
-                  </a:txBody>
-                  <a:tcPr marL="0" marR="0" marT="0" marB="0">
-                    <a:lnL w="12700" cap="flat" cmpd="sng" algn="ctr">
-                      <a:noFill/>
-                      <a:prstDash val="solid"/>
-                      <a:round/>
-                      <a:headEnd type="none" w="med" len="med"/>
-                      <a:tailEnd type="none" w="med" len="med"/>
-                    </a:lnL>
-                    <a:lnR w="12700" cap="flat" cmpd="sng" algn="ctr">
-                      <a:noFill/>
-                      <a:prstDash val="solid"/>
-                      <a:round/>
-                      <a:headEnd type="none" w="med" len="med"/>
-                      <a:tailEnd type="none" w="med" len="med"/>
-                    </a:lnR>
-                    <a:lnT w="12700" cap="flat" cmpd="sng" algn="ctr">
-                      <a:noFill/>
-                      <a:prstDash val="solid"/>
-                      <a:round/>
-                      <a:headEnd type="none" w="med" len="med"/>
-                      <a:tailEnd type="none" w="med" len="med"/>
-                    </a:lnT>
-                    <a:lnB w="12700" cap="flat" cmpd="sng" algn="ctr">
-                      <a:noFill/>
-                      <a:prstDash val="solid"/>
-                      <a:round/>
-                      <a:headEnd type="none" w="med" len="med"/>
-                      <a:tailEnd type="none" w="med" len="med"/>
-                    </a:lnB>
-                    <a:lnTlToBr w="12700" cmpd="sng">
-                      <a:noFill/>
-                      <a:prstDash val="solid"/>
-                    </a:lnTlToBr>
-                    <a:lnBlToTr w="12700" cmpd="sng">
-                      <a:noFill/>
-                      <a:prstDash val="solid"/>
-                    </a:lnBlToTr>
-                  </a:tcPr>
-                </a:tc>
-                <a:tc>
-                  <a:txBody>
-                    <a:bodyPr/>
-                    <a:lstStyle/>
-                    <a:p>
-                      <a:pPr algn="ctr"/>
-                      <a:r>
-                        <a:rPr lang="en-US" sz="1400" dirty="0" smtClean="0">
-                          <a:solidFill>
-                            <a:schemeClr val="tx1">
-                              <a:lumMod val="65000"/>
-                              <a:lumOff val="35000"/>
-                            </a:schemeClr>
-                          </a:solidFill>
-                        </a:rPr>
-                        <a:t>7</a:t>
-                      </a:r>
-                      <a:endParaRPr lang="en-US" sz="1400" dirty="0">
-                        <a:solidFill>
-                          <a:schemeClr val="tx1">
-                            <a:lumMod val="65000"/>
-                            <a:lumOff val="35000"/>
-                          </a:schemeClr>
-                        </a:solidFill>
-                      </a:endParaRPr>
-                    </a:p>
-                  </a:txBody>
-                  <a:tcPr marL="0" marR="0" marT="0" marB="0" anchor="ctr">
-                    <a:lnL w="12700" cap="flat" cmpd="sng" algn="ctr">
-                      <a:noFill/>
-                      <a:prstDash val="solid"/>
-                      <a:round/>
-                      <a:headEnd type="none" w="med" len="med"/>
-                      <a:tailEnd type="none" w="med" len="med"/>
-                    </a:lnL>
-                    <a:lnR w="12700" cap="flat" cmpd="sng" algn="ctr">
-                      <a:noFill/>
-                      <a:prstDash val="solid"/>
-                      <a:round/>
-                      <a:headEnd type="none" w="med" len="med"/>
-                      <a:tailEnd type="none" w="med" len="med"/>
-                    </a:lnR>
-                    <a:lnT w="12700" cap="flat" cmpd="sng" algn="ctr">
-                      <a:noFill/>
-                      <a:prstDash val="solid"/>
-                      <a:round/>
-                      <a:headEnd type="none" w="med" len="med"/>
-                      <a:tailEnd type="none" w="med" len="med"/>
-                    </a:lnT>
-                    <a:lnB w="12700" cap="flat" cmpd="sng" algn="ctr">
-                      <a:noFill/>
-                      <a:prstDash val="solid"/>
-                      <a:round/>
-                      <a:headEnd type="none" w="med" len="med"/>
-                      <a:tailEnd type="none" w="med" len="med"/>
-                    </a:lnB>
-                    <a:lnTlToBr w="12700" cmpd="sng">
-                      <a:noFill/>
-                      <a:prstDash val="solid"/>
-                    </a:lnTlToBr>
-                    <a:lnBlToTr w="12700" cmpd="sng">
-                      <a:noFill/>
-                      <a:prstDash val="solid"/>
-                    </a:lnBlToTr>
-                  </a:tcPr>
-                </a:tc>
-                <a:tc>
-                  <a:txBody>
-                    <a:bodyPr/>
-                    <a:lstStyle/>
-                    <a:p>
-                      <a:pPr algn="ctr"/>
-                      <a:r>
-                        <a:rPr lang="en-US" sz="1400" dirty="0" smtClean="0">
-                          <a:solidFill>
-                            <a:schemeClr val="tx1">
-                              <a:lumMod val="65000"/>
-                              <a:lumOff val="35000"/>
-                            </a:schemeClr>
-                          </a:solidFill>
-                        </a:rPr>
-                        <a:t>7</a:t>
-                      </a:r>
-                      <a:endParaRPr lang="en-US" sz="1400" dirty="0">
-                        <a:solidFill>
-                          <a:schemeClr val="tx1">
-                            <a:lumMod val="65000"/>
-                            <a:lumOff val="35000"/>
-                          </a:schemeClr>
-                        </a:solidFill>
-                      </a:endParaRPr>
-                    </a:p>
-                  </a:txBody>
-                  <a:tcPr marL="0" marR="0" marT="0" marB="0" anchor="ctr">
-                    <a:lnL w="12700" cap="flat" cmpd="sng" algn="ctr">
-                      <a:noFill/>
-                      <a:prstDash val="solid"/>
-                      <a:round/>
-                      <a:headEnd type="none" w="med" len="med"/>
-                      <a:tailEnd type="none" w="med" len="med"/>
-                    </a:lnL>
-                    <a:lnR w="12700" cap="flat" cmpd="sng" algn="ctr">
-                      <a:noFill/>
-                      <a:prstDash val="solid"/>
-                      <a:round/>
-                      <a:headEnd type="none" w="med" len="med"/>
-                      <a:tailEnd type="none" w="med" len="med"/>
-                    </a:lnR>
-                    <a:lnT w="12700" cap="flat" cmpd="sng" algn="ctr">
-                      <a:noFill/>
-                      <a:prstDash val="solid"/>
-                      <a:round/>
-                      <a:headEnd type="none" w="med" len="med"/>
-                      <a:tailEnd type="none" w="med" len="med"/>
-                    </a:lnT>
-                    <a:lnB w="12700" cap="flat" cmpd="sng" algn="ctr">
-                      <a:noFill/>
-                      <a:prstDash val="solid"/>
-                      <a:round/>
-                      <a:headEnd type="none" w="med" len="med"/>
-                      <a:tailEnd type="none" w="med" len="med"/>
-                    </a:lnB>
-                    <a:lnTlToBr w="12700" cmpd="sng">
-                      <a:noFill/>
-                      <a:prstDash val="solid"/>
-                    </a:lnTlToBr>
-                    <a:lnBlToTr w="12700" cmpd="sng">
-                      <a:noFill/>
-                      <a:prstDash val="solid"/>
-                    </a:lnBlToTr>
-                  </a:tcPr>
-                </a:tc>
-              </a:tr>
-              <a:tr h="365760">
-                <a:tc>
-                  <a:txBody>
-                    <a:bodyPr/>
-                    <a:lstStyle/>
-                    <a:p>
-                      <a:endParaRPr lang="en-US" dirty="0"/>
-                    </a:p>
-                  </a:txBody>
-                  <a:tcPr marL="0" marR="0" marT="0" marB="0">
-                    <a:lnL w="12700" cap="flat" cmpd="sng" algn="ctr">
-                      <a:noFill/>
-                      <a:prstDash val="solid"/>
-                      <a:round/>
-                      <a:headEnd type="none" w="med" len="med"/>
-                      <a:tailEnd type="none" w="med" len="med"/>
-                    </a:lnL>
-                    <a:lnR w="12700" cap="flat" cmpd="sng" algn="ctr">
-                      <a:noFill/>
-                      <a:prstDash val="solid"/>
-                      <a:round/>
-                      <a:headEnd type="none" w="med" len="med"/>
-                      <a:tailEnd type="none" w="med" len="med"/>
-                    </a:lnR>
-                    <a:lnT w="12700" cap="flat" cmpd="sng" algn="ctr">
-                      <a:noFill/>
-                      <a:prstDash val="solid"/>
-                      <a:round/>
-                      <a:headEnd type="none" w="med" len="med"/>
-                      <a:tailEnd type="none" w="med" len="med"/>
-                    </a:lnT>
-                    <a:lnB w="12700" cap="flat" cmpd="sng" algn="ctr">
-                      <a:noFill/>
-                      <a:prstDash val="solid"/>
-                      <a:round/>
-                      <a:headEnd type="none" w="med" len="med"/>
-                      <a:tailEnd type="none" w="med" len="med"/>
-                    </a:lnB>
-                    <a:lnTlToBr w="12700" cmpd="sng">
-                      <a:noFill/>
-                      <a:prstDash val="solid"/>
-                    </a:lnTlToBr>
-                    <a:lnBlToTr w="12700" cmpd="sng">
-                      <a:noFill/>
-                      <a:prstDash val="solid"/>
-                    </a:lnBlToTr>
-                  </a:tcPr>
-                </a:tc>
-                <a:tc>
-                  <a:txBody>
-                    <a:bodyPr/>
-                    <a:lstStyle/>
-                    <a:p>
-                      <a:pPr algn="ctr"/>
-                      <a:r>
-                        <a:rPr lang="en-US" sz="1400" dirty="0" smtClean="0">
-                          <a:solidFill>
-                            <a:schemeClr val="tx1">
-                              <a:lumMod val="65000"/>
-                              <a:lumOff val="35000"/>
-                            </a:schemeClr>
-                          </a:solidFill>
-                        </a:rPr>
-                        <a:t>8</a:t>
-                      </a:r>
-                      <a:endParaRPr lang="en-US" sz="1400" dirty="0">
-                        <a:solidFill>
-                          <a:schemeClr val="tx1">
-                            <a:lumMod val="65000"/>
-                            <a:lumOff val="35000"/>
-                          </a:schemeClr>
-                        </a:solidFill>
-                      </a:endParaRPr>
-                    </a:p>
-                  </a:txBody>
-                  <a:tcPr marL="0" marR="0" marT="0" marB="0" anchor="ctr">
-                    <a:lnL w="12700" cap="flat" cmpd="sng" algn="ctr">
-                      <a:noFill/>
-                      <a:prstDash val="solid"/>
-                      <a:round/>
-                      <a:headEnd type="none" w="med" len="med"/>
-                      <a:tailEnd type="none" w="med" len="med"/>
-                    </a:lnL>
-                    <a:lnR w="12700" cap="flat" cmpd="sng" algn="ctr">
-                      <a:noFill/>
-                      <a:prstDash val="solid"/>
-                      <a:round/>
-                      <a:headEnd type="none" w="med" len="med"/>
-                      <a:tailEnd type="none" w="med" len="med"/>
-                    </a:lnR>
-                    <a:lnT w="12700" cap="flat" cmpd="sng" algn="ctr">
-                      <a:noFill/>
-                      <a:prstDash val="solid"/>
-                      <a:round/>
-                      <a:headEnd type="none" w="med" len="med"/>
-                      <a:tailEnd type="none" w="med" len="med"/>
-                    </a:lnT>
-                    <a:lnB w="12700" cap="flat" cmpd="sng" algn="ctr">
-                      <a:noFill/>
-                      <a:prstDash val="solid"/>
-                      <a:round/>
-                      <a:headEnd type="none" w="med" len="med"/>
-                      <a:tailEnd type="none" w="med" len="med"/>
-                    </a:lnB>
-                    <a:lnTlToBr w="12700" cmpd="sng">
-                      <a:noFill/>
-                      <a:prstDash val="solid"/>
-                    </a:lnTlToBr>
-                    <a:lnBlToTr w="12700" cmpd="sng">
-                      <a:noFill/>
-                      <a:prstDash val="solid"/>
-                    </a:lnBlToTr>
-                  </a:tcPr>
-                </a:tc>
-                <a:tc>
-                  <a:txBody>
-                    <a:bodyPr/>
-                    <a:lstStyle/>
-                    <a:p>
-                      <a:pPr algn="ctr"/>
-                      <a:r>
-                        <a:rPr lang="en-US" sz="1400" dirty="0" smtClean="0">
-                          <a:solidFill>
-                            <a:schemeClr val="tx1">
-                              <a:lumMod val="65000"/>
-                              <a:lumOff val="35000"/>
-                            </a:schemeClr>
-                          </a:solidFill>
-                        </a:rPr>
-                        <a:t>2</a:t>
-                      </a:r>
-                      <a:endParaRPr lang="en-US" sz="1400" dirty="0">
-                        <a:solidFill>
-                          <a:schemeClr val="tx1">
-                            <a:lumMod val="65000"/>
-                            <a:lumOff val="35000"/>
-                          </a:schemeClr>
-                        </a:solidFill>
-                      </a:endParaRPr>
-                    </a:p>
-                  </a:txBody>
-                  <a:tcPr marL="0" marR="0" marT="0" marB="0" anchor="ctr">
-                    <a:lnL w="12700" cap="flat" cmpd="sng" algn="ctr">
-                      <a:noFill/>
-                      <a:prstDash val="solid"/>
-                      <a:round/>
-                      <a:headEnd type="none" w="med" len="med"/>
-                      <a:tailEnd type="none" w="med" len="med"/>
-                    </a:lnL>
-                    <a:lnR w="12700" cap="flat" cmpd="sng" algn="ctr">
-                      <a:noFill/>
-                      <a:prstDash val="solid"/>
-                      <a:round/>
-                      <a:headEnd type="none" w="med" len="med"/>
-                      <a:tailEnd type="none" w="med" len="med"/>
-                    </a:lnR>
-                    <a:lnT w="12700" cap="flat" cmpd="sng" algn="ctr">
-                      <a:noFill/>
-                      <a:prstDash val="solid"/>
-                      <a:round/>
-                      <a:headEnd type="none" w="med" len="med"/>
-                      <a:tailEnd type="none" w="med" len="med"/>
-                    </a:lnT>
-                    <a:lnB w="12700" cap="flat" cmpd="sng" algn="ctr">
-                      <a:noFill/>
-                      <a:prstDash val="solid"/>
-                      <a:round/>
-                      <a:headEnd type="none" w="med" len="med"/>
-                      <a:tailEnd type="none" w="med" len="med"/>
-                    </a:lnB>
-                    <a:lnTlToBr w="12700" cmpd="sng">
-                      <a:noFill/>
-                      <a:prstDash val="solid"/>
-                    </a:lnTlToBr>
-                    <a:lnBlToTr w="12700" cmpd="sng">
-                      <a:noFill/>
-                      <a:prstDash val="solid"/>
-                    </a:lnBlToTr>
-                  </a:tcPr>
-                </a:tc>
-              </a:tr>
-              <a:tr h="365760">
-                <a:tc>
-                  <a:txBody>
-                    <a:bodyPr/>
-                    <a:lstStyle/>
-                    <a:p>
-                      <a:endParaRPr lang="en-US"/>
-                    </a:p>
-                  </a:txBody>
-                  <a:tcPr marL="0" marR="0" marT="0" marB="0">
-                    <a:lnL w="12700" cap="flat" cmpd="sng" algn="ctr">
-                      <a:noFill/>
-                      <a:prstDash val="solid"/>
-                      <a:round/>
-                      <a:headEnd type="none" w="med" len="med"/>
-                      <a:tailEnd type="none" w="med" len="med"/>
-                    </a:lnL>
-                    <a:lnR w="12700" cap="flat" cmpd="sng" algn="ctr">
-                      <a:noFill/>
-                      <a:prstDash val="solid"/>
-                      <a:round/>
-                      <a:headEnd type="none" w="med" len="med"/>
-                      <a:tailEnd type="none" w="med" len="med"/>
-                    </a:lnR>
-                    <a:lnT w="12700" cap="flat" cmpd="sng" algn="ctr">
-                      <a:noFill/>
-                      <a:prstDash val="solid"/>
-                      <a:round/>
-                      <a:headEnd type="none" w="med" len="med"/>
-                      <a:tailEnd type="none" w="med" len="med"/>
-                    </a:lnT>
-                    <a:lnB w="12700" cap="flat" cmpd="sng" algn="ctr">
-                      <a:noFill/>
-                      <a:prstDash val="solid"/>
-                      <a:round/>
-                      <a:headEnd type="none" w="med" len="med"/>
-                      <a:tailEnd type="none" w="med" len="med"/>
-                    </a:lnB>
-                    <a:lnTlToBr w="12700" cmpd="sng">
-                      <a:noFill/>
-                      <a:prstDash val="solid"/>
-                    </a:lnTlToBr>
-                    <a:lnBlToTr w="12700" cmpd="sng">
-                      <a:noFill/>
-                      <a:prstDash val="solid"/>
-                    </a:lnBlToTr>
-                  </a:tcPr>
-                </a:tc>
-                <a:tc>
-                  <a:txBody>
-                    <a:bodyPr/>
-                    <a:lstStyle/>
-                    <a:p>
-                      <a:pPr algn="ctr"/>
-                      <a:r>
-                        <a:rPr lang="en-US" sz="1400" dirty="0" smtClean="0">
-                          <a:solidFill>
-                            <a:schemeClr val="tx1">
-                              <a:lumMod val="65000"/>
-                              <a:lumOff val="35000"/>
-                            </a:schemeClr>
-                          </a:solidFill>
-                        </a:rPr>
-                        <a:t>9</a:t>
-                      </a:r>
-                      <a:endParaRPr lang="en-US" sz="1400" dirty="0">
-                        <a:solidFill>
-                          <a:schemeClr val="tx1">
-                            <a:lumMod val="65000"/>
-                            <a:lumOff val="35000"/>
-                          </a:schemeClr>
-                        </a:solidFill>
-                      </a:endParaRPr>
-                    </a:p>
-                  </a:txBody>
-                  <a:tcPr marL="0" marR="0" marT="0" marB="0" anchor="ctr">
-                    <a:lnL w="12700" cap="flat" cmpd="sng" algn="ctr">
-                      <a:noFill/>
-                      <a:prstDash val="solid"/>
-                      <a:round/>
-                      <a:headEnd type="none" w="med" len="med"/>
-                      <a:tailEnd type="none" w="med" len="med"/>
-                    </a:lnL>
-                    <a:lnR w="12700" cap="flat" cmpd="sng" algn="ctr">
-                      <a:noFill/>
-                      <a:prstDash val="solid"/>
-                      <a:round/>
-                      <a:headEnd type="none" w="med" len="med"/>
-                      <a:tailEnd type="none" w="med" len="med"/>
-                    </a:lnR>
-                    <a:lnT w="12700" cap="flat" cmpd="sng" algn="ctr">
-                      <a:noFill/>
-                      <a:prstDash val="solid"/>
-                      <a:round/>
-                      <a:headEnd type="none" w="med" len="med"/>
-                      <a:tailEnd type="none" w="med" len="med"/>
-                    </a:lnT>
-                    <a:lnB w="12700" cap="flat" cmpd="sng" algn="ctr">
-                      <a:noFill/>
-                      <a:prstDash val="solid"/>
-                      <a:round/>
-                      <a:headEnd type="none" w="med" len="med"/>
-                      <a:tailEnd type="none" w="med" len="med"/>
-                    </a:lnB>
-                    <a:lnTlToBr w="12700" cmpd="sng">
-                      <a:noFill/>
-                      <a:prstDash val="solid"/>
-                    </a:lnTlToBr>
-                    <a:lnBlToTr w="12700" cmpd="sng">
-                      <a:noFill/>
-                      <a:prstDash val="solid"/>
-                    </a:lnBlToTr>
-                  </a:tcPr>
-                </a:tc>
-                <a:tc>
-                  <a:txBody>
-                    <a:bodyPr/>
-                    <a:lstStyle/>
-                    <a:p>
-                      <a:pPr algn="ctr"/>
-                      <a:r>
-                        <a:rPr lang="en-US" sz="1400" dirty="0" smtClean="0">
-                          <a:solidFill>
-                            <a:schemeClr val="tx1">
-                              <a:lumMod val="65000"/>
-                              <a:lumOff val="35000"/>
-                            </a:schemeClr>
-                          </a:solidFill>
-                        </a:rPr>
-                        <a:t>11</a:t>
-                      </a:r>
-                      <a:endParaRPr lang="en-US" sz="1400" dirty="0">
-                        <a:solidFill>
-                          <a:schemeClr val="tx1">
-                            <a:lumMod val="65000"/>
-                            <a:lumOff val="35000"/>
-                          </a:schemeClr>
-                        </a:solidFill>
-                      </a:endParaRPr>
-                    </a:p>
-                  </a:txBody>
-                  <a:tcPr marL="0" marR="0" marT="0" marB="0" anchor="ctr">
-                    <a:lnL w="12700" cap="flat" cmpd="sng" algn="ctr">
-                      <a:noFill/>
-                      <a:prstDash val="solid"/>
-                      <a:round/>
-                      <a:headEnd type="none" w="med" len="med"/>
-                      <a:tailEnd type="none" w="med" len="med"/>
-                    </a:lnL>
-                    <a:lnR w="12700" cap="flat" cmpd="sng" algn="ctr">
-                      <a:noFill/>
-                      <a:prstDash val="solid"/>
-                      <a:round/>
-                      <a:headEnd type="none" w="med" len="med"/>
-                      <a:tailEnd type="none" w="med" len="med"/>
-                    </a:lnR>
-                    <a:lnT w="12700" cap="flat" cmpd="sng" algn="ctr">
-                      <a:noFill/>
-                      <a:prstDash val="solid"/>
-                      <a:round/>
-                      <a:headEnd type="none" w="med" len="med"/>
-                      <a:tailEnd type="none" w="med" len="med"/>
-                    </a:lnT>
-                    <a:lnB w="12700" cap="flat" cmpd="sng" algn="ctr">
-                      <a:noFill/>
-                      <a:prstDash val="solid"/>
-                      <a:round/>
-                      <a:headEnd type="none" w="med" len="med"/>
-                      <a:tailEnd type="none" w="med" len="med"/>
-                    </a:lnB>
-                    <a:lnTlToBr w="12700" cmpd="sng">
-                      <a:noFill/>
-                      <a:prstDash val="solid"/>
-                    </a:lnTlToBr>
-                    <a:lnBlToTr w="12700" cmpd="sng">
-                      <a:noFill/>
-                      <a:prstDash val="solid"/>
-                    </a:lnBlToTr>
-                  </a:tcPr>
-                </a:tc>
-              </a:tr>
-              <a:tr h="365760">
-                <a:tc>
-                  <a:txBody>
-                    <a:bodyPr/>
-                    <a:lstStyle/>
-                    <a:p>
-                      <a:endParaRPr lang="en-US"/>
-                    </a:p>
-                  </a:txBody>
-                  <a:tcPr marL="0" marR="0" marT="0" marB="0">
-                    <a:lnL w="12700" cap="flat" cmpd="sng" algn="ctr">
-                      <a:noFill/>
-                      <a:prstDash val="solid"/>
-                      <a:round/>
-                      <a:headEnd type="none" w="med" len="med"/>
-                      <a:tailEnd type="none" w="med" len="med"/>
-                    </a:lnL>
-                    <a:lnR w="12700" cap="flat" cmpd="sng" algn="ctr">
-                      <a:noFill/>
-                      <a:prstDash val="solid"/>
-                      <a:round/>
-                      <a:headEnd type="none" w="med" len="med"/>
-                      <a:tailEnd type="none" w="med" len="med"/>
-                    </a:lnR>
-                    <a:lnT w="12700" cap="flat" cmpd="sng" algn="ctr">
-                      <a:noFill/>
-                      <a:prstDash val="solid"/>
-                      <a:round/>
-                      <a:headEnd type="none" w="med" len="med"/>
-                      <a:tailEnd type="none" w="med" len="med"/>
-                    </a:lnT>
-                    <a:lnB w="12700" cap="flat" cmpd="sng" algn="ctr">
-                      <a:noFill/>
-                      <a:prstDash val="solid"/>
-                      <a:round/>
-                      <a:headEnd type="none" w="med" len="med"/>
-                      <a:tailEnd type="none" w="med" len="med"/>
-                    </a:lnB>
-                    <a:lnTlToBr w="12700" cmpd="sng">
-                      <a:noFill/>
-                      <a:prstDash val="solid"/>
-                    </a:lnTlToBr>
-                    <a:lnBlToTr w="12700" cmpd="sng">
-                      <a:noFill/>
-                      <a:prstDash val="solid"/>
-                    </a:lnBlToTr>
-                  </a:tcPr>
-                </a:tc>
-                <a:tc>
-                  <a:txBody>
-                    <a:bodyPr/>
-                    <a:lstStyle/>
-                    <a:p>
-                      <a:pPr algn="ctr"/>
-                      <a:r>
-                        <a:rPr lang="en-US" sz="1400" dirty="0" smtClean="0">
-                          <a:solidFill>
-                            <a:schemeClr val="tx1">
-                              <a:lumMod val="65000"/>
-                              <a:lumOff val="35000"/>
-                            </a:schemeClr>
-                          </a:solidFill>
-                        </a:rPr>
-                        <a:t>10</a:t>
-                      </a:r>
-                    </a:p>
-                  </a:txBody>
-                  <a:tcPr marL="0" marR="0" marT="0" marB="0" anchor="ctr">
-                    <a:lnL w="12700" cap="flat" cmpd="sng" algn="ctr">
-                      <a:noFill/>
-                      <a:prstDash val="solid"/>
-                      <a:round/>
-                      <a:headEnd type="none" w="med" len="med"/>
-                      <a:tailEnd type="none" w="med" len="med"/>
-                    </a:lnL>
-                    <a:lnR w="12700" cap="flat" cmpd="sng" algn="ctr">
-                      <a:noFill/>
-                      <a:prstDash val="solid"/>
-                      <a:round/>
-                      <a:headEnd type="none" w="med" len="med"/>
-                      <a:tailEnd type="none" w="med" len="med"/>
-                    </a:lnR>
-                    <a:lnT w="12700" cap="flat" cmpd="sng" algn="ctr">
-                      <a:noFill/>
-                      <a:prstDash val="solid"/>
-                      <a:round/>
-                      <a:headEnd type="none" w="med" len="med"/>
-                      <a:tailEnd type="none" w="med" len="med"/>
-                    </a:lnT>
-                    <a:lnB w="12700" cap="flat" cmpd="sng" algn="ctr">
-                      <a:noFill/>
-                      <a:prstDash val="solid"/>
-                      <a:round/>
-                      <a:headEnd type="none" w="med" len="med"/>
-                      <a:tailEnd type="none" w="med" len="med"/>
-                    </a:lnB>
-                    <a:lnTlToBr w="12700" cmpd="sng">
-                      <a:noFill/>
-                      <a:prstDash val="solid"/>
-                    </a:lnTlToBr>
-                    <a:lnBlToTr w="12700" cmpd="sng">
-                      <a:noFill/>
-                      <a:prstDash val="solid"/>
-                    </a:lnBlToTr>
-                  </a:tcPr>
-                </a:tc>
-                <a:tc>
-                  <a:txBody>
-                    <a:bodyPr/>
-                    <a:lstStyle/>
-                    <a:p>
-                      <a:pPr algn="ctr"/>
-                      <a:r>
-                        <a:rPr lang="en-US" sz="1400" dirty="0" smtClean="0">
-                          <a:solidFill>
-                            <a:schemeClr val="tx1">
-                              <a:lumMod val="65000"/>
-                              <a:lumOff val="35000"/>
-                            </a:schemeClr>
-                          </a:solidFill>
-                        </a:rPr>
-                        <a:t>8</a:t>
-                      </a:r>
-                      <a:endParaRPr lang="en-US" sz="1400" dirty="0">
-                        <a:solidFill>
-                          <a:schemeClr val="tx1">
-                            <a:lumMod val="65000"/>
-                            <a:lumOff val="35000"/>
-                          </a:schemeClr>
-                        </a:solidFill>
-                      </a:endParaRPr>
-                    </a:p>
-                  </a:txBody>
-                  <a:tcPr marL="0" marR="0" marT="0" marB="0" anchor="ctr">
-                    <a:lnL w="12700" cap="flat" cmpd="sng" algn="ctr">
-                      <a:noFill/>
-                      <a:prstDash val="solid"/>
-                      <a:round/>
-                      <a:headEnd type="none" w="med" len="med"/>
-                      <a:tailEnd type="none" w="med" len="med"/>
-                    </a:lnL>
-                    <a:lnR w="12700" cap="flat" cmpd="sng" algn="ctr">
-                      <a:noFill/>
-                      <a:prstDash val="solid"/>
-                      <a:round/>
-                      <a:headEnd type="none" w="med" len="med"/>
-                      <a:tailEnd type="none" w="med" len="med"/>
-                    </a:lnR>
-                    <a:lnT w="12700" cap="flat" cmpd="sng" algn="ctr">
-                      <a:noFill/>
-                      <a:prstDash val="solid"/>
-                      <a:round/>
-                      <a:headEnd type="none" w="med" len="med"/>
-                      <a:tailEnd type="none" w="med" len="med"/>
-                    </a:lnT>
-                    <a:lnB w="12700" cap="flat" cmpd="sng" algn="ctr">
-                      <a:noFill/>
-                      <a:prstDash val="solid"/>
-                      <a:round/>
-                      <a:headEnd type="none" w="med" len="med"/>
-                      <a:tailEnd type="none" w="med" len="med"/>
-                    </a:lnB>
-                    <a:lnTlToBr w="12700" cmpd="sng">
-                      <a:noFill/>
-                      <a:prstDash val="solid"/>
-                    </a:lnTlToBr>
-                    <a:lnBlToTr w="12700" cmpd="sng">
-                      <a:noFill/>
-                      <a:prstDash val="solid"/>
-                    </a:lnBlToTr>
-                  </a:tcPr>
-                </a:tc>
-              </a:tr>
-              <a:tr h="365760">
-                <a:tc>
-                  <a:txBody>
-                    <a:bodyPr/>
-                    <a:lstStyle/>
-                    <a:p>
-                      <a:endParaRPr lang="en-US"/>
-                    </a:p>
-                  </a:txBody>
-                  <a:tcPr marL="0" marR="0" marT="0" marB="0">
-                    <a:lnL w="12700" cap="flat" cmpd="sng" algn="ctr">
-                      <a:noFill/>
-                      <a:prstDash val="solid"/>
-                      <a:round/>
-                      <a:headEnd type="none" w="med" len="med"/>
-                      <a:tailEnd type="none" w="med" len="med"/>
-                    </a:lnL>
-                    <a:lnR w="12700" cap="flat" cmpd="sng" algn="ctr">
-                      <a:noFill/>
-                      <a:prstDash val="solid"/>
-                      <a:round/>
-                      <a:headEnd type="none" w="med" len="med"/>
-                      <a:tailEnd type="none" w="med" len="med"/>
-                    </a:lnR>
-                    <a:lnT w="12700" cap="flat" cmpd="sng" algn="ctr">
-                      <a:noFill/>
-                      <a:prstDash val="solid"/>
-                      <a:round/>
-                      <a:headEnd type="none" w="med" len="med"/>
-                      <a:tailEnd type="none" w="med" len="med"/>
-                    </a:lnT>
-                    <a:lnB w="12700" cap="flat" cmpd="sng" algn="ctr">
-                      <a:noFill/>
-                      <a:prstDash val="solid"/>
-                      <a:round/>
-                      <a:headEnd type="none" w="med" len="med"/>
-                      <a:tailEnd type="none" w="med" len="med"/>
-                    </a:lnB>
-                    <a:lnTlToBr w="12700" cmpd="sng">
-                      <a:noFill/>
-                      <a:prstDash val="solid"/>
-                    </a:lnTlToBr>
-                    <a:lnBlToTr w="12700" cmpd="sng">
-                      <a:noFill/>
-                      <a:prstDash val="solid"/>
-                    </a:lnBlToTr>
-                  </a:tcPr>
-                </a:tc>
-                <a:tc>
-                  <a:txBody>
-                    <a:bodyPr/>
-                    <a:lstStyle/>
-                    <a:p>
-                      <a:pPr algn="ctr"/>
-                      <a:r>
-                        <a:rPr lang="en-US" sz="1400" dirty="0" smtClean="0">
-                          <a:solidFill>
-                            <a:schemeClr val="tx1">
-                              <a:lumMod val="65000"/>
-                              <a:lumOff val="35000"/>
-                            </a:schemeClr>
-                          </a:solidFill>
-                        </a:rPr>
-                        <a:t>11</a:t>
-                      </a:r>
-                      <a:endParaRPr lang="en-US" sz="1400" dirty="0">
-                        <a:solidFill>
-                          <a:schemeClr val="tx1">
-                            <a:lumMod val="65000"/>
-                            <a:lumOff val="35000"/>
-                          </a:schemeClr>
-                        </a:solidFill>
-                      </a:endParaRPr>
-                    </a:p>
-                  </a:txBody>
-                  <a:tcPr marL="0" marR="0" marT="0" marB="0" anchor="ctr">
-                    <a:lnL w="12700" cap="flat" cmpd="sng" algn="ctr">
-                      <a:noFill/>
-                      <a:prstDash val="solid"/>
-                      <a:round/>
-                      <a:headEnd type="none" w="med" len="med"/>
-                      <a:tailEnd type="none" w="med" len="med"/>
-                    </a:lnL>
-                    <a:lnR w="12700" cap="flat" cmpd="sng" algn="ctr">
-                      <a:noFill/>
-                      <a:prstDash val="solid"/>
-                      <a:round/>
-                      <a:headEnd type="none" w="med" len="med"/>
-                      <a:tailEnd type="none" w="med" len="med"/>
-                    </a:lnR>
-                    <a:lnT w="12700" cap="flat" cmpd="sng" algn="ctr">
-                      <a:noFill/>
-                      <a:prstDash val="solid"/>
-                      <a:round/>
-                      <a:headEnd type="none" w="med" len="med"/>
-                      <a:tailEnd type="none" w="med" len="med"/>
-                    </a:lnT>
-                    <a:lnB w="12700" cap="flat" cmpd="sng" algn="ctr">
-                      <a:noFill/>
-                      <a:prstDash val="solid"/>
-                      <a:round/>
-                      <a:headEnd type="none" w="med" len="med"/>
-                      <a:tailEnd type="none" w="med" len="med"/>
-                    </a:lnB>
-                    <a:lnTlToBr w="12700" cmpd="sng">
-                      <a:noFill/>
-                      <a:prstDash val="solid"/>
-                    </a:lnTlToBr>
-                    <a:lnBlToTr w="12700" cmpd="sng">
-                      <a:noFill/>
-                      <a:prstDash val="solid"/>
-                    </a:lnBlToTr>
-                  </a:tcPr>
-                </a:tc>
-                <a:tc>
-                  <a:txBody>
-                    <a:bodyPr/>
-                    <a:lstStyle/>
-                    <a:p>
-                      <a:pPr algn="ctr"/>
-                      <a:r>
-                        <a:rPr lang="en-US" sz="1400" dirty="0" smtClean="0">
-                          <a:solidFill>
-                            <a:schemeClr val="tx1">
-                              <a:lumMod val="65000"/>
-                              <a:lumOff val="35000"/>
-                            </a:schemeClr>
-                          </a:solidFill>
-                        </a:rPr>
-                        <a:t>6</a:t>
-                      </a:r>
-                      <a:endParaRPr lang="en-US" sz="1400" dirty="0">
-                        <a:solidFill>
-                          <a:schemeClr val="tx1">
-                            <a:lumMod val="65000"/>
-                            <a:lumOff val="35000"/>
-                          </a:schemeClr>
-                        </a:solidFill>
-                      </a:endParaRPr>
-                    </a:p>
-                  </a:txBody>
-                  <a:tcPr marL="0" marR="0" marT="0" marB="0" anchor="ctr">
-                    <a:lnL w="12700" cap="flat" cmpd="sng" algn="ctr">
-                      <a:noFill/>
-                      <a:prstDash val="solid"/>
-                      <a:round/>
-                      <a:headEnd type="none" w="med" len="med"/>
-                      <a:tailEnd type="none" w="med" len="med"/>
-                    </a:lnL>
-                    <a:lnR w="12700" cap="flat" cmpd="sng" algn="ctr">
-                      <a:noFill/>
-                      <a:prstDash val="solid"/>
-                      <a:round/>
-                      <a:headEnd type="none" w="med" len="med"/>
-                      <a:tailEnd type="none" w="med" len="med"/>
-                    </a:lnR>
-                    <a:lnT w="12700" cap="flat" cmpd="sng" algn="ctr">
-                      <a:noFill/>
-                      <a:prstDash val="solid"/>
-                      <a:round/>
-                      <a:headEnd type="none" w="med" len="med"/>
-                      <a:tailEnd type="none" w="med" len="med"/>
-                    </a:lnT>
-                    <a:lnB w="12700" cap="flat" cmpd="sng" algn="ctr">
-                      <a:noFill/>
-                      <a:prstDash val="solid"/>
-                      <a:round/>
-                      <a:headEnd type="none" w="med" len="med"/>
-                      <a:tailEnd type="none" w="med" len="med"/>
-                    </a:lnB>
-                    <a:lnTlToBr w="12700" cmpd="sng">
-                      <a:noFill/>
-                      <a:prstDash val="solid"/>
-                    </a:lnTlToBr>
-                    <a:lnBlToTr w="12700" cmpd="sng">
-                      <a:noFill/>
-                      <a:prstDash val="solid"/>
-                    </a:lnBlToTr>
-                  </a:tcPr>
-                </a:tc>
-              </a:tr>
-            </a:tbl>
-          </a:graphicData>
-        </a:graphic>
-      </p:graphicFrame>
-      <p:graphicFrame>
-        <p:nvGraphicFramePr>
-          <p:cNvPr id="15" name="Table 14"/>
-          <p:cNvGraphicFramePr>
-            <a:graphicFrameLocks noGrp="1"/>
-          </p:cNvGraphicFramePr>
-          <p:nvPr>
-            <p:extLst>
-              <p:ext uri="{D42A27DB-BD31-4B8C-83A1-F6EECF244321}">
-                <p14:modId xmlns:p14="http://schemas.microsoft.com/office/powerpoint/2010/main" val="4121688454"/>
-              </p:ext>
-            </p:extLst>
-          </p:nvPr>
-        </p:nvGraphicFramePr>
-        <p:xfrm>
-          <a:off x="5954486" y="1817916"/>
-          <a:ext cx="2946400" cy="4450080"/>
-        </p:xfrm>
-        <a:graphic>
-          <a:graphicData uri="http://schemas.openxmlformats.org/drawingml/2006/table">
-            <a:tbl>
-              <a:tblPr firstRow="1" bandRow="1">
-                <a:tableStyleId>{5940675A-B579-460E-94D1-54222C63F5DA}</a:tableStyleId>
-              </a:tblPr>
-              <a:tblGrid>
-                <a:gridCol w="2032000"/>
-                <a:gridCol w="457200"/>
-                <a:gridCol w="457200"/>
-              </a:tblGrid>
-              <a:tr h="365760">
-                <a:tc>
-                  <a:txBody>
-                    <a:bodyPr/>
-                    <a:lstStyle/>
-                    <a:p>
-                      <a:pPr algn="ctr"/>
-                      <a:r>
-                        <a:rPr lang="en-US" sz="1400" b="1" dirty="0" smtClean="0">
-                          <a:solidFill>
-                            <a:schemeClr val="tx1">
-                              <a:lumMod val="65000"/>
-                              <a:lumOff val="35000"/>
-                            </a:schemeClr>
-                          </a:solidFill>
-                        </a:rPr>
-                        <a:t>RF </a:t>
-                      </a:r>
-                      <a:br>
-                        <a:rPr lang="en-US" sz="1400" b="1" dirty="0" smtClean="0">
-                          <a:solidFill>
-                            <a:schemeClr val="tx1">
-                              <a:lumMod val="65000"/>
-                              <a:lumOff val="35000"/>
-                            </a:schemeClr>
-                          </a:solidFill>
-                        </a:rPr>
-                      </a:br>
-                      <a:r>
-                        <a:rPr lang="en-US" sz="1400" b="1" dirty="0" smtClean="0">
-                          <a:solidFill>
-                            <a:schemeClr val="tx1">
-                              <a:lumMod val="65000"/>
-                              <a:lumOff val="35000"/>
-                            </a:schemeClr>
-                          </a:solidFill>
-                        </a:rPr>
-                        <a:t>Importance</a:t>
-                      </a:r>
-                      <a:endParaRPr lang="en-US" sz="1400" b="1" dirty="0">
-                        <a:solidFill>
-                          <a:schemeClr val="tx1">
-                            <a:lumMod val="65000"/>
-                            <a:lumOff val="35000"/>
-                          </a:schemeClr>
-                        </a:solidFill>
-                      </a:endParaRPr>
-                    </a:p>
-                  </a:txBody>
-                  <a:tcPr marL="0" marR="0" marT="0" marB="0" anchor="ctr">
-                    <a:lnL w="12700" cap="flat" cmpd="sng" algn="ctr">
-                      <a:noFill/>
-                      <a:prstDash val="solid"/>
-                      <a:round/>
-                      <a:headEnd type="none" w="med" len="med"/>
-                      <a:tailEnd type="none" w="med" len="med"/>
-                    </a:lnL>
-                    <a:lnR w="12700" cap="flat" cmpd="sng" algn="ctr">
-                      <a:noFill/>
-                      <a:prstDash val="solid"/>
-                      <a:round/>
-                      <a:headEnd type="none" w="med" len="med"/>
-                      <a:tailEnd type="none" w="med" len="med"/>
-                    </a:lnR>
-                    <a:lnT w="12700" cap="flat" cmpd="sng" algn="ctr">
-                      <a:noFill/>
-                      <a:prstDash val="solid"/>
-                      <a:round/>
-                      <a:headEnd type="none" w="med" len="med"/>
-                      <a:tailEnd type="none" w="med" len="med"/>
-                    </a:lnT>
-                    <a:lnB w="12700" cap="flat" cmpd="sng" algn="ctr">
-                      <a:noFill/>
-                      <a:prstDash val="solid"/>
-                      <a:round/>
-                      <a:headEnd type="none" w="med" len="med"/>
-                      <a:tailEnd type="none" w="med" len="med"/>
-                    </a:lnB>
-                    <a:lnTlToBr w="12700" cmpd="sng">
-                      <a:noFill/>
-                      <a:prstDash val="solid"/>
-                    </a:lnTlToBr>
-                    <a:lnBlToTr w="12700" cmpd="sng">
-                      <a:noFill/>
-                      <a:prstDash val="solid"/>
-                    </a:lnBlToTr>
-                  </a:tcPr>
-                </a:tc>
-                <a:tc>
-                  <a:txBody>
-                    <a:bodyPr/>
-                    <a:lstStyle/>
-                    <a:p>
-                      <a:pPr algn="ctr"/>
-                      <a:r>
-                        <a:rPr lang="en-US" sz="1400" b="1" dirty="0" smtClean="0">
-                          <a:solidFill>
-                            <a:schemeClr val="tx1">
-                              <a:lumMod val="65000"/>
-                              <a:lumOff val="35000"/>
-                            </a:schemeClr>
-                          </a:solidFill>
-                        </a:rPr>
-                        <a:t>RF </a:t>
-                      </a:r>
-                      <a:br>
-                        <a:rPr lang="en-US" sz="1400" b="1" dirty="0" smtClean="0">
-                          <a:solidFill>
-                            <a:schemeClr val="tx1">
-                              <a:lumMod val="65000"/>
-                              <a:lumOff val="35000"/>
-                            </a:schemeClr>
-                          </a:solidFill>
-                        </a:rPr>
-                      </a:br>
-                      <a:r>
-                        <a:rPr lang="en-US" sz="1400" b="1" dirty="0" smtClean="0">
-                          <a:solidFill>
-                            <a:schemeClr val="tx1">
-                              <a:lumMod val="65000"/>
-                              <a:lumOff val="35000"/>
-                            </a:schemeClr>
-                          </a:solidFill>
-                        </a:rPr>
-                        <a:t>Rank</a:t>
-                      </a:r>
-                      <a:endParaRPr lang="en-US" sz="1400" b="1" dirty="0">
-                        <a:solidFill>
-                          <a:schemeClr val="tx1">
-                            <a:lumMod val="65000"/>
-                            <a:lumOff val="35000"/>
-                          </a:schemeClr>
-                        </a:solidFill>
-                      </a:endParaRPr>
-                    </a:p>
-                  </a:txBody>
-                  <a:tcPr marL="0" marR="0" marT="0" marB="0" anchor="ctr">
-                    <a:lnL w="12700" cap="flat" cmpd="sng" algn="ctr">
-                      <a:noFill/>
-                      <a:prstDash val="solid"/>
-                      <a:round/>
-                      <a:headEnd type="none" w="med" len="med"/>
-                      <a:tailEnd type="none" w="med" len="med"/>
-                    </a:lnL>
-                    <a:lnR w="12700" cap="flat" cmpd="sng" algn="ctr">
-                      <a:noFill/>
-                      <a:prstDash val="solid"/>
-                      <a:round/>
-                      <a:headEnd type="none" w="med" len="med"/>
-                      <a:tailEnd type="none" w="med" len="med"/>
-                    </a:lnR>
-                    <a:lnT w="12700" cap="flat" cmpd="sng" algn="ctr">
-                      <a:noFill/>
-                      <a:prstDash val="solid"/>
-                      <a:round/>
-                      <a:headEnd type="none" w="med" len="med"/>
-                      <a:tailEnd type="none" w="med" len="med"/>
-                    </a:lnT>
-                    <a:lnB w="12700" cap="flat" cmpd="sng" algn="ctr">
-                      <a:noFill/>
-                      <a:prstDash val="solid"/>
-                      <a:round/>
-                      <a:headEnd type="none" w="med" len="med"/>
-                      <a:tailEnd type="none" w="med" len="med"/>
-                    </a:lnB>
-                    <a:lnTlToBr w="12700" cmpd="sng">
-                      <a:noFill/>
-                      <a:prstDash val="solid"/>
-                    </a:lnTlToBr>
-                    <a:lnBlToTr w="12700" cmpd="sng">
-                      <a:noFill/>
-                      <a:prstDash val="solid"/>
-                    </a:lnBlToTr>
-                  </a:tcPr>
-                </a:tc>
-                <a:tc>
-                  <a:txBody>
-                    <a:bodyPr/>
-                    <a:lstStyle/>
-                    <a:p>
-                      <a:pPr algn="ctr"/>
-                      <a:r>
-                        <a:rPr lang="en-US" sz="1400" b="1" dirty="0" smtClean="0">
-                          <a:solidFill>
-                            <a:schemeClr val="tx1">
-                              <a:lumMod val="65000"/>
-                              <a:lumOff val="35000"/>
-                            </a:schemeClr>
-                          </a:solidFill>
-                        </a:rPr>
-                        <a:t>SVM </a:t>
-                      </a:r>
-                      <a:br>
-                        <a:rPr lang="en-US" sz="1400" b="1" dirty="0" smtClean="0">
-                          <a:solidFill>
-                            <a:schemeClr val="tx1">
-                              <a:lumMod val="65000"/>
-                              <a:lumOff val="35000"/>
-                            </a:schemeClr>
-                          </a:solidFill>
-                        </a:rPr>
-                      </a:br>
-                      <a:r>
-                        <a:rPr lang="en-US" sz="1400" b="1" dirty="0" smtClean="0">
-                          <a:solidFill>
-                            <a:schemeClr val="tx1">
-                              <a:lumMod val="65000"/>
-                              <a:lumOff val="35000"/>
-                            </a:schemeClr>
-                          </a:solidFill>
-                        </a:rPr>
-                        <a:t>Rank</a:t>
-                      </a:r>
-                      <a:endParaRPr lang="en-US" sz="1400" b="1" dirty="0">
-                        <a:solidFill>
-                          <a:schemeClr val="tx1">
-                            <a:lumMod val="65000"/>
-                            <a:lumOff val="35000"/>
-                          </a:schemeClr>
-                        </a:solidFill>
-                      </a:endParaRPr>
-                    </a:p>
-                  </a:txBody>
-                  <a:tcPr marL="0" marR="0" marT="0" marB="0" anchor="ctr">
-                    <a:lnL w="12700" cap="flat" cmpd="sng" algn="ctr">
-                      <a:noFill/>
-                      <a:prstDash val="solid"/>
-                      <a:round/>
-                      <a:headEnd type="none" w="med" len="med"/>
-                      <a:tailEnd type="none" w="med" len="med"/>
-                    </a:lnL>
-                    <a:lnR w="12700" cap="flat" cmpd="sng" algn="ctr">
-                      <a:noFill/>
-                      <a:prstDash val="solid"/>
-                      <a:round/>
-                      <a:headEnd type="none" w="med" len="med"/>
-                      <a:tailEnd type="none" w="med" len="med"/>
-                    </a:lnR>
-                    <a:lnT w="12700" cap="flat" cmpd="sng" algn="ctr">
-                      <a:noFill/>
-                      <a:prstDash val="solid"/>
-                      <a:round/>
-                      <a:headEnd type="none" w="med" len="med"/>
-                      <a:tailEnd type="none" w="med" len="med"/>
-                    </a:lnT>
-                    <a:lnB w="12700" cap="flat" cmpd="sng" algn="ctr">
-                      <a:noFill/>
-                      <a:prstDash val="solid"/>
-                      <a:round/>
-                      <a:headEnd type="none" w="med" len="med"/>
-                      <a:tailEnd type="none" w="med" len="med"/>
-                    </a:lnB>
-                    <a:lnTlToBr w="12700" cmpd="sng">
-                      <a:noFill/>
-                      <a:prstDash val="solid"/>
-                    </a:lnTlToBr>
-                    <a:lnBlToTr w="12700" cmpd="sng">
-                      <a:noFill/>
-                      <a:prstDash val="solid"/>
-                    </a:lnBlToTr>
-                  </a:tcPr>
-                </a:tc>
-              </a:tr>
-              <a:tr h="365760">
-                <a:tc>
-                  <a:txBody>
-                    <a:bodyPr/>
-                    <a:lstStyle/>
-                    <a:p>
-                      <a:endParaRPr lang="en-US" sz="1400" dirty="0"/>
-                    </a:p>
-                  </a:txBody>
-                  <a:tcPr marL="0" marR="0" marT="0" marB="0">
-                    <a:lnL w="12700" cap="flat" cmpd="sng" algn="ctr">
-                      <a:noFill/>
-                      <a:prstDash val="solid"/>
-                      <a:round/>
-                      <a:headEnd type="none" w="med" len="med"/>
-                      <a:tailEnd type="none" w="med" len="med"/>
-                    </a:lnL>
-                    <a:lnR w="12700" cap="flat" cmpd="sng" algn="ctr">
-                      <a:noFill/>
-                      <a:prstDash val="solid"/>
-                      <a:round/>
-                      <a:headEnd type="none" w="med" len="med"/>
-                      <a:tailEnd type="none" w="med" len="med"/>
-                    </a:lnR>
-                    <a:lnT w="12700" cap="flat" cmpd="sng" algn="ctr">
-                      <a:noFill/>
-                      <a:prstDash val="solid"/>
-                      <a:round/>
-                      <a:headEnd type="none" w="med" len="med"/>
-                      <a:tailEnd type="none" w="med" len="med"/>
-                    </a:lnT>
-                    <a:lnB w="12700" cap="flat" cmpd="sng" algn="ctr">
-                      <a:noFill/>
-                      <a:prstDash val="solid"/>
-                      <a:round/>
-                      <a:headEnd type="none" w="med" len="med"/>
-                      <a:tailEnd type="none" w="med" len="med"/>
-                    </a:lnB>
-                    <a:lnTlToBr w="12700" cmpd="sng">
-                      <a:noFill/>
-                      <a:prstDash val="solid"/>
-                    </a:lnTlToBr>
-                    <a:lnBlToTr w="12700" cmpd="sng">
-                      <a:noFill/>
-                      <a:prstDash val="solid"/>
-                    </a:lnBlToTr>
-                  </a:tcPr>
-                </a:tc>
-                <a:tc>
-                  <a:txBody>
-                    <a:bodyPr/>
-                    <a:lstStyle/>
-                    <a:p>
-                      <a:pPr algn="ctr"/>
-                      <a:r>
-                        <a:rPr lang="en-US" sz="1400" dirty="0" smtClean="0">
-                          <a:solidFill>
-                            <a:schemeClr val="tx1">
-                              <a:lumMod val="65000"/>
-                              <a:lumOff val="35000"/>
-                            </a:schemeClr>
-                          </a:solidFill>
-                        </a:rPr>
-                        <a:t>1</a:t>
-                      </a:r>
-                      <a:endParaRPr lang="en-US" sz="1400" dirty="0">
-                        <a:solidFill>
-                          <a:schemeClr val="tx1">
-                            <a:lumMod val="65000"/>
-                            <a:lumOff val="35000"/>
-                          </a:schemeClr>
-                        </a:solidFill>
-                      </a:endParaRPr>
-                    </a:p>
-                  </a:txBody>
-                  <a:tcPr marL="0" marR="0" marT="0" marB="0" anchor="ctr">
-                    <a:lnL w="12700" cap="flat" cmpd="sng" algn="ctr">
-                      <a:noFill/>
-                      <a:prstDash val="solid"/>
-                      <a:round/>
-                      <a:headEnd type="none" w="med" len="med"/>
-                      <a:tailEnd type="none" w="med" len="med"/>
-                    </a:lnL>
-                    <a:lnR w="12700" cap="flat" cmpd="sng" algn="ctr">
-                      <a:noFill/>
-                      <a:prstDash val="solid"/>
-                      <a:round/>
-                      <a:headEnd type="none" w="med" len="med"/>
-                      <a:tailEnd type="none" w="med" len="med"/>
-                    </a:lnR>
-                    <a:lnT w="12700" cap="flat" cmpd="sng" algn="ctr">
-                      <a:noFill/>
-                      <a:prstDash val="solid"/>
-                      <a:round/>
-                      <a:headEnd type="none" w="med" len="med"/>
-                      <a:tailEnd type="none" w="med" len="med"/>
-                    </a:lnT>
-                    <a:lnB w="12700" cap="flat" cmpd="sng" algn="ctr">
-                      <a:noFill/>
-                      <a:prstDash val="solid"/>
-                      <a:round/>
-                      <a:headEnd type="none" w="med" len="med"/>
-                      <a:tailEnd type="none" w="med" len="med"/>
-                    </a:lnB>
-                    <a:lnTlToBr w="12700" cmpd="sng">
-                      <a:noFill/>
-                      <a:prstDash val="solid"/>
-                    </a:lnTlToBr>
-                    <a:lnBlToTr w="12700" cmpd="sng">
-                      <a:noFill/>
-                      <a:prstDash val="solid"/>
-                    </a:lnBlToTr>
-                  </a:tcPr>
-                </a:tc>
-                <a:tc>
-                  <a:txBody>
-                    <a:bodyPr/>
-                    <a:lstStyle/>
-                    <a:p>
-                      <a:pPr algn="ctr"/>
-                      <a:r>
-                        <a:rPr lang="en-US" sz="1400" dirty="0" smtClean="0">
-                          <a:solidFill>
-                            <a:schemeClr val="tx1">
-                              <a:lumMod val="65000"/>
-                              <a:lumOff val="35000"/>
-                            </a:schemeClr>
-                          </a:solidFill>
-                        </a:rPr>
-                        <a:t>2</a:t>
-                      </a:r>
-                      <a:endParaRPr lang="en-US" sz="1400" dirty="0">
-                        <a:solidFill>
-                          <a:schemeClr val="tx1">
-                            <a:lumMod val="65000"/>
-                            <a:lumOff val="35000"/>
-                          </a:schemeClr>
-                        </a:solidFill>
-                      </a:endParaRPr>
-                    </a:p>
-                  </a:txBody>
-                  <a:tcPr marL="0" marR="0" marT="0" marB="0" anchor="ctr">
-                    <a:lnL w="12700" cap="flat" cmpd="sng" algn="ctr">
-                      <a:noFill/>
-                      <a:prstDash val="solid"/>
-                      <a:round/>
-                      <a:headEnd type="none" w="med" len="med"/>
-                      <a:tailEnd type="none" w="med" len="med"/>
-                    </a:lnL>
-                    <a:lnR w="12700" cap="flat" cmpd="sng" algn="ctr">
-                      <a:noFill/>
-                      <a:prstDash val="solid"/>
-                      <a:round/>
-                      <a:headEnd type="none" w="med" len="med"/>
-                      <a:tailEnd type="none" w="med" len="med"/>
-                    </a:lnR>
-                    <a:lnT w="12700" cap="flat" cmpd="sng" algn="ctr">
-                      <a:noFill/>
-                      <a:prstDash val="solid"/>
-                      <a:round/>
-                      <a:headEnd type="none" w="med" len="med"/>
-                      <a:tailEnd type="none" w="med" len="med"/>
-                    </a:lnT>
-                    <a:lnB w="12700" cap="flat" cmpd="sng" algn="ctr">
-                      <a:noFill/>
-                      <a:prstDash val="solid"/>
-                      <a:round/>
-                      <a:headEnd type="none" w="med" len="med"/>
-                      <a:tailEnd type="none" w="med" len="med"/>
-                    </a:lnB>
-                    <a:lnTlToBr w="12700" cmpd="sng">
-                      <a:noFill/>
-                      <a:prstDash val="solid"/>
-                    </a:lnTlToBr>
-                    <a:lnBlToTr w="12700" cmpd="sng">
-                      <a:noFill/>
-                      <a:prstDash val="solid"/>
-                    </a:lnBlToTr>
-                  </a:tcPr>
-                </a:tc>
-              </a:tr>
-              <a:tr h="365760">
-                <a:tc>
-                  <a:txBody>
-                    <a:bodyPr/>
-                    <a:lstStyle/>
-                    <a:p>
-                      <a:endParaRPr lang="en-US" dirty="0"/>
-                    </a:p>
-                  </a:txBody>
-                  <a:tcPr marL="0" marR="0" marT="0" marB="0">
-                    <a:lnL w="12700" cap="flat" cmpd="sng" algn="ctr">
-                      <a:noFill/>
-                      <a:prstDash val="solid"/>
-                      <a:round/>
-                      <a:headEnd type="none" w="med" len="med"/>
-                      <a:tailEnd type="none" w="med" len="med"/>
-                    </a:lnL>
-                    <a:lnR w="12700" cap="flat" cmpd="sng" algn="ctr">
-                      <a:noFill/>
-                      <a:prstDash val="solid"/>
-                      <a:round/>
-                      <a:headEnd type="none" w="med" len="med"/>
-                      <a:tailEnd type="none" w="med" len="med"/>
-                    </a:lnR>
-                    <a:lnT w="12700" cap="flat" cmpd="sng" algn="ctr">
-                      <a:noFill/>
-                      <a:prstDash val="solid"/>
-                      <a:round/>
-                      <a:headEnd type="none" w="med" len="med"/>
-                      <a:tailEnd type="none" w="med" len="med"/>
-                    </a:lnT>
-                    <a:lnB w="12700" cap="flat" cmpd="sng" algn="ctr">
-                      <a:noFill/>
-                      <a:prstDash val="solid"/>
-                      <a:round/>
-                      <a:headEnd type="none" w="med" len="med"/>
-                      <a:tailEnd type="none" w="med" len="med"/>
-                    </a:lnB>
-                    <a:lnTlToBr w="12700" cmpd="sng">
-                      <a:noFill/>
-                      <a:prstDash val="solid"/>
-                    </a:lnTlToBr>
-                    <a:lnBlToTr w="12700" cmpd="sng">
-                      <a:noFill/>
-                      <a:prstDash val="solid"/>
-                    </a:lnBlToTr>
-                  </a:tcPr>
-                </a:tc>
-                <a:tc>
-                  <a:txBody>
-                    <a:bodyPr/>
-                    <a:lstStyle/>
-                    <a:p>
-                      <a:pPr algn="ctr"/>
-                      <a:r>
-                        <a:rPr lang="en-US" sz="1400" dirty="0" smtClean="0">
-                          <a:solidFill>
-                            <a:schemeClr val="tx1">
-                              <a:lumMod val="65000"/>
-                              <a:lumOff val="35000"/>
-                            </a:schemeClr>
-                          </a:solidFill>
-                        </a:rPr>
-                        <a:t>2</a:t>
-                      </a:r>
-                      <a:endParaRPr lang="en-US" sz="1400" dirty="0">
-                        <a:solidFill>
-                          <a:schemeClr val="tx1">
-                            <a:lumMod val="65000"/>
-                            <a:lumOff val="35000"/>
-                          </a:schemeClr>
-                        </a:solidFill>
-                      </a:endParaRPr>
-                    </a:p>
-                  </a:txBody>
-                  <a:tcPr marL="0" marR="0" marT="0" marB="0" anchor="ctr">
-                    <a:lnL w="12700" cap="flat" cmpd="sng" algn="ctr">
-                      <a:noFill/>
-                      <a:prstDash val="solid"/>
-                      <a:round/>
-                      <a:headEnd type="none" w="med" len="med"/>
-                      <a:tailEnd type="none" w="med" len="med"/>
-                    </a:lnL>
-                    <a:lnR w="12700" cap="flat" cmpd="sng" algn="ctr">
-                      <a:noFill/>
-                      <a:prstDash val="solid"/>
-                      <a:round/>
-                      <a:headEnd type="none" w="med" len="med"/>
-                      <a:tailEnd type="none" w="med" len="med"/>
-                    </a:lnR>
-                    <a:lnT w="12700" cap="flat" cmpd="sng" algn="ctr">
-                      <a:noFill/>
-                      <a:prstDash val="solid"/>
-                      <a:round/>
-                      <a:headEnd type="none" w="med" len="med"/>
-                      <a:tailEnd type="none" w="med" len="med"/>
-                    </a:lnT>
-                    <a:lnB w="12700" cap="flat" cmpd="sng" algn="ctr">
-                      <a:noFill/>
-                      <a:prstDash val="solid"/>
-                      <a:round/>
-                      <a:headEnd type="none" w="med" len="med"/>
-                      <a:tailEnd type="none" w="med" len="med"/>
-                    </a:lnB>
-                    <a:lnTlToBr w="12700" cmpd="sng">
-                      <a:noFill/>
-                      <a:prstDash val="solid"/>
-                    </a:lnTlToBr>
-                    <a:lnBlToTr w="12700" cmpd="sng">
-                      <a:noFill/>
-                      <a:prstDash val="solid"/>
-                    </a:lnBlToTr>
-                  </a:tcPr>
-                </a:tc>
-                <a:tc>
-                  <a:txBody>
-                    <a:bodyPr/>
-                    <a:lstStyle/>
-                    <a:p>
-                      <a:pPr algn="ctr"/>
-                      <a:r>
-                        <a:rPr lang="en-US" sz="1400" dirty="0" smtClean="0">
-                          <a:solidFill>
-                            <a:schemeClr val="tx1">
-                              <a:lumMod val="65000"/>
-                              <a:lumOff val="35000"/>
-                            </a:schemeClr>
-                          </a:solidFill>
-                        </a:rPr>
-                        <a:t>8</a:t>
-                      </a:r>
-                      <a:endParaRPr lang="en-US" sz="1400" dirty="0">
-                        <a:solidFill>
-                          <a:schemeClr val="tx1">
-                            <a:lumMod val="65000"/>
-                            <a:lumOff val="35000"/>
-                          </a:schemeClr>
-                        </a:solidFill>
-                      </a:endParaRPr>
-                    </a:p>
-                  </a:txBody>
-                  <a:tcPr marL="0" marR="0" marT="0" marB="0" anchor="ctr">
-                    <a:lnL w="12700" cap="flat" cmpd="sng" algn="ctr">
-                      <a:noFill/>
-                      <a:prstDash val="solid"/>
-                      <a:round/>
-                      <a:headEnd type="none" w="med" len="med"/>
-                      <a:tailEnd type="none" w="med" len="med"/>
-                    </a:lnL>
-                    <a:lnR w="12700" cap="flat" cmpd="sng" algn="ctr">
-                      <a:noFill/>
-                      <a:prstDash val="solid"/>
-                      <a:round/>
-                      <a:headEnd type="none" w="med" len="med"/>
-                      <a:tailEnd type="none" w="med" len="med"/>
-                    </a:lnR>
-                    <a:lnT w="12700" cap="flat" cmpd="sng" algn="ctr">
-                      <a:noFill/>
-                      <a:prstDash val="solid"/>
-                      <a:round/>
-                      <a:headEnd type="none" w="med" len="med"/>
-                      <a:tailEnd type="none" w="med" len="med"/>
-                    </a:lnT>
-                    <a:lnB w="12700" cap="flat" cmpd="sng" algn="ctr">
-                      <a:noFill/>
-                      <a:prstDash val="solid"/>
-                      <a:round/>
-                      <a:headEnd type="none" w="med" len="med"/>
-                      <a:tailEnd type="none" w="med" len="med"/>
-                    </a:lnB>
-                    <a:lnTlToBr w="12700" cmpd="sng">
-                      <a:noFill/>
-                      <a:prstDash val="solid"/>
-                    </a:lnTlToBr>
-                    <a:lnBlToTr w="12700" cmpd="sng">
-                      <a:noFill/>
-                      <a:prstDash val="solid"/>
-                    </a:lnBlToTr>
-                  </a:tcPr>
-                </a:tc>
-              </a:tr>
-              <a:tr h="365760">
-                <a:tc>
-                  <a:txBody>
-                    <a:bodyPr/>
-                    <a:lstStyle/>
-                    <a:p>
-                      <a:endParaRPr lang="en-US" dirty="0"/>
-                    </a:p>
-                  </a:txBody>
-                  <a:tcPr marL="0" marR="0" marT="0" marB="0">
-                    <a:lnL w="12700" cap="flat" cmpd="sng" algn="ctr">
-                      <a:noFill/>
-                      <a:prstDash val="solid"/>
-                      <a:round/>
-                      <a:headEnd type="none" w="med" len="med"/>
-                      <a:tailEnd type="none" w="med" len="med"/>
-                    </a:lnL>
-                    <a:lnR w="12700" cap="flat" cmpd="sng" algn="ctr">
-                      <a:noFill/>
-                      <a:prstDash val="solid"/>
-                      <a:round/>
-                      <a:headEnd type="none" w="med" len="med"/>
-                      <a:tailEnd type="none" w="med" len="med"/>
-                    </a:lnR>
-                    <a:lnT w="12700" cap="flat" cmpd="sng" algn="ctr">
-                      <a:noFill/>
-                      <a:prstDash val="solid"/>
-                      <a:round/>
-                      <a:headEnd type="none" w="med" len="med"/>
-                      <a:tailEnd type="none" w="med" len="med"/>
-                    </a:lnT>
-                    <a:lnB w="12700" cap="flat" cmpd="sng" algn="ctr">
-                      <a:noFill/>
-                      <a:prstDash val="solid"/>
-                      <a:round/>
-                      <a:headEnd type="none" w="med" len="med"/>
-                      <a:tailEnd type="none" w="med" len="med"/>
-                    </a:lnB>
-                    <a:lnTlToBr w="12700" cmpd="sng">
-                      <a:noFill/>
-                      <a:prstDash val="solid"/>
-                    </a:lnTlToBr>
-                    <a:lnBlToTr w="12700" cmpd="sng">
-                      <a:noFill/>
-                      <a:prstDash val="solid"/>
-                    </a:lnBlToTr>
-                  </a:tcPr>
-                </a:tc>
-                <a:tc>
-                  <a:txBody>
-                    <a:bodyPr/>
-                    <a:lstStyle/>
-                    <a:p>
-                      <a:pPr algn="ctr"/>
-                      <a:r>
-                        <a:rPr lang="en-US" sz="1400" dirty="0" smtClean="0">
-                          <a:solidFill>
-                            <a:schemeClr val="tx1">
-                              <a:lumMod val="65000"/>
-                              <a:lumOff val="35000"/>
-                            </a:schemeClr>
-                          </a:solidFill>
-                        </a:rPr>
-                        <a:t>3</a:t>
-                      </a:r>
-                      <a:endParaRPr lang="en-US" sz="1400" dirty="0">
-                        <a:solidFill>
-                          <a:schemeClr val="tx1">
-                            <a:lumMod val="65000"/>
-                            <a:lumOff val="35000"/>
-                          </a:schemeClr>
-                        </a:solidFill>
-                      </a:endParaRPr>
-                    </a:p>
-                  </a:txBody>
-                  <a:tcPr marL="0" marR="0" marT="0" marB="0" anchor="ctr">
-                    <a:lnL w="12700" cap="flat" cmpd="sng" algn="ctr">
-                      <a:noFill/>
-                      <a:prstDash val="solid"/>
-                      <a:round/>
-                      <a:headEnd type="none" w="med" len="med"/>
-                      <a:tailEnd type="none" w="med" len="med"/>
-                    </a:lnL>
-                    <a:lnR w="12700" cap="flat" cmpd="sng" algn="ctr">
-                      <a:noFill/>
-                      <a:prstDash val="solid"/>
-                      <a:round/>
-                      <a:headEnd type="none" w="med" len="med"/>
-                      <a:tailEnd type="none" w="med" len="med"/>
-                    </a:lnR>
-                    <a:lnT w="12700" cap="flat" cmpd="sng" algn="ctr">
-                      <a:noFill/>
-                      <a:prstDash val="solid"/>
-                      <a:round/>
-                      <a:headEnd type="none" w="med" len="med"/>
-                      <a:tailEnd type="none" w="med" len="med"/>
-                    </a:lnT>
-                    <a:lnB w="12700" cap="flat" cmpd="sng" algn="ctr">
-                      <a:noFill/>
-                      <a:prstDash val="solid"/>
-                      <a:round/>
-                      <a:headEnd type="none" w="med" len="med"/>
-                      <a:tailEnd type="none" w="med" len="med"/>
-                    </a:lnB>
-                    <a:lnTlToBr w="12700" cmpd="sng">
-                      <a:noFill/>
-                      <a:prstDash val="solid"/>
-                    </a:lnTlToBr>
-                    <a:lnBlToTr w="12700" cmpd="sng">
-                      <a:noFill/>
-                      <a:prstDash val="solid"/>
-                    </a:lnBlToTr>
-                  </a:tcPr>
-                </a:tc>
-                <a:tc>
-                  <a:txBody>
-                    <a:bodyPr/>
-                    <a:lstStyle/>
-                    <a:p>
-                      <a:pPr algn="ctr"/>
-                      <a:r>
-                        <a:rPr lang="en-US" sz="1400" dirty="0" smtClean="0">
-                          <a:solidFill>
-                            <a:schemeClr val="tx1">
-                              <a:lumMod val="65000"/>
-                              <a:lumOff val="35000"/>
-                            </a:schemeClr>
-                          </a:solidFill>
-                        </a:rPr>
-                        <a:t>7</a:t>
-                      </a:r>
-                      <a:endParaRPr lang="en-US" sz="1400" dirty="0">
-                        <a:solidFill>
-                          <a:schemeClr val="tx1">
-                            <a:lumMod val="65000"/>
-                            <a:lumOff val="35000"/>
-                          </a:schemeClr>
-                        </a:solidFill>
-                      </a:endParaRPr>
-                    </a:p>
-                  </a:txBody>
-                  <a:tcPr marL="0" marR="0" marT="0" marB="0" anchor="ctr">
-                    <a:lnL w="12700" cap="flat" cmpd="sng" algn="ctr">
-                      <a:noFill/>
-                      <a:prstDash val="solid"/>
-                      <a:round/>
-                      <a:headEnd type="none" w="med" len="med"/>
-                      <a:tailEnd type="none" w="med" len="med"/>
-                    </a:lnL>
-                    <a:lnR w="12700" cap="flat" cmpd="sng" algn="ctr">
-                      <a:noFill/>
-                      <a:prstDash val="solid"/>
-                      <a:round/>
-                      <a:headEnd type="none" w="med" len="med"/>
-                      <a:tailEnd type="none" w="med" len="med"/>
-                    </a:lnR>
-                    <a:lnT w="12700" cap="flat" cmpd="sng" algn="ctr">
-                      <a:noFill/>
-                      <a:prstDash val="solid"/>
-                      <a:round/>
-                      <a:headEnd type="none" w="med" len="med"/>
-                      <a:tailEnd type="none" w="med" len="med"/>
-                    </a:lnT>
-                    <a:lnB w="12700" cap="flat" cmpd="sng" algn="ctr">
-                      <a:noFill/>
-                      <a:prstDash val="solid"/>
-                      <a:round/>
-                      <a:headEnd type="none" w="med" len="med"/>
-                      <a:tailEnd type="none" w="med" len="med"/>
-                    </a:lnB>
-                    <a:lnTlToBr w="12700" cmpd="sng">
-                      <a:noFill/>
-                      <a:prstDash val="solid"/>
-                    </a:lnTlToBr>
-                    <a:lnBlToTr w="12700" cmpd="sng">
-                      <a:noFill/>
-                      <a:prstDash val="solid"/>
-                    </a:lnBlToTr>
-                  </a:tcPr>
-                </a:tc>
-              </a:tr>
-              <a:tr h="365760">
-                <a:tc>
-                  <a:txBody>
-                    <a:bodyPr/>
-                    <a:lstStyle/>
-                    <a:p>
-                      <a:endParaRPr lang="en-US"/>
-                    </a:p>
-                  </a:txBody>
-                  <a:tcPr marL="0" marR="0" marT="0" marB="0">
-                    <a:lnL w="12700" cap="flat" cmpd="sng" algn="ctr">
-                      <a:noFill/>
-                      <a:prstDash val="solid"/>
-                      <a:round/>
-                      <a:headEnd type="none" w="med" len="med"/>
-                      <a:tailEnd type="none" w="med" len="med"/>
-                    </a:lnL>
-                    <a:lnR w="12700" cap="flat" cmpd="sng" algn="ctr">
-                      <a:noFill/>
-                      <a:prstDash val="solid"/>
-                      <a:round/>
-                      <a:headEnd type="none" w="med" len="med"/>
-                      <a:tailEnd type="none" w="med" len="med"/>
-                    </a:lnR>
-                    <a:lnT w="12700" cap="flat" cmpd="sng" algn="ctr">
-                      <a:noFill/>
-                      <a:prstDash val="solid"/>
-                      <a:round/>
-                      <a:headEnd type="none" w="med" len="med"/>
-                      <a:tailEnd type="none" w="med" len="med"/>
-                    </a:lnT>
-                    <a:lnB w="12700" cap="flat" cmpd="sng" algn="ctr">
-                      <a:noFill/>
-                      <a:prstDash val="solid"/>
-                      <a:round/>
-                      <a:headEnd type="none" w="med" len="med"/>
-                      <a:tailEnd type="none" w="med" len="med"/>
-                    </a:lnB>
-                    <a:lnTlToBr w="12700" cmpd="sng">
-                      <a:noFill/>
-                      <a:prstDash val="solid"/>
-                    </a:lnTlToBr>
-                    <a:lnBlToTr w="12700" cmpd="sng">
-                      <a:noFill/>
-                      <a:prstDash val="solid"/>
-                    </a:lnBlToTr>
-                  </a:tcPr>
-                </a:tc>
-                <a:tc>
-                  <a:txBody>
-                    <a:bodyPr/>
-                    <a:lstStyle/>
-                    <a:p>
-                      <a:pPr algn="ctr"/>
-                      <a:r>
-                        <a:rPr lang="en-US" sz="1400" dirty="0" smtClean="0">
-                          <a:solidFill>
-                            <a:schemeClr val="tx1">
-                              <a:lumMod val="65000"/>
-                              <a:lumOff val="35000"/>
-                            </a:schemeClr>
-                          </a:solidFill>
-                        </a:rPr>
-                        <a:t>4</a:t>
-                      </a:r>
-                      <a:endParaRPr lang="en-US" sz="1400" dirty="0">
-                        <a:solidFill>
-                          <a:schemeClr val="tx1">
-                            <a:lumMod val="65000"/>
-                            <a:lumOff val="35000"/>
-                          </a:schemeClr>
-                        </a:solidFill>
-                      </a:endParaRPr>
-                    </a:p>
-                  </a:txBody>
-                  <a:tcPr marL="0" marR="0" marT="0" marB="0" anchor="ctr">
-                    <a:lnL w="12700" cap="flat" cmpd="sng" algn="ctr">
-                      <a:noFill/>
-                      <a:prstDash val="solid"/>
-                      <a:round/>
-                      <a:headEnd type="none" w="med" len="med"/>
-                      <a:tailEnd type="none" w="med" len="med"/>
-                    </a:lnL>
-                    <a:lnR w="12700" cap="flat" cmpd="sng" algn="ctr">
-                      <a:noFill/>
-                      <a:prstDash val="solid"/>
-                      <a:round/>
-                      <a:headEnd type="none" w="med" len="med"/>
-                      <a:tailEnd type="none" w="med" len="med"/>
-                    </a:lnR>
-                    <a:lnT w="12700" cap="flat" cmpd="sng" algn="ctr">
-                      <a:noFill/>
-                      <a:prstDash val="solid"/>
-                      <a:round/>
-                      <a:headEnd type="none" w="med" len="med"/>
-                      <a:tailEnd type="none" w="med" len="med"/>
-                    </a:lnT>
-                    <a:lnB w="12700" cap="flat" cmpd="sng" algn="ctr">
-                      <a:noFill/>
-                      <a:prstDash val="solid"/>
-                      <a:round/>
-                      <a:headEnd type="none" w="med" len="med"/>
-                      <a:tailEnd type="none" w="med" len="med"/>
-                    </a:lnB>
-                    <a:lnTlToBr w="12700" cmpd="sng">
-                      <a:noFill/>
-                      <a:prstDash val="solid"/>
-                    </a:lnTlToBr>
-                    <a:lnBlToTr w="12700" cmpd="sng">
-                      <a:noFill/>
-                      <a:prstDash val="solid"/>
-                    </a:lnBlToTr>
-                  </a:tcPr>
-                </a:tc>
-                <a:tc>
-                  <a:txBody>
-                    <a:bodyPr/>
-                    <a:lstStyle/>
-                    <a:p>
-                      <a:pPr algn="ctr"/>
-                      <a:r>
-                        <a:rPr lang="en-US" sz="1400" dirty="0" smtClean="0">
-                          <a:solidFill>
-                            <a:schemeClr val="tx1">
-                              <a:lumMod val="65000"/>
-                              <a:lumOff val="35000"/>
-                            </a:schemeClr>
-                          </a:solidFill>
-                        </a:rPr>
-                        <a:t>6</a:t>
-                      </a:r>
-                      <a:endParaRPr lang="en-US" sz="1400" dirty="0">
-                        <a:solidFill>
-                          <a:schemeClr val="tx1">
-                            <a:lumMod val="65000"/>
-                            <a:lumOff val="35000"/>
-                          </a:schemeClr>
-                        </a:solidFill>
-                      </a:endParaRPr>
-                    </a:p>
-                  </a:txBody>
-                  <a:tcPr marL="0" marR="0" marT="0" marB="0" anchor="ctr">
-                    <a:lnL w="12700" cap="flat" cmpd="sng" algn="ctr">
-                      <a:noFill/>
-                      <a:prstDash val="solid"/>
-                      <a:round/>
-                      <a:headEnd type="none" w="med" len="med"/>
-                      <a:tailEnd type="none" w="med" len="med"/>
-                    </a:lnL>
-                    <a:lnR w="12700" cap="flat" cmpd="sng" algn="ctr">
-                      <a:noFill/>
-                      <a:prstDash val="solid"/>
-                      <a:round/>
-                      <a:headEnd type="none" w="med" len="med"/>
-                      <a:tailEnd type="none" w="med" len="med"/>
-                    </a:lnR>
-                    <a:lnT w="12700" cap="flat" cmpd="sng" algn="ctr">
-                      <a:noFill/>
-                      <a:prstDash val="solid"/>
-                      <a:round/>
-                      <a:headEnd type="none" w="med" len="med"/>
-                      <a:tailEnd type="none" w="med" len="med"/>
-                    </a:lnT>
-                    <a:lnB w="12700" cap="flat" cmpd="sng" algn="ctr">
-                      <a:noFill/>
-                      <a:prstDash val="solid"/>
-                      <a:round/>
-                      <a:headEnd type="none" w="med" len="med"/>
-                      <a:tailEnd type="none" w="med" len="med"/>
-                    </a:lnB>
-                    <a:lnTlToBr w="12700" cmpd="sng">
-                      <a:noFill/>
-                      <a:prstDash val="solid"/>
-                    </a:lnTlToBr>
-                    <a:lnBlToTr w="12700" cmpd="sng">
-                      <a:noFill/>
-                      <a:prstDash val="solid"/>
-                    </a:lnBlToTr>
-                  </a:tcPr>
-                </a:tc>
-              </a:tr>
-              <a:tr h="365760">
-                <a:tc>
-                  <a:txBody>
-                    <a:bodyPr/>
-                    <a:lstStyle/>
-                    <a:p>
-                      <a:endParaRPr lang="en-US"/>
-                    </a:p>
-                  </a:txBody>
-                  <a:tcPr marL="0" marR="0" marT="0" marB="0">
-                    <a:lnL w="12700" cap="flat" cmpd="sng" algn="ctr">
-                      <a:noFill/>
-                      <a:prstDash val="solid"/>
-                      <a:round/>
-                      <a:headEnd type="none" w="med" len="med"/>
-                      <a:tailEnd type="none" w="med" len="med"/>
-                    </a:lnL>
-                    <a:lnR w="12700" cap="flat" cmpd="sng" algn="ctr">
-                      <a:noFill/>
-                      <a:prstDash val="solid"/>
-                      <a:round/>
-                      <a:headEnd type="none" w="med" len="med"/>
-                      <a:tailEnd type="none" w="med" len="med"/>
-                    </a:lnR>
-                    <a:lnT w="12700" cap="flat" cmpd="sng" algn="ctr">
-                      <a:noFill/>
-                      <a:prstDash val="solid"/>
-                      <a:round/>
-                      <a:headEnd type="none" w="med" len="med"/>
-                      <a:tailEnd type="none" w="med" len="med"/>
-                    </a:lnT>
-                    <a:lnB w="12700" cap="flat" cmpd="sng" algn="ctr">
-                      <a:noFill/>
-                      <a:prstDash val="solid"/>
-                      <a:round/>
-                      <a:headEnd type="none" w="med" len="med"/>
-                      <a:tailEnd type="none" w="med" len="med"/>
-                    </a:lnB>
-                    <a:lnTlToBr w="12700" cmpd="sng">
-                      <a:noFill/>
-                      <a:prstDash val="solid"/>
-                    </a:lnTlToBr>
-                    <a:lnBlToTr w="12700" cmpd="sng">
-                      <a:noFill/>
-                      <a:prstDash val="solid"/>
-                    </a:lnBlToTr>
-                  </a:tcPr>
-                </a:tc>
-                <a:tc>
-                  <a:txBody>
-                    <a:bodyPr/>
-                    <a:lstStyle/>
-                    <a:p>
-                      <a:pPr algn="ctr"/>
-                      <a:r>
-                        <a:rPr lang="en-US" sz="1400" dirty="0" smtClean="0">
-                          <a:solidFill>
-                            <a:schemeClr val="tx1">
-                              <a:lumMod val="65000"/>
-                              <a:lumOff val="35000"/>
-                            </a:schemeClr>
-                          </a:solidFill>
-                        </a:rPr>
-                        <a:t>5</a:t>
-                      </a:r>
-                      <a:endParaRPr lang="en-US" sz="1400" dirty="0">
-                        <a:solidFill>
-                          <a:schemeClr val="tx1">
-                            <a:lumMod val="65000"/>
-                            <a:lumOff val="35000"/>
-                          </a:schemeClr>
-                        </a:solidFill>
-                      </a:endParaRPr>
-                    </a:p>
-                  </a:txBody>
-                  <a:tcPr marL="0" marR="0" marT="0" marB="0" anchor="ctr">
-                    <a:lnL w="12700" cap="flat" cmpd="sng" algn="ctr">
-                      <a:noFill/>
-                      <a:prstDash val="solid"/>
-                      <a:round/>
-                      <a:headEnd type="none" w="med" len="med"/>
-                      <a:tailEnd type="none" w="med" len="med"/>
-                    </a:lnL>
-                    <a:lnR w="12700" cap="flat" cmpd="sng" algn="ctr">
-                      <a:noFill/>
-                      <a:prstDash val="solid"/>
-                      <a:round/>
-                      <a:headEnd type="none" w="med" len="med"/>
-                      <a:tailEnd type="none" w="med" len="med"/>
-                    </a:lnR>
-                    <a:lnT w="12700" cap="flat" cmpd="sng" algn="ctr">
-                      <a:noFill/>
-                      <a:prstDash val="solid"/>
-                      <a:round/>
-                      <a:headEnd type="none" w="med" len="med"/>
-                      <a:tailEnd type="none" w="med" len="med"/>
-                    </a:lnT>
-                    <a:lnB w="12700" cap="flat" cmpd="sng" algn="ctr">
-                      <a:noFill/>
-                      <a:prstDash val="solid"/>
-                      <a:round/>
-                      <a:headEnd type="none" w="med" len="med"/>
-                      <a:tailEnd type="none" w="med" len="med"/>
-                    </a:lnB>
-                    <a:lnTlToBr w="12700" cmpd="sng">
-                      <a:noFill/>
-                      <a:prstDash val="solid"/>
-                    </a:lnTlToBr>
-                    <a:lnBlToTr w="12700" cmpd="sng">
-                      <a:noFill/>
-                      <a:prstDash val="solid"/>
-                    </a:lnBlToTr>
-                  </a:tcPr>
-                </a:tc>
-                <a:tc>
-                  <a:txBody>
-                    <a:bodyPr/>
-                    <a:lstStyle/>
-                    <a:p>
-                      <a:pPr algn="ctr"/>
-                      <a:r>
-                        <a:rPr lang="en-US" sz="1400" dirty="0" smtClean="0">
-                          <a:solidFill>
-                            <a:schemeClr val="tx1">
-                              <a:lumMod val="65000"/>
-                              <a:lumOff val="35000"/>
-                            </a:schemeClr>
-                          </a:solidFill>
-                        </a:rPr>
-                        <a:t>5</a:t>
-                      </a:r>
-                      <a:endParaRPr lang="en-US" sz="1400" dirty="0">
-                        <a:solidFill>
-                          <a:schemeClr val="tx1">
-                            <a:lumMod val="65000"/>
-                            <a:lumOff val="35000"/>
-                          </a:schemeClr>
-                        </a:solidFill>
-                      </a:endParaRPr>
-                    </a:p>
-                  </a:txBody>
-                  <a:tcPr marL="0" marR="0" marT="0" marB="0" anchor="ctr">
-                    <a:lnL w="12700" cap="flat" cmpd="sng" algn="ctr">
-                      <a:noFill/>
-                      <a:prstDash val="solid"/>
-                      <a:round/>
-                      <a:headEnd type="none" w="med" len="med"/>
-                      <a:tailEnd type="none" w="med" len="med"/>
-                    </a:lnL>
-                    <a:lnR w="12700" cap="flat" cmpd="sng" algn="ctr">
-                      <a:noFill/>
-                      <a:prstDash val="solid"/>
-                      <a:round/>
-                      <a:headEnd type="none" w="med" len="med"/>
-                      <a:tailEnd type="none" w="med" len="med"/>
-                    </a:lnR>
-                    <a:lnT w="12700" cap="flat" cmpd="sng" algn="ctr">
-                      <a:noFill/>
-                      <a:prstDash val="solid"/>
-                      <a:round/>
-                      <a:headEnd type="none" w="med" len="med"/>
-                      <a:tailEnd type="none" w="med" len="med"/>
-                    </a:lnT>
-                    <a:lnB w="12700" cap="flat" cmpd="sng" algn="ctr">
-                      <a:noFill/>
-                      <a:prstDash val="solid"/>
-                      <a:round/>
-                      <a:headEnd type="none" w="med" len="med"/>
-                      <a:tailEnd type="none" w="med" len="med"/>
-                    </a:lnB>
-                    <a:lnTlToBr w="12700" cmpd="sng">
-                      <a:noFill/>
-                      <a:prstDash val="solid"/>
-                    </a:lnTlToBr>
-                    <a:lnBlToTr w="12700" cmpd="sng">
-                      <a:noFill/>
-                      <a:prstDash val="solid"/>
-                    </a:lnBlToTr>
-                  </a:tcPr>
-                </a:tc>
-              </a:tr>
-              <a:tr h="365760">
-                <a:tc>
-                  <a:txBody>
-                    <a:bodyPr/>
-                    <a:lstStyle/>
-                    <a:p>
-                      <a:endParaRPr lang="en-US"/>
-                    </a:p>
-                  </a:txBody>
-                  <a:tcPr marL="0" marR="0" marT="0" marB="0">
-                    <a:lnL w="12700" cap="flat" cmpd="sng" algn="ctr">
-                      <a:noFill/>
-                      <a:prstDash val="solid"/>
-                      <a:round/>
-                      <a:headEnd type="none" w="med" len="med"/>
-                      <a:tailEnd type="none" w="med" len="med"/>
-                    </a:lnL>
-                    <a:lnR w="12700" cap="flat" cmpd="sng" algn="ctr">
-                      <a:noFill/>
-                      <a:prstDash val="solid"/>
-                      <a:round/>
-                      <a:headEnd type="none" w="med" len="med"/>
-                      <a:tailEnd type="none" w="med" len="med"/>
-                    </a:lnR>
-                    <a:lnT w="12700" cap="flat" cmpd="sng" algn="ctr">
-                      <a:noFill/>
-                      <a:prstDash val="solid"/>
-                      <a:round/>
-                      <a:headEnd type="none" w="med" len="med"/>
-                      <a:tailEnd type="none" w="med" len="med"/>
-                    </a:lnT>
-                    <a:lnB w="12700" cap="flat" cmpd="sng" algn="ctr">
-                      <a:noFill/>
-                      <a:prstDash val="solid"/>
-                      <a:round/>
-                      <a:headEnd type="none" w="med" len="med"/>
-                      <a:tailEnd type="none" w="med" len="med"/>
-                    </a:lnB>
-                    <a:lnTlToBr w="12700" cmpd="sng">
-                      <a:noFill/>
-                      <a:prstDash val="solid"/>
-                    </a:lnTlToBr>
-                    <a:lnBlToTr w="12700" cmpd="sng">
-                      <a:noFill/>
-                      <a:prstDash val="solid"/>
-                    </a:lnBlToTr>
-                  </a:tcPr>
-                </a:tc>
-                <a:tc>
-                  <a:txBody>
-                    <a:bodyPr/>
-                    <a:lstStyle/>
-                    <a:p>
-                      <a:pPr algn="ctr"/>
-                      <a:r>
-                        <a:rPr lang="en-US" sz="1400" dirty="0" smtClean="0">
-                          <a:solidFill>
-                            <a:schemeClr val="tx1">
-                              <a:lumMod val="65000"/>
-                              <a:lumOff val="35000"/>
-                            </a:schemeClr>
-                          </a:solidFill>
-                        </a:rPr>
-                        <a:t>6</a:t>
-                      </a:r>
-                      <a:endParaRPr lang="en-US" sz="1400" dirty="0">
-                        <a:solidFill>
-                          <a:schemeClr val="tx1">
-                            <a:lumMod val="65000"/>
-                            <a:lumOff val="35000"/>
-                          </a:schemeClr>
-                        </a:solidFill>
-                      </a:endParaRPr>
-                    </a:p>
-                  </a:txBody>
-                  <a:tcPr marL="0" marR="0" marT="0" marB="0" anchor="ctr">
-                    <a:lnL w="12700" cap="flat" cmpd="sng" algn="ctr">
-                      <a:noFill/>
-                      <a:prstDash val="solid"/>
-                      <a:round/>
-                      <a:headEnd type="none" w="med" len="med"/>
-                      <a:tailEnd type="none" w="med" len="med"/>
-                    </a:lnL>
-                    <a:lnR w="12700" cap="flat" cmpd="sng" algn="ctr">
-                      <a:noFill/>
-                      <a:prstDash val="solid"/>
-                      <a:round/>
-                      <a:headEnd type="none" w="med" len="med"/>
-                      <a:tailEnd type="none" w="med" len="med"/>
-                    </a:lnR>
-                    <a:lnT w="12700" cap="flat" cmpd="sng" algn="ctr">
-                      <a:noFill/>
-                      <a:prstDash val="solid"/>
-                      <a:round/>
-                      <a:headEnd type="none" w="med" len="med"/>
-                      <a:tailEnd type="none" w="med" len="med"/>
-                    </a:lnT>
-                    <a:lnB w="12700" cap="flat" cmpd="sng" algn="ctr">
-                      <a:noFill/>
-                      <a:prstDash val="solid"/>
-                      <a:round/>
-                      <a:headEnd type="none" w="med" len="med"/>
-                      <a:tailEnd type="none" w="med" len="med"/>
-                    </a:lnB>
-                    <a:lnTlToBr w="12700" cmpd="sng">
-                      <a:noFill/>
-                      <a:prstDash val="solid"/>
-                    </a:lnTlToBr>
-                    <a:lnBlToTr w="12700" cmpd="sng">
-                      <a:noFill/>
-                      <a:prstDash val="solid"/>
-                    </a:lnBlToTr>
-                  </a:tcPr>
-                </a:tc>
-                <a:tc>
-                  <a:txBody>
-                    <a:bodyPr/>
-                    <a:lstStyle/>
-                    <a:p>
-                      <a:pPr algn="ctr"/>
-                      <a:r>
-                        <a:rPr lang="en-US" sz="1400" dirty="0" smtClean="0">
-                          <a:solidFill>
-                            <a:schemeClr val="tx1">
-                              <a:lumMod val="65000"/>
-                              <a:lumOff val="35000"/>
-                            </a:schemeClr>
-                          </a:solidFill>
-                        </a:rPr>
-                        <a:t>3</a:t>
-                      </a:r>
-                      <a:endParaRPr lang="en-US" sz="1400" dirty="0">
-                        <a:solidFill>
-                          <a:schemeClr val="tx1">
-                            <a:lumMod val="65000"/>
-                            <a:lumOff val="35000"/>
-                          </a:schemeClr>
-                        </a:solidFill>
-                      </a:endParaRPr>
-                    </a:p>
-                  </a:txBody>
-                  <a:tcPr marL="0" marR="0" marT="0" marB="0" anchor="ctr">
-                    <a:lnL w="12700" cap="flat" cmpd="sng" algn="ctr">
-                      <a:noFill/>
-                      <a:prstDash val="solid"/>
-                      <a:round/>
-                      <a:headEnd type="none" w="med" len="med"/>
-                      <a:tailEnd type="none" w="med" len="med"/>
-                    </a:lnL>
-                    <a:lnR w="12700" cap="flat" cmpd="sng" algn="ctr">
-                      <a:noFill/>
-                      <a:prstDash val="solid"/>
-                      <a:round/>
-                      <a:headEnd type="none" w="med" len="med"/>
-                      <a:tailEnd type="none" w="med" len="med"/>
-                    </a:lnR>
-                    <a:lnT w="12700" cap="flat" cmpd="sng" algn="ctr">
-                      <a:noFill/>
-                      <a:prstDash val="solid"/>
-                      <a:round/>
-                      <a:headEnd type="none" w="med" len="med"/>
-                      <a:tailEnd type="none" w="med" len="med"/>
-                    </a:lnT>
-                    <a:lnB w="12700" cap="flat" cmpd="sng" algn="ctr">
-                      <a:noFill/>
-                      <a:prstDash val="solid"/>
-                      <a:round/>
-                      <a:headEnd type="none" w="med" len="med"/>
-                      <a:tailEnd type="none" w="med" len="med"/>
-                    </a:lnB>
-                    <a:lnTlToBr w="12700" cmpd="sng">
-                      <a:noFill/>
-                      <a:prstDash val="solid"/>
-                    </a:lnTlToBr>
-                    <a:lnBlToTr w="12700" cmpd="sng">
-                      <a:noFill/>
-                      <a:prstDash val="solid"/>
-                    </a:lnBlToTr>
-                  </a:tcPr>
-                </a:tc>
-              </a:tr>
-              <a:tr h="365760">
-                <a:tc>
-                  <a:txBody>
-                    <a:bodyPr/>
-                    <a:lstStyle/>
-                    <a:p>
-                      <a:endParaRPr lang="en-US"/>
-                    </a:p>
-                  </a:txBody>
-                  <a:tcPr marL="0" marR="0" marT="0" marB="0">
-                    <a:lnL w="12700" cap="flat" cmpd="sng" algn="ctr">
-                      <a:noFill/>
-                      <a:prstDash val="solid"/>
-                      <a:round/>
-                      <a:headEnd type="none" w="med" len="med"/>
-                      <a:tailEnd type="none" w="med" len="med"/>
-                    </a:lnL>
-                    <a:lnR w="12700" cap="flat" cmpd="sng" algn="ctr">
-                      <a:noFill/>
-                      <a:prstDash val="solid"/>
-                      <a:round/>
-                      <a:headEnd type="none" w="med" len="med"/>
-                      <a:tailEnd type="none" w="med" len="med"/>
-                    </a:lnR>
-                    <a:lnT w="12700" cap="flat" cmpd="sng" algn="ctr">
-                      <a:noFill/>
-                      <a:prstDash val="solid"/>
-                      <a:round/>
-                      <a:headEnd type="none" w="med" len="med"/>
-                      <a:tailEnd type="none" w="med" len="med"/>
-                    </a:lnT>
-                    <a:lnB w="12700" cap="flat" cmpd="sng" algn="ctr">
-                      <a:noFill/>
-                      <a:prstDash val="solid"/>
-                      <a:round/>
-                      <a:headEnd type="none" w="med" len="med"/>
-                      <a:tailEnd type="none" w="med" len="med"/>
-                    </a:lnB>
-                    <a:lnTlToBr w="12700" cmpd="sng">
-                      <a:noFill/>
-                      <a:prstDash val="solid"/>
-                    </a:lnTlToBr>
-                    <a:lnBlToTr w="12700" cmpd="sng">
-                      <a:noFill/>
-                      <a:prstDash val="solid"/>
-                    </a:lnBlToTr>
-                  </a:tcPr>
-                </a:tc>
-                <a:tc>
-                  <a:txBody>
-                    <a:bodyPr/>
-                    <a:lstStyle/>
-                    <a:p>
-                      <a:pPr algn="ctr"/>
-                      <a:r>
-                        <a:rPr lang="en-US" sz="1400" dirty="0" smtClean="0">
-                          <a:solidFill>
-                            <a:schemeClr val="tx1">
-                              <a:lumMod val="65000"/>
-                              <a:lumOff val="35000"/>
-                            </a:schemeClr>
-                          </a:solidFill>
-                        </a:rPr>
-                        <a:t>7</a:t>
-                      </a:r>
-                      <a:endParaRPr lang="en-US" sz="1400" dirty="0">
-                        <a:solidFill>
-                          <a:schemeClr val="tx1">
-                            <a:lumMod val="65000"/>
-                            <a:lumOff val="35000"/>
-                          </a:schemeClr>
-                        </a:solidFill>
-                      </a:endParaRPr>
-                    </a:p>
-                  </a:txBody>
-                  <a:tcPr marL="0" marR="0" marT="0" marB="0" anchor="ctr">
-                    <a:lnL w="12700" cap="flat" cmpd="sng" algn="ctr">
-                      <a:noFill/>
-                      <a:prstDash val="solid"/>
-                      <a:round/>
-                      <a:headEnd type="none" w="med" len="med"/>
-                      <a:tailEnd type="none" w="med" len="med"/>
-                    </a:lnL>
-                    <a:lnR w="12700" cap="flat" cmpd="sng" algn="ctr">
-                      <a:noFill/>
-                      <a:prstDash val="solid"/>
-                      <a:round/>
-                      <a:headEnd type="none" w="med" len="med"/>
-                      <a:tailEnd type="none" w="med" len="med"/>
-                    </a:lnR>
-                    <a:lnT w="12700" cap="flat" cmpd="sng" algn="ctr">
-                      <a:noFill/>
-                      <a:prstDash val="solid"/>
-                      <a:round/>
-                      <a:headEnd type="none" w="med" len="med"/>
-                      <a:tailEnd type="none" w="med" len="med"/>
-                    </a:lnT>
-                    <a:lnB w="12700" cap="flat" cmpd="sng" algn="ctr">
-                      <a:noFill/>
-                      <a:prstDash val="solid"/>
-                      <a:round/>
-                      <a:headEnd type="none" w="med" len="med"/>
-                      <a:tailEnd type="none" w="med" len="med"/>
-                    </a:lnB>
-                    <a:lnTlToBr w="12700" cmpd="sng">
-                      <a:noFill/>
-                      <a:prstDash val="solid"/>
-                    </a:lnTlToBr>
-                    <a:lnBlToTr w="12700" cmpd="sng">
-                      <a:noFill/>
-                      <a:prstDash val="solid"/>
-                    </a:lnBlToTr>
-                  </a:tcPr>
-                </a:tc>
-                <a:tc>
-                  <a:txBody>
-                    <a:bodyPr/>
-                    <a:lstStyle/>
-                    <a:p>
-                      <a:pPr algn="ctr"/>
-                      <a:r>
-                        <a:rPr lang="en-US" sz="1400" dirty="0" smtClean="0">
-                          <a:solidFill>
-                            <a:schemeClr val="tx1">
-                              <a:lumMod val="65000"/>
-                              <a:lumOff val="35000"/>
-                            </a:schemeClr>
-                          </a:solidFill>
-                        </a:rPr>
-                        <a:t>9</a:t>
-                      </a:r>
-                      <a:endParaRPr lang="en-US" sz="1400" dirty="0">
-                        <a:solidFill>
-                          <a:schemeClr val="tx1">
-                            <a:lumMod val="65000"/>
-                            <a:lumOff val="35000"/>
-                          </a:schemeClr>
-                        </a:solidFill>
-                      </a:endParaRPr>
-                    </a:p>
-                  </a:txBody>
-                  <a:tcPr marL="0" marR="0" marT="0" marB="0" anchor="ctr">
-                    <a:lnL w="12700" cap="flat" cmpd="sng" algn="ctr">
-                      <a:noFill/>
-                      <a:prstDash val="solid"/>
-                      <a:round/>
-                      <a:headEnd type="none" w="med" len="med"/>
-                      <a:tailEnd type="none" w="med" len="med"/>
-                    </a:lnL>
-                    <a:lnR w="12700" cap="flat" cmpd="sng" algn="ctr">
-                      <a:noFill/>
-                      <a:prstDash val="solid"/>
-                      <a:round/>
-                      <a:headEnd type="none" w="med" len="med"/>
-                      <a:tailEnd type="none" w="med" len="med"/>
-                    </a:lnR>
-                    <a:lnT w="12700" cap="flat" cmpd="sng" algn="ctr">
-                      <a:noFill/>
-                      <a:prstDash val="solid"/>
-                      <a:round/>
-                      <a:headEnd type="none" w="med" len="med"/>
-                      <a:tailEnd type="none" w="med" len="med"/>
-                    </a:lnT>
-                    <a:lnB w="12700" cap="flat" cmpd="sng" algn="ctr">
-                      <a:noFill/>
-                      <a:prstDash val="solid"/>
-                      <a:round/>
-                      <a:headEnd type="none" w="med" len="med"/>
-                      <a:tailEnd type="none" w="med" len="med"/>
-                    </a:lnB>
-                    <a:lnTlToBr w="12700" cmpd="sng">
-                      <a:noFill/>
-                      <a:prstDash val="solid"/>
-                    </a:lnTlToBr>
-                    <a:lnBlToTr w="12700" cmpd="sng">
-                      <a:noFill/>
-                      <a:prstDash val="solid"/>
-                    </a:lnBlToTr>
-                  </a:tcPr>
-                </a:tc>
-              </a:tr>
-              <a:tr h="365760">
-                <a:tc>
-                  <a:txBody>
-                    <a:bodyPr/>
-                    <a:lstStyle/>
-                    <a:p>
-                      <a:endParaRPr lang="en-US" dirty="0"/>
-                    </a:p>
-                  </a:txBody>
-                  <a:tcPr marL="0" marR="0" marT="0" marB="0">
-                    <a:lnL w="12700" cap="flat" cmpd="sng" algn="ctr">
-                      <a:noFill/>
-                      <a:prstDash val="solid"/>
-                      <a:round/>
-                      <a:headEnd type="none" w="med" len="med"/>
-                      <a:tailEnd type="none" w="med" len="med"/>
-                    </a:lnL>
-                    <a:lnR w="12700" cap="flat" cmpd="sng" algn="ctr">
-                      <a:noFill/>
-                      <a:prstDash val="solid"/>
-                      <a:round/>
-                      <a:headEnd type="none" w="med" len="med"/>
-                      <a:tailEnd type="none" w="med" len="med"/>
-                    </a:lnR>
-                    <a:lnT w="12700" cap="flat" cmpd="sng" algn="ctr">
-                      <a:noFill/>
-                      <a:prstDash val="solid"/>
-                      <a:round/>
-                      <a:headEnd type="none" w="med" len="med"/>
-                      <a:tailEnd type="none" w="med" len="med"/>
-                    </a:lnT>
-                    <a:lnB w="12700" cap="flat" cmpd="sng" algn="ctr">
-                      <a:noFill/>
-                      <a:prstDash val="solid"/>
-                      <a:round/>
-                      <a:headEnd type="none" w="med" len="med"/>
-                      <a:tailEnd type="none" w="med" len="med"/>
-                    </a:lnB>
-                    <a:lnTlToBr w="12700" cmpd="sng">
-                      <a:noFill/>
-                      <a:prstDash val="solid"/>
-                    </a:lnTlToBr>
-                    <a:lnBlToTr w="12700" cmpd="sng">
-                      <a:noFill/>
-                      <a:prstDash val="solid"/>
-                    </a:lnBlToTr>
-                  </a:tcPr>
-                </a:tc>
-                <a:tc>
-                  <a:txBody>
-                    <a:bodyPr/>
-                    <a:lstStyle/>
-                    <a:p>
-                      <a:pPr algn="ctr"/>
-                      <a:r>
-                        <a:rPr lang="en-US" sz="1400" dirty="0" smtClean="0">
-                          <a:solidFill>
-                            <a:schemeClr val="tx1">
-                              <a:lumMod val="65000"/>
-                              <a:lumOff val="35000"/>
-                            </a:schemeClr>
-                          </a:solidFill>
-                        </a:rPr>
-                        <a:t>8</a:t>
-                      </a:r>
-                      <a:endParaRPr lang="en-US" sz="1400" dirty="0">
-                        <a:solidFill>
-                          <a:schemeClr val="tx1">
-                            <a:lumMod val="65000"/>
-                            <a:lumOff val="35000"/>
-                          </a:schemeClr>
-                        </a:solidFill>
-                      </a:endParaRPr>
-                    </a:p>
-                  </a:txBody>
-                  <a:tcPr marL="0" marR="0" marT="0" marB="0" anchor="ctr">
-                    <a:lnL w="12700" cap="flat" cmpd="sng" algn="ctr">
-                      <a:noFill/>
-                      <a:prstDash val="solid"/>
-                      <a:round/>
-                      <a:headEnd type="none" w="med" len="med"/>
-                      <a:tailEnd type="none" w="med" len="med"/>
-                    </a:lnL>
-                    <a:lnR w="12700" cap="flat" cmpd="sng" algn="ctr">
-                      <a:noFill/>
-                      <a:prstDash val="solid"/>
-                      <a:round/>
-                      <a:headEnd type="none" w="med" len="med"/>
-                      <a:tailEnd type="none" w="med" len="med"/>
-                    </a:lnR>
-                    <a:lnT w="12700" cap="flat" cmpd="sng" algn="ctr">
-                      <a:noFill/>
-                      <a:prstDash val="solid"/>
-                      <a:round/>
-                      <a:headEnd type="none" w="med" len="med"/>
-                      <a:tailEnd type="none" w="med" len="med"/>
-                    </a:lnT>
-                    <a:lnB w="12700" cap="flat" cmpd="sng" algn="ctr">
-                      <a:noFill/>
-                      <a:prstDash val="solid"/>
-                      <a:round/>
-                      <a:headEnd type="none" w="med" len="med"/>
-                      <a:tailEnd type="none" w="med" len="med"/>
-                    </a:lnB>
-                    <a:lnTlToBr w="12700" cmpd="sng">
-                      <a:noFill/>
-                      <a:prstDash val="solid"/>
-                    </a:lnTlToBr>
-                    <a:lnBlToTr w="12700" cmpd="sng">
-                      <a:noFill/>
-                      <a:prstDash val="solid"/>
-                    </a:lnBlToTr>
-                  </a:tcPr>
-                </a:tc>
-                <a:tc>
-                  <a:txBody>
-                    <a:bodyPr/>
-                    <a:lstStyle/>
-                    <a:p>
-                      <a:pPr algn="ctr"/>
-                      <a:r>
-                        <a:rPr lang="en-US" sz="1400" dirty="0" smtClean="0">
-                          <a:solidFill>
-                            <a:schemeClr val="tx1">
-                              <a:lumMod val="65000"/>
-                              <a:lumOff val="35000"/>
-                            </a:schemeClr>
-                          </a:solidFill>
-                        </a:rPr>
-                        <a:t>10</a:t>
-                      </a:r>
-                      <a:endParaRPr lang="en-US" sz="1400" dirty="0">
-                        <a:solidFill>
-                          <a:schemeClr val="tx1">
-                            <a:lumMod val="65000"/>
-                            <a:lumOff val="35000"/>
-                          </a:schemeClr>
-                        </a:solidFill>
-                      </a:endParaRPr>
-                    </a:p>
-                  </a:txBody>
-                  <a:tcPr marL="0" marR="0" marT="0" marB="0" anchor="ctr">
-                    <a:lnL w="12700" cap="flat" cmpd="sng" algn="ctr">
-                      <a:noFill/>
-                      <a:prstDash val="solid"/>
-                      <a:round/>
-                      <a:headEnd type="none" w="med" len="med"/>
-                      <a:tailEnd type="none" w="med" len="med"/>
-                    </a:lnL>
-                    <a:lnR w="12700" cap="flat" cmpd="sng" algn="ctr">
-                      <a:noFill/>
-                      <a:prstDash val="solid"/>
-                      <a:round/>
-                      <a:headEnd type="none" w="med" len="med"/>
-                      <a:tailEnd type="none" w="med" len="med"/>
-                    </a:lnR>
-                    <a:lnT w="12700" cap="flat" cmpd="sng" algn="ctr">
-                      <a:noFill/>
-                      <a:prstDash val="solid"/>
-                      <a:round/>
-                      <a:headEnd type="none" w="med" len="med"/>
-                      <a:tailEnd type="none" w="med" len="med"/>
-                    </a:lnT>
-                    <a:lnB w="12700" cap="flat" cmpd="sng" algn="ctr">
-                      <a:noFill/>
-                      <a:prstDash val="solid"/>
-                      <a:round/>
-                      <a:headEnd type="none" w="med" len="med"/>
-                      <a:tailEnd type="none" w="med" len="med"/>
-                    </a:lnB>
-                    <a:lnTlToBr w="12700" cmpd="sng">
-                      <a:noFill/>
-                      <a:prstDash val="solid"/>
-                    </a:lnTlToBr>
-                    <a:lnBlToTr w="12700" cmpd="sng">
-                      <a:noFill/>
-                      <a:prstDash val="solid"/>
-                    </a:lnBlToTr>
-                  </a:tcPr>
-                </a:tc>
-              </a:tr>
-              <a:tr h="365760">
-                <a:tc>
-                  <a:txBody>
-                    <a:bodyPr/>
-                    <a:lstStyle/>
-                    <a:p>
-                      <a:endParaRPr lang="en-US"/>
-                    </a:p>
-                  </a:txBody>
-                  <a:tcPr marL="0" marR="0" marT="0" marB="0">
-                    <a:lnL w="12700" cap="flat" cmpd="sng" algn="ctr">
-                      <a:noFill/>
-                      <a:prstDash val="solid"/>
-                      <a:round/>
-                      <a:headEnd type="none" w="med" len="med"/>
-                      <a:tailEnd type="none" w="med" len="med"/>
-                    </a:lnL>
-                    <a:lnR w="12700" cap="flat" cmpd="sng" algn="ctr">
-                      <a:noFill/>
-                      <a:prstDash val="solid"/>
-                      <a:round/>
-                      <a:headEnd type="none" w="med" len="med"/>
-                      <a:tailEnd type="none" w="med" len="med"/>
-                    </a:lnR>
-                    <a:lnT w="12700" cap="flat" cmpd="sng" algn="ctr">
-                      <a:noFill/>
-                      <a:prstDash val="solid"/>
-                      <a:round/>
-                      <a:headEnd type="none" w="med" len="med"/>
-                      <a:tailEnd type="none" w="med" len="med"/>
-                    </a:lnT>
-                    <a:lnB w="12700" cap="flat" cmpd="sng" algn="ctr">
-                      <a:noFill/>
-                      <a:prstDash val="solid"/>
-                      <a:round/>
-                      <a:headEnd type="none" w="med" len="med"/>
-                      <a:tailEnd type="none" w="med" len="med"/>
-                    </a:lnB>
-                    <a:lnTlToBr w="12700" cmpd="sng">
-                      <a:noFill/>
-                      <a:prstDash val="solid"/>
-                    </a:lnTlToBr>
-                    <a:lnBlToTr w="12700" cmpd="sng">
-                      <a:noFill/>
-                      <a:prstDash val="solid"/>
-                    </a:lnBlToTr>
-                  </a:tcPr>
-                </a:tc>
-                <a:tc>
-                  <a:txBody>
-                    <a:bodyPr/>
-                    <a:lstStyle/>
-                    <a:p>
-                      <a:pPr algn="ctr"/>
-                      <a:r>
-                        <a:rPr lang="en-US" sz="1400" dirty="0" smtClean="0">
-                          <a:solidFill>
-                            <a:schemeClr val="tx1">
-                              <a:lumMod val="65000"/>
-                              <a:lumOff val="35000"/>
-                            </a:schemeClr>
-                          </a:solidFill>
-                        </a:rPr>
-                        <a:t>9</a:t>
-                      </a:r>
-                      <a:endParaRPr lang="en-US" sz="1400" dirty="0">
-                        <a:solidFill>
-                          <a:schemeClr val="tx1">
-                            <a:lumMod val="65000"/>
-                            <a:lumOff val="35000"/>
-                          </a:schemeClr>
-                        </a:solidFill>
-                      </a:endParaRPr>
-                    </a:p>
-                  </a:txBody>
-                  <a:tcPr marL="0" marR="0" marT="0" marB="0" anchor="ctr">
-                    <a:lnL w="12700" cap="flat" cmpd="sng" algn="ctr">
-                      <a:noFill/>
-                      <a:prstDash val="solid"/>
-                      <a:round/>
-                      <a:headEnd type="none" w="med" len="med"/>
-                      <a:tailEnd type="none" w="med" len="med"/>
-                    </a:lnL>
-                    <a:lnR w="12700" cap="flat" cmpd="sng" algn="ctr">
-                      <a:noFill/>
-                      <a:prstDash val="solid"/>
-                      <a:round/>
-                      <a:headEnd type="none" w="med" len="med"/>
-                      <a:tailEnd type="none" w="med" len="med"/>
-                    </a:lnR>
-                    <a:lnT w="12700" cap="flat" cmpd="sng" algn="ctr">
-                      <a:noFill/>
-                      <a:prstDash val="solid"/>
-                      <a:round/>
-                      <a:headEnd type="none" w="med" len="med"/>
-                      <a:tailEnd type="none" w="med" len="med"/>
-                    </a:lnT>
-                    <a:lnB w="12700" cap="flat" cmpd="sng" algn="ctr">
-                      <a:noFill/>
-                      <a:prstDash val="solid"/>
-                      <a:round/>
-                      <a:headEnd type="none" w="med" len="med"/>
-                      <a:tailEnd type="none" w="med" len="med"/>
-                    </a:lnB>
-                    <a:lnTlToBr w="12700" cmpd="sng">
-                      <a:noFill/>
-                      <a:prstDash val="solid"/>
-                    </a:lnTlToBr>
-                    <a:lnBlToTr w="12700" cmpd="sng">
-                      <a:noFill/>
-                      <a:prstDash val="solid"/>
-                    </a:lnBlToTr>
-                  </a:tcPr>
-                </a:tc>
-                <a:tc>
-                  <a:txBody>
-                    <a:bodyPr/>
-                    <a:lstStyle/>
-                    <a:p>
-                      <a:pPr algn="ctr"/>
-                      <a:r>
-                        <a:rPr lang="en-US" sz="1400" dirty="0" smtClean="0">
-                          <a:solidFill>
-                            <a:schemeClr val="tx1">
-                              <a:lumMod val="65000"/>
-                              <a:lumOff val="35000"/>
-                            </a:schemeClr>
-                          </a:solidFill>
-                        </a:rPr>
-                        <a:t>4</a:t>
-                      </a:r>
-                      <a:endParaRPr lang="en-US" sz="1400" dirty="0">
-                        <a:solidFill>
-                          <a:schemeClr val="tx1">
-                            <a:lumMod val="65000"/>
-                            <a:lumOff val="35000"/>
-                          </a:schemeClr>
-                        </a:solidFill>
-                      </a:endParaRPr>
-                    </a:p>
-                  </a:txBody>
-                  <a:tcPr marL="0" marR="0" marT="0" marB="0" anchor="ctr">
-                    <a:lnL w="12700" cap="flat" cmpd="sng" algn="ctr">
-                      <a:noFill/>
-                      <a:prstDash val="solid"/>
-                      <a:round/>
-                      <a:headEnd type="none" w="med" len="med"/>
-                      <a:tailEnd type="none" w="med" len="med"/>
-                    </a:lnL>
-                    <a:lnR w="12700" cap="flat" cmpd="sng" algn="ctr">
-                      <a:noFill/>
-                      <a:prstDash val="solid"/>
-                      <a:round/>
-                      <a:headEnd type="none" w="med" len="med"/>
-                      <a:tailEnd type="none" w="med" len="med"/>
-                    </a:lnR>
-                    <a:lnT w="12700" cap="flat" cmpd="sng" algn="ctr">
-                      <a:noFill/>
-                      <a:prstDash val="solid"/>
-                      <a:round/>
-                      <a:headEnd type="none" w="med" len="med"/>
-                      <a:tailEnd type="none" w="med" len="med"/>
-                    </a:lnT>
-                    <a:lnB w="12700" cap="flat" cmpd="sng" algn="ctr">
-                      <a:noFill/>
-                      <a:prstDash val="solid"/>
-                      <a:round/>
-                      <a:headEnd type="none" w="med" len="med"/>
-                      <a:tailEnd type="none" w="med" len="med"/>
-                    </a:lnB>
-                    <a:lnTlToBr w="12700" cmpd="sng">
-                      <a:noFill/>
-                      <a:prstDash val="solid"/>
-                    </a:lnTlToBr>
-                    <a:lnBlToTr w="12700" cmpd="sng">
-                      <a:noFill/>
-                      <a:prstDash val="solid"/>
-                    </a:lnBlToTr>
-                  </a:tcPr>
-                </a:tc>
-              </a:tr>
-              <a:tr h="365760">
-                <a:tc>
-                  <a:txBody>
-                    <a:bodyPr/>
-                    <a:lstStyle/>
-                    <a:p>
-                      <a:endParaRPr lang="en-US"/>
-                    </a:p>
-                  </a:txBody>
-                  <a:tcPr marL="0" marR="0" marT="0" marB="0">
-                    <a:lnL w="12700" cap="flat" cmpd="sng" algn="ctr">
-                      <a:noFill/>
-                      <a:prstDash val="solid"/>
-                      <a:round/>
-                      <a:headEnd type="none" w="med" len="med"/>
-                      <a:tailEnd type="none" w="med" len="med"/>
-                    </a:lnL>
-                    <a:lnR w="12700" cap="flat" cmpd="sng" algn="ctr">
-                      <a:noFill/>
-                      <a:prstDash val="solid"/>
-                      <a:round/>
-                      <a:headEnd type="none" w="med" len="med"/>
-                      <a:tailEnd type="none" w="med" len="med"/>
-                    </a:lnR>
-                    <a:lnT w="12700" cap="flat" cmpd="sng" algn="ctr">
-                      <a:noFill/>
-                      <a:prstDash val="solid"/>
-                      <a:round/>
-                      <a:headEnd type="none" w="med" len="med"/>
-                      <a:tailEnd type="none" w="med" len="med"/>
-                    </a:lnT>
-                    <a:lnB w="12700" cap="flat" cmpd="sng" algn="ctr">
-                      <a:noFill/>
-                      <a:prstDash val="solid"/>
-                      <a:round/>
-                      <a:headEnd type="none" w="med" len="med"/>
-                      <a:tailEnd type="none" w="med" len="med"/>
-                    </a:lnB>
-                    <a:lnTlToBr w="12700" cmpd="sng">
-                      <a:noFill/>
-                      <a:prstDash val="solid"/>
-                    </a:lnTlToBr>
-                    <a:lnBlToTr w="12700" cmpd="sng">
-                      <a:noFill/>
-                      <a:prstDash val="solid"/>
-                    </a:lnBlToTr>
-                  </a:tcPr>
-                </a:tc>
-                <a:tc>
-                  <a:txBody>
-                    <a:bodyPr/>
-                    <a:lstStyle/>
-                    <a:p>
-                      <a:pPr algn="ctr"/>
-                      <a:r>
-                        <a:rPr lang="en-US" sz="1400" dirty="0" smtClean="0">
-                          <a:solidFill>
-                            <a:schemeClr val="tx1">
-                              <a:lumMod val="65000"/>
-                              <a:lumOff val="35000"/>
-                            </a:schemeClr>
-                          </a:solidFill>
-                        </a:rPr>
-                        <a:t>10</a:t>
-                      </a:r>
-                    </a:p>
-                  </a:txBody>
-                  <a:tcPr marL="0" marR="0" marT="0" marB="0" anchor="ctr">
-                    <a:lnL w="12700" cap="flat" cmpd="sng" algn="ctr">
-                      <a:noFill/>
-                      <a:prstDash val="solid"/>
-                      <a:round/>
-                      <a:headEnd type="none" w="med" len="med"/>
-                      <a:tailEnd type="none" w="med" len="med"/>
-                    </a:lnL>
-                    <a:lnR w="12700" cap="flat" cmpd="sng" algn="ctr">
-                      <a:noFill/>
-                      <a:prstDash val="solid"/>
-                      <a:round/>
-                      <a:headEnd type="none" w="med" len="med"/>
-                      <a:tailEnd type="none" w="med" len="med"/>
-                    </a:lnR>
-                    <a:lnT w="12700" cap="flat" cmpd="sng" algn="ctr">
-                      <a:noFill/>
-                      <a:prstDash val="solid"/>
-                      <a:round/>
-                      <a:headEnd type="none" w="med" len="med"/>
-                      <a:tailEnd type="none" w="med" len="med"/>
-                    </a:lnT>
-                    <a:lnB w="12700" cap="flat" cmpd="sng" algn="ctr">
-                      <a:noFill/>
-                      <a:prstDash val="solid"/>
-                      <a:round/>
-                      <a:headEnd type="none" w="med" len="med"/>
-                      <a:tailEnd type="none" w="med" len="med"/>
-                    </a:lnB>
-                    <a:lnTlToBr w="12700" cmpd="sng">
-                      <a:noFill/>
-                      <a:prstDash val="solid"/>
-                    </a:lnTlToBr>
-                    <a:lnBlToTr w="12700" cmpd="sng">
-                      <a:noFill/>
-                      <a:prstDash val="solid"/>
-                    </a:lnBlToTr>
-                  </a:tcPr>
-                </a:tc>
-                <a:tc>
-                  <a:txBody>
-                    <a:bodyPr/>
-                    <a:lstStyle/>
-                    <a:p>
-                      <a:pPr algn="ctr"/>
-                      <a:r>
-                        <a:rPr lang="en-US" sz="1400" dirty="0" smtClean="0">
-                          <a:solidFill>
-                            <a:schemeClr val="tx1">
-                              <a:lumMod val="65000"/>
-                              <a:lumOff val="35000"/>
-                            </a:schemeClr>
-                          </a:solidFill>
-                        </a:rPr>
-                        <a:t>1</a:t>
-                      </a:r>
-                      <a:endParaRPr lang="en-US" sz="1400" dirty="0">
-                        <a:solidFill>
-                          <a:schemeClr val="tx1">
-                            <a:lumMod val="65000"/>
-                            <a:lumOff val="35000"/>
-                          </a:schemeClr>
-                        </a:solidFill>
-                      </a:endParaRPr>
-                    </a:p>
-                  </a:txBody>
-                  <a:tcPr marL="0" marR="0" marT="0" marB="0" anchor="ctr">
-                    <a:lnL w="12700" cap="flat" cmpd="sng" algn="ctr">
-                      <a:noFill/>
-                      <a:prstDash val="solid"/>
-                      <a:round/>
-                      <a:headEnd type="none" w="med" len="med"/>
-                      <a:tailEnd type="none" w="med" len="med"/>
-                    </a:lnL>
-                    <a:lnR w="12700" cap="flat" cmpd="sng" algn="ctr">
-                      <a:noFill/>
-                      <a:prstDash val="solid"/>
-                      <a:round/>
-                      <a:headEnd type="none" w="med" len="med"/>
-                      <a:tailEnd type="none" w="med" len="med"/>
-                    </a:lnR>
-                    <a:lnT w="12700" cap="flat" cmpd="sng" algn="ctr">
-                      <a:noFill/>
-                      <a:prstDash val="solid"/>
-                      <a:round/>
-                      <a:headEnd type="none" w="med" len="med"/>
-                      <a:tailEnd type="none" w="med" len="med"/>
-                    </a:lnT>
-                    <a:lnB w="12700" cap="flat" cmpd="sng" algn="ctr">
-                      <a:noFill/>
-                      <a:prstDash val="solid"/>
-                      <a:round/>
-                      <a:headEnd type="none" w="med" len="med"/>
-                      <a:tailEnd type="none" w="med" len="med"/>
-                    </a:lnB>
-                    <a:lnTlToBr w="12700" cmpd="sng">
-                      <a:noFill/>
-                      <a:prstDash val="solid"/>
-                    </a:lnTlToBr>
-                    <a:lnBlToTr w="12700" cmpd="sng">
-                      <a:noFill/>
-                      <a:prstDash val="solid"/>
-                    </a:lnBlToTr>
-                  </a:tcPr>
-                </a:tc>
-              </a:tr>
-              <a:tr h="365760">
-                <a:tc>
-                  <a:txBody>
-                    <a:bodyPr/>
-                    <a:lstStyle/>
-                    <a:p>
-                      <a:endParaRPr lang="en-US"/>
-                    </a:p>
-                  </a:txBody>
-                  <a:tcPr marL="0" marR="0" marT="0" marB="0">
-                    <a:lnL w="12700" cap="flat" cmpd="sng" algn="ctr">
-                      <a:noFill/>
-                      <a:prstDash val="solid"/>
-                      <a:round/>
-                      <a:headEnd type="none" w="med" len="med"/>
-                      <a:tailEnd type="none" w="med" len="med"/>
-                    </a:lnL>
-                    <a:lnR w="12700" cap="flat" cmpd="sng" algn="ctr">
-                      <a:noFill/>
-                      <a:prstDash val="solid"/>
-                      <a:round/>
-                      <a:headEnd type="none" w="med" len="med"/>
-                      <a:tailEnd type="none" w="med" len="med"/>
-                    </a:lnR>
-                    <a:lnT w="12700" cap="flat" cmpd="sng" algn="ctr">
-                      <a:noFill/>
-                      <a:prstDash val="solid"/>
-                      <a:round/>
-                      <a:headEnd type="none" w="med" len="med"/>
-                      <a:tailEnd type="none" w="med" len="med"/>
-                    </a:lnT>
-                    <a:lnB w="12700" cap="flat" cmpd="sng" algn="ctr">
-                      <a:noFill/>
-                      <a:prstDash val="solid"/>
-                      <a:round/>
-                      <a:headEnd type="none" w="med" len="med"/>
-                      <a:tailEnd type="none" w="med" len="med"/>
-                    </a:lnB>
-                    <a:lnTlToBr w="12700" cmpd="sng">
-                      <a:noFill/>
-                      <a:prstDash val="solid"/>
-                    </a:lnTlToBr>
-                    <a:lnBlToTr w="12700" cmpd="sng">
-                      <a:noFill/>
-                      <a:prstDash val="solid"/>
-                    </a:lnBlToTr>
-                  </a:tcPr>
-                </a:tc>
-                <a:tc>
-                  <a:txBody>
-                    <a:bodyPr/>
-                    <a:lstStyle/>
-                    <a:p>
-                      <a:pPr algn="ctr"/>
-                      <a:r>
-                        <a:rPr lang="en-US" sz="1400" dirty="0" smtClean="0">
-                          <a:solidFill>
-                            <a:schemeClr val="tx1">
-                              <a:lumMod val="65000"/>
-                              <a:lumOff val="35000"/>
-                            </a:schemeClr>
-                          </a:solidFill>
-                        </a:rPr>
-                        <a:t>11</a:t>
-                      </a:r>
-                      <a:endParaRPr lang="en-US" sz="1400" dirty="0">
-                        <a:solidFill>
-                          <a:schemeClr val="tx1">
-                            <a:lumMod val="65000"/>
-                            <a:lumOff val="35000"/>
-                          </a:schemeClr>
-                        </a:solidFill>
-                      </a:endParaRPr>
-                    </a:p>
-                  </a:txBody>
-                  <a:tcPr marL="0" marR="0" marT="0" marB="0" anchor="ctr">
-                    <a:lnL w="12700" cap="flat" cmpd="sng" algn="ctr">
-                      <a:noFill/>
-                      <a:prstDash val="solid"/>
-                      <a:round/>
-                      <a:headEnd type="none" w="med" len="med"/>
-                      <a:tailEnd type="none" w="med" len="med"/>
-                    </a:lnL>
-                    <a:lnR w="12700" cap="flat" cmpd="sng" algn="ctr">
-                      <a:noFill/>
-                      <a:prstDash val="solid"/>
-                      <a:round/>
-                      <a:headEnd type="none" w="med" len="med"/>
-                      <a:tailEnd type="none" w="med" len="med"/>
-                    </a:lnR>
-                    <a:lnT w="12700" cap="flat" cmpd="sng" algn="ctr">
-                      <a:noFill/>
-                      <a:prstDash val="solid"/>
-                      <a:round/>
-                      <a:headEnd type="none" w="med" len="med"/>
-                      <a:tailEnd type="none" w="med" len="med"/>
-                    </a:lnT>
-                    <a:lnB w="12700" cap="flat" cmpd="sng" algn="ctr">
-                      <a:noFill/>
-                      <a:prstDash val="solid"/>
-                      <a:round/>
-                      <a:headEnd type="none" w="med" len="med"/>
-                      <a:tailEnd type="none" w="med" len="med"/>
-                    </a:lnB>
-                    <a:lnTlToBr w="12700" cmpd="sng">
-                      <a:noFill/>
-                      <a:prstDash val="solid"/>
-                    </a:lnTlToBr>
-                    <a:lnBlToTr w="12700" cmpd="sng">
-                      <a:noFill/>
-                      <a:prstDash val="solid"/>
-                    </a:lnBlToTr>
-                  </a:tcPr>
-                </a:tc>
-                <a:tc>
-                  <a:txBody>
-                    <a:bodyPr/>
-                    <a:lstStyle/>
-                    <a:p>
-                      <a:pPr algn="ctr"/>
-                      <a:r>
-                        <a:rPr lang="en-US" sz="1400" dirty="0" smtClean="0">
-                          <a:solidFill>
-                            <a:schemeClr val="tx1">
-                              <a:lumMod val="65000"/>
-                              <a:lumOff val="35000"/>
-                            </a:schemeClr>
-                          </a:solidFill>
-                        </a:rPr>
-                        <a:t>11</a:t>
-                      </a:r>
-                      <a:endParaRPr lang="en-US" sz="1400" dirty="0">
-                        <a:solidFill>
-                          <a:schemeClr val="tx1">
-                            <a:lumMod val="65000"/>
-                            <a:lumOff val="35000"/>
-                          </a:schemeClr>
-                        </a:solidFill>
-                      </a:endParaRPr>
-                    </a:p>
-                  </a:txBody>
-                  <a:tcPr marL="0" marR="0" marT="0" marB="0" anchor="ctr">
-                    <a:lnL w="12700" cap="flat" cmpd="sng" algn="ctr">
-                      <a:noFill/>
-                      <a:prstDash val="solid"/>
-                      <a:round/>
-                      <a:headEnd type="none" w="med" len="med"/>
-                      <a:tailEnd type="none" w="med" len="med"/>
-                    </a:lnL>
-                    <a:lnR w="12700" cap="flat" cmpd="sng" algn="ctr">
-                      <a:noFill/>
-                      <a:prstDash val="solid"/>
-                      <a:round/>
-                      <a:headEnd type="none" w="med" len="med"/>
-                      <a:tailEnd type="none" w="med" len="med"/>
-                    </a:lnR>
-                    <a:lnT w="12700" cap="flat" cmpd="sng" algn="ctr">
-                      <a:noFill/>
-                      <a:prstDash val="solid"/>
-                      <a:round/>
-                      <a:headEnd type="none" w="med" len="med"/>
-                      <a:tailEnd type="none" w="med" len="med"/>
-                    </a:lnT>
-                    <a:lnB w="12700" cap="flat" cmpd="sng" algn="ctr">
-                      <a:noFill/>
-                      <a:prstDash val="solid"/>
-                      <a:round/>
-                      <a:headEnd type="none" w="med" len="med"/>
-                      <a:tailEnd type="none" w="med" len="med"/>
-                    </a:lnB>
-                    <a:lnTlToBr w="12700" cmpd="sng">
-                      <a:noFill/>
-                      <a:prstDash val="solid"/>
-                    </a:lnTlToBr>
-                    <a:lnBlToTr w="12700" cmpd="sng">
-                      <a:noFill/>
-                      <a:prstDash val="solid"/>
-                    </a:lnBlToTr>
-                  </a:tcPr>
-                </a:tc>
-              </a:tr>
-            </a:tbl>
-          </a:graphicData>
-        </a:graphic>
-      </p:graphicFrame>
-    </p:spTree>
-    <p:extLst>
-      <p:ext uri="{BB962C8B-B14F-4D97-AF65-F5344CB8AC3E}">
-        <p14:creationId xmlns:p14="http://schemas.microsoft.com/office/powerpoint/2010/main" val="557263267"/>
-      </p:ext>
-    </p:extLst>
-  </p:cSld>
-  <p:clrMapOvr>
-    <a:masterClrMapping/>
-  </p:clrMapOvr>
-  <p:timing>
-    <p:tnLst>
-      <p:par>
-        <p:cTn id="1" dur="indefinite" restart="never" nodeType="tmRoot"/>
-      </p:par>
-    </p:tnLst>
-  </p:timing>
-</p:sld>
-</file>
-
-<file path=ppt/slides/slide11.xml><?xml version="1.0" encoding="utf-8"?>
-<p:sld xmlns:a="http://schemas.openxmlformats.org/drawingml/2006/main" xmlns:r="http://schemas.openxmlformats.org/officeDocument/2006/relationships" xmlns:p="http://schemas.openxmlformats.org/presentationml/2006/main">
-  <p:cSld>
-    <p:bg>
-      <p:bgPr>
-        <a:solidFill>
-          <a:schemeClr val="bg1"/>
-        </a:solidFill>
-        <a:effectLst/>
-      </p:bgPr>
-    </p:bg>
-    <p:spTree>
-      <p:nvGrpSpPr>
-        <p:cNvPr id="1" name=""/>
-        <p:cNvGrpSpPr/>
-        <p:nvPr/>
-      </p:nvGrpSpPr>
-      <p:grpSpPr>
-        <a:xfrm>
-          <a:off x="0" y="0"/>
-          <a:ext cx="0" cy="0"/>
-          <a:chOff x="0" y="0"/>
-          <a:chExt cx="0" cy="0"/>
-        </a:xfrm>
-      </p:grpSpPr>
       <p:pic>
         <p:nvPicPr>
           <p:cNvPr id="17" name="Picture 16"/>
@@ -32974,7 +26314,7 @@
 </p:sld>
 </file>
 
-<file path=ppt/slides/slide12.xml><?xml version="1.0" encoding="utf-8"?>
+<file path=ppt/slides/slide11.xml><?xml version="1.0" encoding="utf-8"?>
 <p:sld xmlns:a="http://schemas.openxmlformats.org/drawingml/2006/main" xmlns:r="http://schemas.openxmlformats.org/officeDocument/2006/relationships" xmlns:p="http://schemas.openxmlformats.org/presentationml/2006/main">
   <p:cSld>
     <p:bg>
@@ -34173,7 +27513,7 @@
 </p:sld>
 </file>
 
-<file path=ppt/slides/slide13.xml><?xml version="1.0" encoding="utf-8"?>
+<file path=ppt/slides/slide12.xml><?xml version="1.0" encoding="utf-8"?>
 <p:sld xmlns:a="http://schemas.openxmlformats.org/drawingml/2006/main" xmlns:r="http://schemas.openxmlformats.org/officeDocument/2006/relationships" xmlns:p="http://schemas.openxmlformats.org/presentationml/2006/main">
   <p:cSld>
     <p:bg>
@@ -34741,7 +28081,7 @@
 </p:sld>
 </file>
 
-<file path=ppt/slides/slide14.xml><?xml version="1.0" encoding="utf-8"?>
+<file path=ppt/slides/slide13.xml><?xml version="1.0" encoding="utf-8"?>
 <p:sld xmlns:a="http://schemas.openxmlformats.org/drawingml/2006/main" xmlns:r="http://schemas.openxmlformats.org/officeDocument/2006/relationships" xmlns:p="http://schemas.openxmlformats.org/presentationml/2006/main">
   <p:cSld>
     <p:bg>
@@ -35771,7 +29111,7 @@
 </p:sld>
 </file>
 
-<file path=ppt/slides/slide15.xml><?xml version="1.0" encoding="utf-8"?>
+<file path=ppt/slides/slide14.xml><?xml version="1.0" encoding="utf-8"?>
 <p:sld xmlns:a="http://schemas.openxmlformats.org/drawingml/2006/main" xmlns:r="http://schemas.openxmlformats.org/officeDocument/2006/relationships" xmlns:p="http://schemas.openxmlformats.org/presentationml/2006/main">
   <p:cSld>
     <p:bg>
@@ -36336,7 +29676,29 @@
                   </a:schemeClr>
                 </a:solidFill>
               </a:rPr>
-              <a:t> classification performance with </a:t>
+              <a:t> classification </a:t>
+            </a:r>
+            <a:r>
+              <a:rPr lang="en-US" sz="2800" dirty="0" smtClean="0">
+                <a:solidFill>
+                  <a:schemeClr val="tx1">
+                    <a:lumMod val="65000"/>
+                    <a:lumOff val="35000"/>
+                  </a:schemeClr>
+                </a:solidFill>
+              </a:rPr>
+              <a:t>performance </a:t>
+            </a:r>
+            <a:r>
+              <a:rPr lang="en-US" sz="2800" dirty="0">
+                <a:solidFill>
+                  <a:schemeClr val="tx1">
+                    <a:lumMod val="65000"/>
+                    <a:lumOff val="35000"/>
+                  </a:schemeClr>
+                </a:solidFill>
+              </a:rPr>
+              <a:t>with </a:t>
             </a:r>
             <a:r>
               <a:rPr lang="en-US" sz="2800" dirty="0" smtClean="0">
@@ -40192,14 +33554,6 @@
               </a:rPr>
               <a:t> results</a:t>
             </a:r>
-            <a:endParaRPr lang="en-US" sz="2800" dirty="0" smtClean="0">
-              <a:solidFill>
-                <a:schemeClr val="tx1">
-                  <a:lumMod val="65000"/>
-                  <a:lumOff val="35000"/>
-                </a:schemeClr>
-              </a:solidFill>
-            </a:endParaRPr>
           </a:p>
         </p:txBody>
       </p:sp>
@@ -40270,47 +33624,7 @@
                   </a:srgbClr>
                 </a:solidFill>
               </a:rPr>
-              <a:t>Separate </a:t>
-            </a:r>
-            <a:r>
-              <a:rPr lang="en-US" sz="2800" dirty="0" smtClean="0">
-                <a:solidFill>
-                  <a:srgbClr val="9BBB59">
-                    <a:lumMod val="50000"/>
-                  </a:srgbClr>
-                </a:solidFill>
-              </a:rPr>
-              <a:t>for </a:t>
-            </a:r>
-            <a:r>
-              <a:rPr lang="en-US" sz="2800" dirty="0" smtClean="0">
-                <a:solidFill>
-                  <a:srgbClr val="9BBB59">
-                    <a:lumMod val="50000"/>
-                  </a:srgbClr>
-                </a:solidFill>
-              </a:rPr>
-              <a:t>red </a:t>
-            </a:r>
-            <a:r>
-              <a:rPr lang="en-US" sz="2800" dirty="0" smtClean="0">
-                <a:solidFill>
-                  <a:srgbClr val="9BBB59">
-                    <a:lumMod val="50000"/>
-                  </a:srgbClr>
-                </a:solidFill>
-              </a:rPr>
-              <a:t>and </a:t>
-            </a:r>
-            <a:r>
-              <a:rPr lang="en-US" sz="2800" dirty="0" smtClean="0">
-                <a:solidFill>
-                  <a:srgbClr val="9BBB59">
-                    <a:lumMod val="50000"/>
-                  </a:srgbClr>
-                </a:solidFill>
-              </a:rPr>
-              <a:t>white</a:t>
+              <a:t>Separate for red and white</a:t>
             </a:r>
             <a:endParaRPr lang="en-US" sz="2800" dirty="0">
               <a:solidFill>
